--- a/Research/Docs/SIH2025_PPT.pptx
+++ b/Research/Docs/SIH2025_PPT.pptx
@@ -261,7 +261,7 @@
             <a:fld id="{C4D5ADD5-2BBC-4A94-8F86-D9013941F742}" type="datetimeFigureOut">
               <a:rPr lang="en-US"/>
               <a:pPr/>
-              <a:t>9/8/2025</a:t>
+              <a:t>9/9/2025</a:t>
             </a:fld>
             <a:endParaRPr lang="en-US"/>
           </a:p>
@@ -1534,7 +1534,7 @@
           <a:p>
             <a:fld id="{E60792E3-D524-454C-8AFD-A91972900BCB}" type="datetime1">
               <a:rPr lang="en-US" smtClean="0"/>
-              <a:t>9/8/2025</a:t>
+              <a:t>9/9/2025</a:t>
             </a:fld>
             <a:endParaRPr lang="en-US"/>
           </a:p>
@@ -1719,7 +1719,7 @@
           <a:p>
             <a:fld id="{053C3A68-6922-42D3-8905-ECC2D82A3469}" type="datetime1">
               <a:rPr lang="en-US" smtClean="0"/>
-              <a:t>9/8/2025</a:t>
+              <a:t>9/9/2025</a:t>
             </a:fld>
             <a:endParaRPr lang="en-US"/>
           </a:p>
@@ -1914,7 +1914,7 @@
           <a:p>
             <a:fld id="{CB69E9F4-7604-4950-A8B2-8ACDEDB1506E}" type="datetime1">
               <a:rPr lang="en-US" smtClean="0"/>
-              <a:t>9/8/2025</a:t>
+              <a:t>9/9/2025</a:t>
             </a:fld>
             <a:endParaRPr lang="en-US"/>
           </a:p>
@@ -2099,7 +2099,7 @@
           <a:p>
             <a:fld id="{708B7524-32A2-4C20-A58C-BC3BAA1042FC}" type="datetime1">
               <a:rPr lang="en-US" smtClean="0"/>
-              <a:t>9/8/2025</a:t>
+              <a:t>9/9/2025</a:t>
             </a:fld>
             <a:endParaRPr lang="en-US"/>
           </a:p>
@@ -2361,7 +2361,7 @@
           <a:p>
             <a:fld id="{1E994447-D6B2-43BB-A877-57F1A267B999}" type="datetime1">
               <a:rPr lang="en-US" smtClean="0"/>
-              <a:t>9/8/2025</a:t>
+              <a:t>9/9/2025</a:t>
             </a:fld>
             <a:endParaRPr lang="en-US"/>
           </a:p>
@@ -2663,7 +2663,7 @@
           <a:p>
             <a:fld id="{68920E16-BD35-483C-AA6B-346FC7E46DEA}" type="datetime1">
               <a:rPr lang="en-US" smtClean="0"/>
-              <a:t>9/8/2025</a:t>
+              <a:t>9/9/2025</a:t>
             </a:fld>
             <a:endParaRPr lang="en-US"/>
           </a:p>
@@ -3099,7 +3099,7 @@
           <a:p>
             <a:fld id="{2FEAC6F8-5103-4FC0-A69E-5C6AE6469DA8}" type="datetime1">
               <a:rPr lang="en-US" smtClean="0"/>
-              <a:t>9/8/2025</a:t>
+              <a:t>9/9/2025</a:t>
             </a:fld>
             <a:endParaRPr lang="en-US"/>
           </a:p>
@@ -3233,7 +3233,7 @@
           <a:p>
             <a:fld id="{C60C6921-0627-4C8F-83D5-0CF936D2FFDD}" type="datetime1">
               <a:rPr lang="en-US" smtClean="0"/>
-              <a:t>9/8/2025</a:t>
+              <a:t>9/9/2025</a:t>
             </a:fld>
             <a:endParaRPr lang="en-US"/>
           </a:p>
@@ -3345,7 +3345,7 @@
           <a:p>
             <a:fld id="{2FF08AD7-8103-40F8-983C-E2BA6BB9CBE0}" type="datetime1">
               <a:rPr lang="en-US" smtClean="0"/>
-              <a:t>9/8/2025</a:t>
+              <a:t>9/9/2025</a:t>
             </a:fld>
             <a:endParaRPr lang="en-US"/>
           </a:p>
@@ -3637,7 +3637,7 @@
           <a:p>
             <a:fld id="{DF8C06B4-9380-4A4D-AF49-A3596E17DAF5}" type="datetime1">
               <a:rPr lang="en-US" smtClean="0"/>
-              <a:t>9/8/2025</a:t>
+              <a:t>9/9/2025</a:t>
             </a:fld>
             <a:endParaRPr lang="en-US"/>
           </a:p>
@@ -3909,7 +3909,7 @@
           <a:p>
             <a:fld id="{EF7FDEF1-C582-4E22-9E77-D68326471F28}" type="datetime1">
               <a:rPr lang="en-US" smtClean="0"/>
-              <a:t>9/8/2025</a:t>
+              <a:t>9/9/2025</a:t>
             </a:fld>
             <a:endParaRPr lang="en-US"/>
           </a:p>
@@ -4155,7 +4155,7 @@
           <a:p>
             <a:fld id="{780A9602-A9A9-453F-AEF1-37B5837E02CD}" type="datetime1">
               <a:rPr lang="en-US" smtClean="0"/>
-              <a:t>9/8/2025</a:t>
+              <a:t>9/9/2025</a:t>
             </a:fld>
             <a:endParaRPr lang="en-US"/>
           </a:p>
@@ -5859,6 +5859,53 @@
           <a:chExt cx="0" cy="0"/>
         </a:xfrm>
       </p:grpSpPr>
+      <p:pic>
+        <p:nvPicPr>
+          <p:cNvPr id="1029" name="Picture 5" descr="Public transport Images - Free Download on Freepik">
+            <a:extLst>
+              <a:ext uri="{FF2B5EF4-FFF2-40B4-BE49-F238E27FC236}">
+                <a16:creationId xmlns:a16="http://schemas.microsoft.com/office/drawing/2014/main" id="{62E385DF-B184-4D20-F90C-7AC078608EEE}"/>
+              </a:ext>
+            </a:extLst>
+          </p:cNvPr>
+          <p:cNvPicPr>
+            <a:picLocks noChangeAspect="1" noChangeArrowheads="1"/>
+          </p:cNvPicPr>
+          <p:nvPr/>
+        </p:nvPicPr>
+        <p:blipFill>
+          <a:blip r:embed="rId3">
+            <a:extLst>
+              <a:ext uri="{28A0092B-C50C-407E-A947-70E740481C1C}">
+                <a14:useLocalDpi xmlns:a14="http://schemas.microsoft.com/office/drawing/2010/main" val="0"/>
+              </a:ext>
+            </a:extLst>
+          </a:blip>
+          <a:srcRect/>
+          <a:stretch>
+            <a:fillRect/>
+          </a:stretch>
+        </p:blipFill>
+        <p:spPr bwMode="auto">
+          <a:xfrm>
+            <a:off x="7310300" y="2621145"/>
+            <a:ext cx="4881700" cy="3251867"/>
+          </a:xfrm>
+          <a:prstGeom prst="rect">
+            <a:avLst/>
+          </a:prstGeom>
+          <a:noFill/>
+          <a:extLst>
+            <a:ext uri="{909E8E84-426E-40DD-AFC4-6F175D3DCCD1}">
+              <a14:hiddenFill xmlns:a14="http://schemas.microsoft.com/office/drawing/2010/main">
+                <a:solidFill>
+                  <a:srgbClr val="FFFFFF"/>
+                </a:solidFill>
+              </a14:hiddenFill>
+            </a:ext>
+          </a:extLst>
+        </p:spPr>
+      </p:pic>
       <p:sp>
         <p:nvSpPr>
           <p:cNvPr id="9" name="Rectangle 8"/>
@@ -5959,8 +6006,8 @@
         </p:nvSpPr>
         <p:spPr bwMode="auto">
           <a:xfrm>
-            <a:off x="1247885" y="2162077"/>
-            <a:ext cx="5595367" cy="4247317"/>
+            <a:off x="1247885" y="2221459"/>
+            <a:ext cx="6604315" cy="3693319"/>
           </a:xfrm>
           <a:prstGeom prst="rect">
             <a:avLst/>
@@ -5980,8 +6027,18 @@
           <a:lstStyle/>
           <a:p>
             <a:r>
-              <a:rPr lang="en-IN" b="1" u="sng" dirty="0"/>
+              <a:rPr lang="en-US" b="1" dirty="0"/>
               <a:t>Proposed Solution:</a:t>
+            </a:r>
+          </a:p>
+          <a:p>
+            <a:pPr marL="285750" indent="-285750">
+              <a:buFont typeface="Arial" panose="020B0604020202020204" pitchFamily="34" charset="0"/>
+              <a:buChar char="•"/>
+            </a:pPr>
+            <a:r>
+              <a:rPr lang="en-US" dirty="0"/>
+              <a:t>Our app builds a live network by integrating official route and stop data with real-time GPS from the driver's phone, offering a trip planner, traffic-aware ETAs, and smart disruption alerts for smoother travel.</a:t>
             </a:r>
           </a:p>
           <a:p>
@@ -5998,15 +6055,7 @@
             </a:pPr>
             <a:r>
               <a:rPr lang="en-US" dirty="0"/>
-              <a:t>Our </a:t>
-            </a:r>
-            <a:r>
-              <a:rPr lang="en-US" sz="2000" dirty="0"/>
-              <a:t>app</a:t>
-            </a:r>
-            <a:r>
-              <a:rPr lang="en-US" dirty="0"/>
-              <a:t> unifies GTFS, GPS, and crowdsourced data into one platform with a real-time trip planner, ETAs, fare info, and AI simulations for smoother travel.</a:t>
+              <a:t>It reduces users waiting times, improves reliability, and generates data to support better transport planning while enhancing last-mile connectivity and commuter trust.</a:t>
             </a:r>
           </a:p>
           <a:p>
@@ -6023,28 +6072,8 @@
             </a:pPr>
             <a:r>
               <a:rPr lang="en-US" dirty="0"/>
-              <a:t>It reduces users waiting times, improves reliability, and generates data to support better transport planning while enhancing last-mile connectivity and commuter trust.</a:t>
-            </a:r>
-          </a:p>
-          <a:p>
-            <a:pPr marL="285750" indent="-285750">
-              <a:buFont typeface="Arial" panose="020B0604020202020204" pitchFamily="34" charset="0"/>
-              <a:buChar char="•"/>
-            </a:pPr>
-            <a:endParaRPr lang="en-US" dirty="0"/>
-          </a:p>
-          <a:p>
-            <a:pPr marL="285750" indent="-285750">
-              <a:buFont typeface="Arial" panose="020B0604020202020204" pitchFamily="34" charset="0"/>
-              <a:buChar char="•"/>
-            </a:pPr>
-            <a:r>
-              <a:rPr lang="en-US" dirty="0"/>
               <a:t>Unique to India, it offers multilingual support, future UPI integration, Tier-2/3 focus, and gamified eco-friendly rewards through crowdsourcing.</a:t>
             </a:r>
-          </a:p>
-          <a:p>
-            <a:endParaRPr lang="en-IN" dirty="0"/>
           </a:p>
         </p:txBody>
       </p:sp>
@@ -6183,7 +6212,7 @@
           <p:nvPr/>
         </p:nvPicPr>
         <p:blipFill>
-          <a:blip r:embed="rId3">
+          <a:blip r:embed="rId4">
             <a:extLst>
               <a:ext uri="{28A0092B-C50C-407E-A947-70E740481C1C}">
                 <a14:useLocalDpi xmlns:a14="http://schemas.microsoft.com/office/drawing/2010/main" val="0"/>
@@ -6401,7 +6430,15 @@
             <a:pPr algn="l" eaLnBrk="1" hangingPunct="1"/>
             <a:r>
               <a:rPr lang="en-US" sz="1800" dirty="0"/>
-              <a:t>Traveling in a city using public transit is often a hassle with scattered maps, delays, and no unified system. Our solution is a mobile app that simplifies the transit experience by bringing everything into one platform.</a:t>
+              <a:t>Traveling in a city using public transit is often a hassle with scattered maps, delays, and no unified system. Our solution is a mobile app that simplifies the transit experience by bringing everything into one </a:t>
+            </a:r>
+            <a:r>
+              <a:rPr lang="en-US" sz="2000" dirty="0"/>
+              <a:t>platform</a:t>
+            </a:r>
+            <a:r>
+              <a:rPr lang="en-US" sz="1800" dirty="0"/>
+              <a:t>.</a:t>
             </a:r>
             <a:endParaRPr lang="en-US" sz="1800" dirty="0">
               <a:latin typeface="+mj-lt"/>
@@ -6411,53 +6448,6 @@
           </a:p>
         </p:txBody>
       </p:sp>
-      <p:pic>
-        <p:nvPicPr>
-          <p:cNvPr id="1028" name="Picture 4" descr="2,400+ Waiting For Bus Stock Illustrations, Royalty-Free Vector Graphics &amp;  Clip Art - iStock | People waiting for bus, Woman waiting for bus, Man  waiting for bus">
-            <a:extLst>
-              <a:ext uri="{FF2B5EF4-FFF2-40B4-BE49-F238E27FC236}">
-                <a16:creationId xmlns:a16="http://schemas.microsoft.com/office/drawing/2014/main" id="{55D8D37A-51AE-845A-7338-FEAB96579430}"/>
-              </a:ext>
-            </a:extLst>
-          </p:cNvPr>
-          <p:cNvPicPr>
-            <a:picLocks noChangeAspect="1" noChangeArrowheads="1"/>
-          </p:cNvPicPr>
-          <p:nvPr/>
-        </p:nvPicPr>
-        <p:blipFill>
-          <a:blip r:embed="rId4">
-            <a:extLst>
-              <a:ext uri="{28A0092B-C50C-407E-A947-70E740481C1C}">
-                <a14:useLocalDpi xmlns:a14="http://schemas.microsoft.com/office/drawing/2010/main" val="0"/>
-              </a:ext>
-            </a:extLst>
-          </a:blip>
-          <a:srcRect/>
-          <a:stretch>
-            <a:fillRect/>
-          </a:stretch>
-        </p:blipFill>
-        <p:spPr bwMode="auto">
-          <a:xfrm>
-            <a:off x="7268177" y="3019899"/>
-            <a:ext cx="4479165" cy="2905602"/>
-          </a:xfrm>
-          <a:prstGeom prst="rect">
-            <a:avLst/>
-          </a:prstGeom>
-          <a:noFill/>
-          <a:extLst>
-            <a:ext uri="{909E8E84-426E-40DD-AFC4-6F175D3DCCD1}">
-              <a14:hiddenFill xmlns:a14="http://schemas.microsoft.com/office/drawing/2010/main">
-                <a:solidFill>
-                  <a:srgbClr val="FFFFFF"/>
-                </a:solidFill>
-              </a14:hiddenFill>
-            </a:ext>
-          </a:extLst>
-        </p:spPr>
-      </p:pic>
     </p:spTree>
   </p:cSld>
   <p:clrMapOvr>
@@ -6486,6 +6476,36 @@
           <a:chExt cx="0" cy="0"/>
         </a:xfrm>
       </p:grpSpPr>
+      <p:pic>
+        <p:nvPicPr>
+          <p:cNvPr id="7" name="Picture 6">
+            <a:extLst>
+              <a:ext uri="{FF2B5EF4-FFF2-40B4-BE49-F238E27FC236}">
+                <a16:creationId xmlns:a16="http://schemas.microsoft.com/office/drawing/2014/main" id="{5B253660-B909-CDF3-4618-12BBECA43A86}"/>
+              </a:ext>
+            </a:extLst>
+          </p:cNvPr>
+          <p:cNvPicPr>
+            <a:picLocks noChangeAspect="1"/>
+          </p:cNvPicPr>
+          <p:nvPr/>
+        </p:nvPicPr>
+        <p:blipFill>
+          <a:blip r:embed="rId3"/>
+          <a:stretch>
+            <a:fillRect/>
+          </a:stretch>
+        </p:blipFill>
+        <p:spPr>
+          <a:xfrm>
+            <a:off x="5840205" y="1676399"/>
+            <a:ext cx="5894594" cy="4526245"/>
+          </a:xfrm>
+          <a:prstGeom prst="rect">
+            <a:avLst/>
+          </a:prstGeom>
+        </p:spPr>
+      </p:pic>
       <p:sp>
         <p:nvSpPr>
           <p:cNvPr id="3" name="Title 1">
@@ -6742,6 +6762,2696 @@
             <a:extLst>
               <a:ext uri="{FF2B5EF4-FFF2-40B4-BE49-F238E27FC236}">
                 <a16:creationId xmlns:a16="http://schemas.microsoft.com/office/drawing/2014/main" id="{F08FCA46-D2F7-4076-D62F-9DDD3CA58F50}"/>
+              </a:ext>
+            </a:extLst>
+          </p:cNvPr>
+          <p:cNvPicPr>
+            <a:picLocks noChangeAspect="1" noChangeArrowheads="1"/>
+          </p:cNvPicPr>
+          <p:nvPr/>
+        </p:nvPicPr>
+        <p:blipFill>
+          <a:blip r:embed="rId4">
+            <a:extLst>
+              <a:ext uri="{28A0092B-C50C-407E-A947-70E740481C1C}">
+                <a14:useLocalDpi xmlns:a14="http://schemas.microsoft.com/office/drawing/2010/main" val="0"/>
+              </a:ext>
+            </a:extLst>
+          </a:blip>
+          <a:srcRect/>
+          <a:stretch>
+            <a:fillRect/>
+          </a:stretch>
+        </p:blipFill>
+        <p:spPr bwMode="auto">
+          <a:xfrm>
+            <a:off x="10107561" y="57097"/>
+            <a:ext cx="1751080" cy="890052"/>
+          </a:xfrm>
+          <a:prstGeom prst="rect">
+            <a:avLst/>
+          </a:prstGeom>
+          <a:noFill/>
+          <a:extLst>
+            <a:ext uri="{909E8E84-426E-40DD-AFC4-6F175D3DCCD1}">
+              <a14:hiddenFill xmlns:a14="http://schemas.microsoft.com/office/drawing/2010/main">
+                <a:solidFill>
+                  <a:srgbClr val="FFFFFF"/>
+                </a:solidFill>
+              </a14:hiddenFill>
+            </a:ext>
+          </a:extLst>
+        </p:spPr>
+      </p:pic>
+      <p:sp>
+        <p:nvSpPr>
+          <p:cNvPr id="13" name="Title 1">
+            <a:extLst>
+              <a:ext uri="{FF2B5EF4-FFF2-40B4-BE49-F238E27FC236}">
+                <a16:creationId xmlns:a16="http://schemas.microsoft.com/office/drawing/2014/main" id="{3DB45DED-F642-7A2B-9537-62BDD9F12071}"/>
+              </a:ext>
+            </a:extLst>
+          </p:cNvPr>
+          <p:cNvSpPr txBox="1">
+            <a:spLocks/>
+          </p:cNvSpPr>
+          <p:nvPr/>
+        </p:nvSpPr>
+        <p:spPr bwMode="auto">
+          <a:xfrm>
+            <a:off x="1247887" y="1121341"/>
+            <a:ext cx="9692639" cy="888442"/>
+          </a:xfrm>
+          <a:prstGeom prst="rect">
+            <a:avLst/>
+          </a:prstGeom>
+          <a:noFill/>
+          <a:ln w="9525">
+            <a:noFill/>
+            <a:miter lim="800000"/>
+            <a:headEnd/>
+            <a:tailEnd/>
+          </a:ln>
+        </p:spPr>
+        <p:txBody>
+          <a:bodyPr vert="horz" wrap="square" lIns="91440" tIns="45720" rIns="91440" bIns="45720" numCol="1" anchor="ctr" anchorCtr="0" compatLnSpc="1">
+            <a:prstTxWarp prst="textNoShape">
+              <a:avLst/>
+            </a:prstTxWarp>
+          </a:bodyPr>
+          <a:lstStyle>
+            <a:lvl1pPr algn="ctr" defTabSz="457200" rtl="0" eaLnBrk="0" fontAlgn="base" hangingPunct="0">
+              <a:spcBef>
+                <a:spcPct val="0"/>
+              </a:spcBef>
+              <a:spcAft>
+                <a:spcPct val="0"/>
+              </a:spcAft>
+              <a:defRPr sz="4400" kern="1200">
+                <a:solidFill>
+                  <a:schemeClr val="tx1"/>
+                </a:solidFill>
+                <a:latin typeface="TradeGothic"/>
+                <a:ea typeface="ＭＳ Ｐゴシック" charset="0"/>
+                <a:cs typeface="ＭＳ Ｐゴシック" charset="0"/>
+              </a:defRPr>
+            </a:lvl1pPr>
+            <a:lvl2pPr algn="ctr" defTabSz="457200" rtl="0" eaLnBrk="0" fontAlgn="base" hangingPunct="0">
+              <a:spcBef>
+                <a:spcPct val="0"/>
+              </a:spcBef>
+              <a:spcAft>
+                <a:spcPct val="0"/>
+              </a:spcAft>
+              <a:defRPr sz="4400">
+                <a:solidFill>
+                  <a:schemeClr val="tx1"/>
+                </a:solidFill>
+                <a:latin typeface="TradeGothic" charset="0"/>
+                <a:ea typeface="ＭＳ Ｐゴシック" charset="0"/>
+                <a:cs typeface="ＭＳ Ｐゴシック" charset="0"/>
+              </a:defRPr>
+            </a:lvl2pPr>
+            <a:lvl3pPr algn="ctr" defTabSz="457200" rtl="0" eaLnBrk="0" fontAlgn="base" hangingPunct="0">
+              <a:spcBef>
+                <a:spcPct val="0"/>
+              </a:spcBef>
+              <a:spcAft>
+                <a:spcPct val="0"/>
+              </a:spcAft>
+              <a:defRPr sz="4400">
+                <a:solidFill>
+                  <a:schemeClr val="tx1"/>
+                </a:solidFill>
+                <a:latin typeface="TradeGothic" charset="0"/>
+                <a:ea typeface="ＭＳ Ｐゴシック" charset="0"/>
+                <a:cs typeface="ＭＳ Ｐゴシック" charset="0"/>
+              </a:defRPr>
+            </a:lvl3pPr>
+            <a:lvl4pPr algn="ctr" defTabSz="457200" rtl="0" eaLnBrk="0" fontAlgn="base" hangingPunct="0">
+              <a:spcBef>
+                <a:spcPct val="0"/>
+              </a:spcBef>
+              <a:spcAft>
+                <a:spcPct val="0"/>
+              </a:spcAft>
+              <a:defRPr sz="4400">
+                <a:solidFill>
+                  <a:schemeClr val="tx1"/>
+                </a:solidFill>
+                <a:latin typeface="TradeGothic" charset="0"/>
+                <a:ea typeface="ＭＳ Ｐゴシック" charset="0"/>
+                <a:cs typeface="ＭＳ Ｐゴシック" charset="0"/>
+              </a:defRPr>
+            </a:lvl4pPr>
+            <a:lvl5pPr algn="ctr" defTabSz="457200" rtl="0" eaLnBrk="0" fontAlgn="base" hangingPunct="0">
+              <a:spcBef>
+                <a:spcPct val="0"/>
+              </a:spcBef>
+              <a:spcAft>
+                <a:spcPct val="0"/>
+              </a:spcAft>
+              <a:defRPr sz="4400">
+                <a:solidFill>
+                  <a:schemeClr val="tx1"/>
+                </a:solidFill>
+                <a:latin typeface="TradeGothic" charset="0"/>
+                <a:ea typeface="ＭＳ Ｐゴシック" charset="0"/>
+                <a:cs typeface="ＭＳ Ｐゴシック" charset="0"/>
+              </a:defRPr>
+            </a:lvl5pPr>
+            <a:lvl6pPr marL="457200" algn="ctr" defTabSz="457200" rtl="0" fontAlgn="base">
+              <a:spcBef>
+                <a:spcPct val="0"/>
+              </a:spcBef>
+              <a:spcAft>
+                <a:spcPct val="0"/>
+              </a:spcAft>
+              <a:defRPr sz="4400">
+                <a:solidFill>
+                  <a:schemeClr val="tx1"/>
+                </a:solidFill>
+                <a:latin typeface="TradeGothic" charset="0"/>
+                <a:ea typeface="ＭＳ Ｐゴシック" charset="0"/>
+                <a:cs typeface="ＭＳ Ｐゴシック" charset="0"/>
+              </a:defRPr>
+            </a:lvl6pPr>
+            <a:lvl7pPr marL="914400" algn="ctr" defTabSz="457200" rtl="0" fontAlgn="base">
+              <a:spcBef>
+                <a:spcPct val="0"/>
+              </a:spcBef>
+              <a:spcAft>
+                <a:spcPct val="0"/>
+              </a:spcAft>
+              <a:defRPr sz="4400">
+                <a:solidFill>
+                  <a:schemeClr val="tx1"/>
+                </a:solidFill>
+                <a:latin typeface="TradeGothic" charset="0"/>
+                <a:ea typeface="ＭＳ Ｐゴシック" charset="0"/>
+                <a:cs typeface="ＭＳ Ｐゴシック" charset="0"/>
+              </a:defRPr>
+            </a:lvl7pPr>
+            <a:lvl8pPr marL="1371600" algn="ctr" defTabSz="457200" rtl="0" fontAlgn="base">
+              <a:spcBef>
+                <a:spcPct val="0"/>
+              </a:spcBef>
+              <a:spcAft>
+                <a:spcPct val="0"/>
+              </a:spcAft>
+              <a:defRPr sz="4400">
+                <a:solidFill>
+                  <a:schemeClr val="tx1"/>
+                </a:solidFill>
+                <a:latin typeface="TradeGothic" charset="0"/>
+                <a:ea typeface="ＭＳ Ｐゴシック" charset="0"/>
+                <a:cs typeface="ＭＳ Ｐゴシック" charset="0"/>
+              </a:defRPr>
+            </a:lvl8pPr>
+            <a:lvl9pPr marL="1828800" algn="ctr" defTabSz="457200" rtl="0" fontAlgn="base">
+              <a:spcBef>
+                <a:spcPct val="0"/>
+              </a:spcBef>
+              <a:spcAft>
+                <a:spcPct val="0"/>
+              </a:spcAft>
+              <a:defRPr sz="4400">
+                <a:solidFill>
+                  <a:schemeClr val="tx1"/>
+                </a:solidFill>
+                <a:latin typeface="TradeGothic" charset="0"/>
+                <a:ea typeface="ＭＳ Ｐゴシック" charset="0"/>
+                <a:cs typeface="ＭＳ Ｐゴシック" charset="0"/>
+              </a:defRPr>
+            </a:lvl9pPr>
+          </a:lstStyle>
+          <a:p>
+            <a:pPr algn="l" eaLnBrk="1" hangingPunct="1"/>
+            <a:r>
+              <a:rPr lang="en-US" sz="1800" dirty="0"/>
+              <a:t>We will use a modern tech stack to build an app that enhances the public transit experience and remains scalable for future growth.</a:t>
+            </a:r>
+            <a:endParaRPr lang="en-US" sz="1800" dirty="0">
+              <a:latin typeface="+mj-lt"/>
+              <a:ea typeface="ＭＳ Ｐゴシック" pitchFamily="1" charset="-128"/>
+              <a:cs typeface="Arial" panose="020B0604020202020204" pitchFamily="34" charset="0"/>
+            </a:endParaRPr>
+          </a:p>
+        </p:txBody>
+      </p:sp>
+      <p:sp>
+        <p:nvSpPr>
+          <p:cNvPr id="14" name="TextBox 8">
+            <a:extLst>
+              <a:ext uri="{FF2B5EF4-FFF2-40B4-BE49-F238E27FC236}">
+                <a16:creationId xmlns:a16="http://schemas.microsoft.com/office/drawing/2014/main" id="{5BE04F41-A7A6-3382-C77A-9B0C3D66BF9F}"/>
+              </a:ext>
+            </a:extLst>
+          </p:cNvPr>
+          <p:cNvSpPr txBox="1">
+            <a:spLocks noChangeArrowheads="1"/>
+          </p:cNvSpPr>
+          <p:nvPr/>
+        </p:nvSpPr>
+        <p:spPr bwMode="auto">
+          <a:xfrm>
+            <a:off x="1247886" y="2137249"/>
+            <a:ext cx="4494008" cy="4093428"/>
+          </a:xfrm>
+          <a:prstGeom prst="rect">
+            <a:avLst/>
+          </a:prstGeom>
+          <a:noFill/>
+          <a:ln w="9525">
+            <a:noFill/>
+            <a:miter lim="800000"/>
+            <a:headEnd/>
+            <a:tailEnd/>
+          </a:ln>
+        </p:spPr>
+        <p:txBody>
+          <a:bodyPr wrap="square">
+            <a:spAutoFit/>
+          </a:bodyPr>
+          <a:lstStyle/>
+          <a:p>
+            <a:r>
+              <a:rPr lang="en-IN" sz="2000" b="1" u="sng" dirty="0"/>
+              <a:t>Tech Stack:</a:t>
+            </a:r>
+          </a:p>
+          <a:p>
+            <a:pPr marL="285750" indent="-285750">
+              <a:buFont typeface="Arial" panose="020B0604020202020204" pitchFamily="34" charset="0"/>
+              <a:buChar char="•"/>
+            </a:pPr>
+            <a:endParaRPr lang="en-US" sz="2000" dirty="0"/>
+          </a:p>
+          <a:p>
+            <a:pPr marL="285750" indent="-285750">
+              <a:buFont typeface="Arial" panose="020B0604020202020204" pitchFamily="34" charset="0"/>
+              <a:buChar char="•"/>
+            </a:pPr>
+            <a:r>
+              <a:rPr lang="en-US" sz="2000" dirty="0"/>
+              <a:t>UI/UX : Figma</a:t>
+            </a:r>
+          </a:p>
+          <a:p>
+            <a:pPr marL="285750" indent="-285750">
+              <a:buFont typeface="Arial" panose="020B0604020202020204" pitchFamily="34" charset="0"/>
+              <a:buChar char="•"/>
+            </a:pPr>
+            <a:endParaRPr lang="en-US" sz="2000" dirty="0"/>
+          </a:p>
+          <a:p>
+            <a:pPr marL="285750" indent="-285750">
+              <a:buFont typeface="Arial" panose="020B0604020202020204" pitchFamily="34" charset="0"/>
+              <a:buChar char="•"/>
+            </a:pPr>
+            <a:r>
+              <a:rPr lang="en-US" sz="2000" dirty="0"/>
+              <a:t>Frontend : React Native (Expo) , Native Wind</a:t>
+            </a:r>
+          </a:p>
+          <a:p>
+            <a:pPr marL="285750" indent="-285750">
+              <a:buFont typeface="Arial" panose="020B0604020202020204" pitchFamily="34" charset="0"/>
+              <a:buChar char="•"/>
+            </a:pPr>
+            <a:endParaRPr lang="en-US" sz="2000" dirty="0"/>
+          </a:p>
+          <a:p>
+            <a:pPr marL="285750" indent="-285750">
+              <a:buFont typeface="Arial" panose="020B0604020202020204" pitchFamily="34" charset="0"/>
+              <a:buChar char="•"/>
+            </a:pPr>
+            <a:r>
+              <a:rPr lang="en-US" sz="2000" dirty="0"/>
+              <a:t>Backend &amp; Database : Firebase, Python, PostgreSQL + </a:t>
+            </a:r>
+            <a:r>
+              <a:rPr lang="en-IN" sz="2000" dirty="0" err="1"/>
+              <a:t>PostGIS</a:t>
+            </a:r>
+            <a:endParaRPr lang="en-US" sz="2000" dirty="0"/>
+          </a:p>
+          <a:p>
+            <a:pPr marL="285750" indent="-285750">
+              <a:buFont typeface="Arial" panose="020B0604020202020204" pitchFamily="34" charset="0"/>
+              <a:buChar char="•"/>
+            </a:pPr>
+            <a:endParaRPr lang="en-US" sz="2000" dirty="0"/>
+          </a:p>
+          <a:p>
+            <a:pPr marL="285750" indent="-285750">
+              <a:buFont typeface="Arial" panose="020B0604020202020204" pitchFamily="34" charset="0"/>
+              <a:buChar char="•"/>
+            </a:pPr>
+            <a:r>
+              <a:rPr lang="en-US" sz="2000" dirty="0"/>
+              <a:t>Data Sources : AMTS, BRTS and GMRC official sites of Ahmedabad</a:t>
+            </a:r>
+          </a:p>
+          <a:p>
+            <a:endParaRPr lang="en-IN" sz="2000" dirty="0"/>
+          </a:p>
+        </p:txBody>
+      </p:sp>
+      <p:sp>
+        <p:nvSpPr>
+          <p:cNvPr id="16" name="Slide Number Placeholder 5">
+            <a:extLst>
+              <a:ext uri="{FF2B5EF4-FFF2-40B4-BE49-F238E27FC236}">
+                <a16:creationId xmlns:a16="http://schemas.microsoft.com/office/drawing/2014/main" id="{93868F2F-A46B-F626-1F66-28236DAEC378}"/>
+              </a:ext>
+            </a:extLst>
+          </p:cNvPr>
+          <p:cNvSpPr>
+            <a:spLocks noGrp="1"/>
+          </p:cNvSpPr>
+          <p:nvPr>
+            <p:ph type="sldNum" sz="quarter" idx="12"/>
+          </p:nvPr>
+        </p:nvSpPr>
+        <p:spPr>
+          <a:xfrm>
+            <a:off x="11582399" y="6434512"/>
+            <a:ext cx="329887" cy="365125"/>
+          </a:xfrm>
+        </p:spPr>
+        <p:txBody>
+          <a:bodyPr/>
+          <a:lstStyle/>
+          <a:p>
+            <a:fld id="{677C3CE7-23F7-4828-823C-E0205DF2CF97}" type="slidenum">
+              <a:rPr lang="en-US" b="1" smtClean="0">
+                <a:solidFill>
+                  <a:schemeClr val="bg1"/>
+                </a:solidFill>
+              </a:rPr>
+              <a:pPr/>
+              <a:t>3</a:t>
+            </a:fld>
+            <a:endParaRPr lang="en-US" b="1" dirty="0">
+              <a:solidFill>
+                <a:schemeClr val="bg1"/>
+              </a:solidFill>
+            </a:endParaRPr>
+          </a:p>
+        </p:txBody>
+      </p:sp>
+      <p:sp>
+        <p:nvSpPr>
+          <p:cNvPr id="17" name="Footer Placeholder 6">
+            <a:extLst>
+              <a:ext uri="{FF2B5EF4-FFF2-40B4-BE49-F238E27FC236}">
+                <a16:creationId xmlns:a16="http://schemas.microsoft.com/office/drawing/2014/main" id="{EC80261E-0F46-DBBC-43EB-E8B3DF1A4B6E}"/>
+              </a:ext>
+            </a:extLst>
+          </p:cNvPr>
+          <p:cNvSpPr>
+            <a:spLocks noGrp="1"/>
+          </p:cNvSpPr>
+          <p:nvPr>
+            <p:ph type="ftr" sz="quarter" idx="11"/>
+          </p:nvPr>
+        </p:nvSpPr>
+        <p:spPr>
+          <a:xfrm>
+            <a:off x="4648200" y="6434512"/>
+            <a:ext cx="3204000" cy="365125"/>
+          </a:xfrm>
+        </p:spPr>
+        <p:txBody>
+          <a:bodyPr/>
+          <a:lstStyle/>
+          <a:p>
+            <a:pPr>
+              <a:defRPr/>
+            </a:pPr>
+            <a:r>
+              <a:rPr lang="en-US" b="1" dirty="0">
+                <a:solidFill>
+                  <a:schemeClr val="bg1"/>
+                </a:solidFill>
+              </a:rPr>
+              <a:t>@TeamName – SIH2025</a:t>
+            </a:r>
+          </a:p>
+        </p:txBody>
+      </p:sp>
+      <p:sp>
+        <p:nvSpPr>
+          <p:cNvPr id="18" name="Slide Number Placeholder 5"/>
+          <p:cNvSpPr txBox="1">
+            <a:spLocks/>
+          </p:cNvSpPr>
+          <p:nvPr/>
+        </p:nvSpPr>
+        <p:spPr>
+          <a:xfrm>
+            <a:off x="11734799" y="6586912"/>
+            <a:ext cx="329887" cy="365125"/>
+          </a:xfrm>
+          <a:prstGeom prst="rect">
+            <a:avLst/>
+          </a:prstGeom>
+        </p:spPr>
+        <p:txBody>
+          <a:bodyPr vert="horz" wrap="square" lIns="91440" tIns="45720" rIns="91440" bIns="45720" numCol="1" anchor="ctr" anchorCtr="0" compatLnSpc="1">
+            <a:prstTxWarp prst="textNoShape">
+              <a:avLst/>
+            </a:prstTxWarp>
+          </a:bodyPr>
+          <a:lstStyle>
+            <a:defPPr>
+              <a:defRPr lang="en-US"/>
+            </a:defPPr>
+            <a:lvl1pPr algn="r" defTabSz="457200" rtl="0" fontAlgn="base">
+              <a:spcBef>
+                <a:spcPct val="0"/>
+              </a:spcBef>
+              <a:spcAft>
+                <a:spcPct val="0"/>
+              </a:spcAft>
+              <a:defRPr sz="1200" kern="1200">
+                <a:solidFill>
+                  <a:srgbClr val="898989"/>
+                </a:solidFill>
+                <a:latin typeface="TradeGothic" pitchFamily="1" charset="0"/>
+                <a:ea typeface="ＭＳ Ｐゴシック" pitchFamily="1" charset="-128"/>
+                <a:cs typeface="+mn-cs"/>
+              </a:defRPr>
+            </a:lvl1pPr>
+            <a:lvl2pPr marL="457200" algn="l" defTabSz="457200" rtl="0" fontAlgn="base">
+              <a:spcBef>
+                <a:spcPct val="0"/>
+              </a:spcBef>
+              <a:spcAft>
+                <a:spcPct val="0"/>
+              </a:spcAft>
+              <a:defRPr kern="1200">
+                <a:solidFill>
+                  <a:schemeClr val="tx1"/>
+                </a:solidFill>
+                <a:latin typeface="Calibri" pitchFamily="34" charset="0"/>
+                <a:ea typeface="ＭＳ Ｐゴシック" pitchFamily="1" charset="-128"/>
+                <a:cs typeface="+mn-cs"/>
+              </a:defRPr>
+            </a:lvl2pPr>
+            <a:lvl3pPr marL="914400" algn="l" defTabSz="457200" rtl="0" fontAlgn="base">
+              <a:spcBef>
+                <a:spcPct val="0"/>
+              </a:spcBef>
+              <a:spcAft>
+                <a:spcPct val="0"/>
+              </a:spcAft>
+              <a:defRPr kern="1200">
+                <a:solidFill>
+                  <a:schemeClr val="tx1"/>
+                </a:solidFill>
+                <a:latin typeface="Calibri" pitchFamily="34" charset="0"/>
+                <a:ea typeface="ＭＳ Ｐゴシック" pitchFamily="1" charset="-128"/>
+                <a:cs typeface="+mn-cs"/>
+              </a:defRPr>
+            </a:lvl3pPr>
+            <a:lvl4pPr marL="1371600" algn="l" defTabSz="457200" rtl="0" fontAlgn="base">
+              <a:spcBef>
+                <a:spcPct val="0"/>
+              </a:spcBef>
+              <a:spcAft>
+                <a:spcPct val="0"/>
+              </a:spcAft>
+              <a:defRPr kern="1200">
+                <a:solidFill>
+                  <a:schemeClr val="tx1"/>
+                </a:solidFill>
+                <a:latin typeface="Calibri" pitchFamily="34" charset="0"/>
+                <a:ea typeface="ＭＳ Ｐゴシック" pitchFamily="1" charset="-128"/>
+                <a:cs typeface="+mn-cs"/>
+              </a:defRPr>
+            </a:lvl4pPr>
+            <a:lvl5pPr marL="1828800" algn="l" defTabSz="457200" rtl="0" fontAlgn="base">
+              <a:spcBef>
+                <a:spcPct val="0"/>
+              </a:spcBef>
+              <a:spcAft>
+                <a:spcPct val="0"/>
+              </a:spcAft>
+              <a:defRPr kern="1200">
+                <a:solidFill>
+                  <a:schemeClr val="tx1"/>
+                </a:solidFill>
+                <a:latin typeface="Calibri" pitchFamily="34" charset="0"/>
+                <a:ea typeface="ＭＳ Ｐゴシック" pitchFamily="1" charset="-128"/>
+                <a:cs typeface="+mn-cs"/>
+              </a:defRPr>
+            </a:lvl5pPr>
+            <a:lvl6pPr marL="2286000" algn="l" defTabSz="914400" rtl="0" eaLnBrk="1" latinLnBrk="0" hangingPunct="1">
+              <a:defRPr kern="1200">
+                <a:solidFill>
+                  <a:schemeClr val="tx1"/>
+                </a:solidFill>
+                <a:latin typeface="Calibri" pitchFamily="34" charset="0"/>
+                <a:ea typeface="ＭＳ Ｐゴシック" pitchFamily="1" charset="-128"/>
+                <a:cs typeface="+mn-cs"/>
+              </a:defRPr>
+            </a:lvl6pPr>
+            <a:lvl7pPr marL="2743200" algn="l" defTabSz="914400" rtl="0" eaLnBrk="1" latinLnBrk="0" hangingPunct="1">
+              <a:defRPr kern="1200">
+                <a:solidFill>
+                  <a:schemeClr val="tx1"/>
+                </a:solidFill>
+                <a:latin typeface="Calibri" pitchFamily="34" charset="0"/>
+                <a:ea typeface="ＭＳ Ｐゴシック" pitchFamily="1" charset="-128"/>
+                <a:cs typeface="+mn-cs"/>
+              </a:defRPr>
+            </a:lvl7pPr>
+            <a:lvl8pPr marL="3200400" algn="l" defTabSz="914400" rtl="0" eaLnBrk="1" latinLnBrk="0" hangingPunct="1">
+              <a:defRPr kern="1200">
+                <a:solidFill>
+                  <a:schemeClr val="tx1"/>
+                </a:solidFill>
+                <a:latin typeface="Calibri" pitchFamily="34" charset="0"/>
+                <a:ea typeface="ＭＳ Ｐゴシック" pitchFamily="1" charset="-128"/>
+                <a:cs typeface="+mn-cs"/>
+              </a:defRPr>
+            </a:lvl8pPr>
+            <a:lvl9pPr marL="3657600" algn="l" defTabSz="914400" rtl="0" eaLnBrk="1" latinLnBrk="0" hangingPunct="1">
+              <a:defRPr kern="1200">
+                <a:solidFill>
+                  <a:schemeClr val="tx1"/>
+                </a:solidFill>
+                <a:latin typeface="Calibri" pitchFamily="34" charset="0"/>
+                <a:ea typeface="ＭＳ Ｐゴシック" pitchFamily="1" charset="-128"/>
+                <a:cs typeface="+mn-cs"/>
+              </a:defRPr>
+            </a:lvl9pPr>
+          </a:lstStyle>
+          <a:p>
+            <a:fld id="{677C3CE7-23F7-4828-823C-E0205DF2CF97}" type="slidenum">
+              <a:rPr lang="en-US" b="1" smtClean="0">
+                <a:solidFill>
+                  <a:schemeClr val="bg1"/>
+                </a:solidFill>
+              </a:rPr>
+              <a:pPr/>
+              <a:t>3</a:t>
+            </a:fld>
+            <a:endParaRPr lang="en-US" b="1" dirty="0">
+              <a:solidFill>
+                <a:schemeClr val="bg1"/>
+              </a:solidFill>
+            </a:endParaRPr>
+          </a:p>
+        </p:txBody>
+      </p:sp>
+      <p:sp>
+        <p:nvSpPr>
+          <p:cNvPr id="19" name="Footer Placeholder 6"/>
+          <p:cNvSpPr txBox="1">
+            <a:spLocks/>
+          </p:cNvSpPr>
+          <p:nvPr/>
+        </p:nvSpPr>
+        <p:spPr>
+          <a:xfrm>
+            <a:off x="4800600" y="6586912"/>
+            <a:ext cx="3204000" cy="365125"/>
+          </a:xfrm>
+          <a:prstGeom prst="rect">
+            <a:avLst/>
+          </a:prstGeom>
+        </p:spPr>
+        <p:txBody>
+          <a:bodyPr vert="horz" lIns="91440" tIns="45720" rIns="91440" bIns="45720" rtlCol="0" anchor="ctr"/>
+          <a:lstStyle>
+            <a:defPPr>
+              <a:defRPr lang="en-US"/>
+            </a:defPPr>
+            <a:lvl1pPr algn="ctr" defTabSz="457200" rtl="0" fontAlgn="auto">
+              <a:spcBef>
+                <a:spcPts val="0"/>
+              </a:spcBef>
+              <a:spcAft>
+                <a:spcPts val="0"/>
+              </a:spcAft>
+              <a:defRPr sz="1200" kern="1200">
+                <a:solidFill>
+                  <a:schemeClr val="tx1">
+                    <a:tint val="75000"/>
+                  </a:schemeClr>
+                </a:solidFill>
+                <a:latin typeface="TradeGothic"/>
+                <a:ea typeface="+mn-ea"/>
+                <a:cs typeface="+mn-cs"/>
+              </a:defRPr>
+            </a:lvl1pPr>
+            <a:lvl2pPr marL="457200" algn="l" defTabSz="457200" rtl="0" fontAlgn="base">
+              <a:spcBef>
+                <a:spcPct val="0"/>
+              </a:spcBef>
+              <a:spcAft>
+                <a:spcPct val="0"/>
+              </a:spcAft>
+              <a:defRPr kern="1200">
+                <a:solidFill>
+                  <a:schemeClr val="tx1"/>
+                </a:solidFill>
+                <a:latin typeface="Calibri" pitchFamily="34" charset="0"/>
+                <a:ea typeface="ＭＳ Ｐゴシック" pitchFamily="1" charset="-128"/>
+                <a:cs typeface="+mn-cs"/>
+              </a:defRPr>
+            </a:lvl2pPr>
+            <a:lvl3pPr marL="914400" algn="l" defTabSz="457200" rtl="0" fontAlgn="base">
+              <a:spcBef>
+                <a:spcPct val="0"/>
+              </a:spcBef>
+              <a:spcAft>
+                <a:spcPct val="0"/>
+              </a:spcAft>
+              <a:defRPr kern="1200">
+                <a:solidFill>
+                  <a:schemeClr val="tx1"/>
+                </a:solidFill>
+                <a:latin typeface="Calibri" pitchFamily="34" charset="0"/>
+                <a:ea typeface="ＭＳ Ｐゴシック" pitchFamily="1" charset="-128"/>
+                <a:cs typeface="+mn-cs"/>
+              </a:defRPr>
+            </a:lvl3pPr>
+            <a:lvl4pPr marL="1371600" algn="l" defTabSz="457200" rtl="0" fontAlgn="base">
+              <a:spcBef>
+                <a:spcPct val="0"/>
+              </a:spcBef>
+              <a:spcAft>
+                <a:spcPct val="0"/>
+              </a:spcAft>
+              <a:defRPr kern="1200">
+                <a:solidFill>
+                  <a:schemeClr val="tx1"/>
+                </a:solidFill>
+                <a:latin typeface="Calibri" pitchFamily="34" charset="0"/>
+                <a:ea typeface="ＭＳ Ｐゴシック" pitchFamily="1" charset="-128"/>
+                <a:cs typeface="+mn-cs"/>
+              </a:defRPr>
+            </a:lvl4pPr>
+            <a:lvl5pPr marL="1828800" algn="l" defTabSz="457200" rtl="0" fontAlgn="base">
+              <a:spcBef>
+                <a:spcPct val="0"/>
+              </a:spcBef>
+              <a:spcAft>
+                <a:spcPct val="0"/>
+              </a:spcAft>
+              <a:defRPr kern="1200">
+                <a:solidFill>
+                  <a:schemeClr val="tx1"/>
+                </a:solidFill>
+                <a:latin typeface="Calibri" pitchFamily="34" charset="0"/>
+                <a:ea typeface="ＭＳ Ｐゴシック" pitchFamily="1" charset="-128"/>
+                <a:cs typeface="+mn-cs"/>
+              </a:defRPr>
+            </a:lvl5pPr>
+            <a:lvl6pPr marL="2286000" algn="l" defTabSz="914400" rtl="0" eaLnBrk="1" latinLnBrk="0" hangingPunct="1">
+              <a:defRPr kern="1200">
+                <a:solidFill>
+                  <a:schemeClr val="tx1"/>
+                </a:solidFill>
+                <a:latin typeface="Calibri" pitchFamily="34" charset="0"/>
+                <a:ea typeface="ＭＳ Ｐゴシック" pitchFamily="1" charset="-128"/>
+                <a:cs typeface="+mn-cs"/>
+              </a:defRPr>
+            </a:lvl6pPr>
+            <a:lvl7pPr marL="2743200" algn="l" defTabSz="914400" rtl="0" eaLnBrk="1" latinLnBrk="0" hangingPunct="1">
+              <a:defRPr kern="1200">
+                <a:solidFill>
+                  <a:schemeClr val="tx1"/>
+                </a:solidFill>
+                <a:latin typeface="Calibri" pitchFamily="34" charset="0"/>
+                <a:ea typeface="ＭＳ Ｐゴシック" pitchFamily="1" charset="-128"/>
+                <a:cs typeface="+mn-cs"/>
+              </a:defRPr>
+            </a:lvl7pPr>
+            <a:lvl8pPr marL="3200400" algn="l" defTabSz="914400" rtl="0" eaLnBrk="1" latinLnBrk="0" hangingPunct="1">
+              <a:defRPr kern="1200">
+                <a:solidFill>
+                  <a:schemeClr val="tx1"/>
+                </a:solidFill>
+                <a:latin typeface="Calibri" pitchFamily="34" charset="0"/>
+                <a:ea typeface="ＭＳ Ｐゴシック" pitchFamily="1" charset="-128"/>
+                <a:cs typeface="+mn-cs"/>
+              </a:defRPr>
+            </a:lvl8pPr>
+            <a:lvl9pPr marL="3657600" algn="l" defTabSz="914400" rtl="0" eaLnBrk="1" latinLnBrk="0" hangingPunct="1">
+              <a:defRPr kern="1200">
+                <a:solidFill>
+                  <a:schemeClr val="tx1"/>
+                </a:solidFill>
+                <a:latin typeface="Calibri" pitchFamily="34" charset="0"/>
+                <a:ea typeface="ＭＳ Ｐゴシック" pitchFamily="1" charset="-128"/>
+                <a:cs typeface="+mn-cs"/>
+              </a:defRPr>
+            </a:lvl9pPr>
+          </a:lstStyle>
+          <a:p>
+            <a:pPr>
+              <a:defRPr/>
+            </a:pPr>
+            <a:r>
+              <a:rPr lang="en-US" b="1">
+                <a:solidFill>
+                  <a:schemeClr val="bg1"/>
+                </a:solidFill>
+              </a:rPr>
+              <a:t>@The Helios – SIH2025</a:t>
+            </a:r>
+            <a:endParaRPr lang="en-US" b="1" dirty="0">
+              <a:solidFill>
+                <a:schemeClr val="bg1"/>
+              </a:solidFill>
+            </a:endParaRPr>
+          </a:p>
+        </p:txBody>
+      </p:sp>
+      <p:sp>
+        <p:nvSpPr>
+          <p:cNvPr id="23" name="Rectangle 22"/>
+          <p:cNvSpPr>
+            <a:spLocks noChangeArrowheads="1"/>
+          </p:cNvSpPr>
+          <p:nvPr/>
+        </p:nvSpPr>
+        <p:spPr bwMode="auto">
+          <a:xfrm>
+            <a:off x="0" y="6348709"/>
+            <a:ext cx="12191999" cy="503238"/>
+          </a:xfrm>
+          <a:prstGeom prst="rect">
+            <a:avLst/>
+          </a:prstGeom>
+          <a:solidFill>
+            <a:srgbClr val="0070C0"/>
+          </a:solidFill>
+          <a:ln w="9525">
+            <a:noFill/>
+            <a:miter lim="800000"/>
+            <a:headEnd/>
+            <a:tailEnd/>
+          </a:ln>
+          <a:effectLst>
+            <a:outerShdw dist="23000" dir="5400000" rotWithShape="0">
+              <a:srgbClr val="808080">
+                <a:alpha val="34999"/>
+              </a:srgbClr>
+            </a:outerShdw>
+          </a:effectLst>
+        </p:spPr>
+        <p:txBody>
+          <a:bodyPr anchor="ctr"/>
+          <a:lstStyle/>
+          <a:p>
+            <a:pPr algn="ctr" fontAlgn="auto">
+              <a:spcBef>
+                <a:spcPts val="0"/>
+              </a:spcBef>
+              <a:spcAft>
+                <a:spcPts val="0"/>
+              </a:spcAft>
+              <a:defRPr/>
+            </a:pPr>
+            <a:endParaRPr lang="en-US" dirty="0">
+              <a:solidFill>
+                <a:schemeClr val="accent2">
+                  <a:lumMod val="75000"/>
+                </a:schemeClr>
+              </a:solidFill>
+              <a:latin typeface="+mn-lt"/>
+              <a:ea typeface="+mn-ea"/>
+            </a:endParaRPr>
+          </a:p>
+        </p:txBody>
+      </p:sp>
+      <p:sp>
+        <p:nvSpPr>
+          <p:cNvPr id="24" name="Slide Number Placeholder 5"/>
+          <p:cNvSpPr txBox="1">
+            <a:spLocks/>
+          </p:cNvSpPr>
+          <p:nvPr/>
+        </p:nvSpPr>
+        <p:spPr>
+          <a:xfrm>
+            <a:off x="11582399" y="6428459"/>
+            <a:ext cx="329887" cy="365125"/>
+          </a:xfrm>
+          <a:prstGeom prst="rect">
+            <a:avLst/>
+          </a:prstGeom>
+        </p:spPr>
+        <p:txBody>
+          <a:bodyPr vert="horz" wrap="square" lIns="91440" tIns="45720" rIns="91440" bIns="45720" numCol="1" anchor="ctr" anchorCtr="0" compatLnSpc="1">
+            <a:prstTxWarp prst="textNoShape">
+              <a:avLst/>
+            </a:prstTxWarp>
+          </a:bodyPr>
+          <a:lstStyle>
+            <a:defPPr>
+              <a:defRPr lang="en-US"/>
+            </a:defPPr>
+            <a:lvl1pPr algn="r" defTabSz="457200" rtl="0" fontAlgn="base">
+              <a:spcBef>
+                <a:spcPct val="0"/>
+              </a:spcBef>
+              <a:spcAft>
+                <a:spcPct val="0"/>
+              </a:spcAft>
+              <a:defRPr sz="1200" kern="1200">
+                <a:solidFill>
+                  <a:srgbClr val="898989"/>
+                </a:solidFill>
+                <a:latin typeface="TradeGothic" pitchFamily="1" charset="0"/>
+                <a:ea typeface="ＭＳ Ｐゴシック" pitchFamily="1" charset="-128"/>
+                <a:cs typeface="+mn-cs"/>
+              </a:defRPr>
+            </a:lvl1pPr>
+            <a:lvl2pPr marL="457200" algn="l" defTabSz="457200" rtl="0" fontAlgn="base">
+              <a:spcBef>
+                <a:spcPct val="0"/>
+              </a:spcBef>
+              <a:spcAft>
+                <a:spcPct val="0"/>
+              </a:spcAft>
+              <a:defRPr kern="1200">
+                <a:solidFill>
+                  <a:schemeClr val="tx1"/>
+                </a:solidFill>
+                <a:latin typeface="Calibri" pitchFamily="34" charset="0"/>
+                <a:ea typeface="ＭＳ Ｐゴシック" pitchFamily="1" charset="-128"/>
+                <a:cs typeface="+mn-cs"/>
+              </a:defRPr>
+            </a:lvl2pPr>
+            <a:lvl3pPr marL="914400" algn="l" defTabSz="457200" rtl="0" fontAlgn="base">
+              <a:spcBef>
+                <a:spcPct val="0"/>
+              </a:spcBef>
+              <a:spcAft>
+                <a:spcPct val="0"/>
+              </a:spcAft>
+              <a:defRPr kern="1200">
+                <a:solidFill>
+                  <a:schemeClr val="tx1"/>
+                </a:solidFill>
+                <a:latin typeface="Calibri" pitchFamily="34" charset="0"/>
+                <a:ea typeface="ＭＳ Ｐゴシック" pitchFamily="1" charset="-128"/>
+                <a:cs typeface="+mn-cs"/>
+              </a:defRPr>
+            </a:lvl3pPr>
+            <a:lvl4pPr marL="1371600" algn="l" defTabSz="457200" rtl="0" fontAlgn="base">
+              <a:spcBef>
+                <a:spcPct val="0"/>
+              </a:spcBef>
+              <a:spcAft>
+                <a:spcPct val="0"/>
+              </a:spcAft>
+              <a:defRPr kern="1200">
+                <a:solidFill>
+                  <a:schemeClr val="tx1"/>
+                </a:solidFill>
+                <a:latin typeface="Calibri" pitchFamily="34" charset="0"/>
+                <a:ea typeface="ＭＳ Ｐゴシック" pitchFamily="1" charset="-128"/>
+                <a:cs typeface="+mn-cs"/>
+              </a:defRPr>
+            </a:lvl4pPr>
+            <a:lvl5pPr marL="1828800" algn="l" defTabSz="457200" rtl="0" fontAlgn="base">
+              <a:spcBef>
+                <a:spcPct val="0"/>
+              </a:spcBef>
+              <a:spcAft>
+                <a:spcPct val="0"/>
+              </a:spcAft>
+              <a:defRPr kern="1200">
+                <a:solidFill>
+                  <a:schemeClr val="tx1"/>
+                </a:solidFill>
+                <a:latin typeface="Calibri" pitchFamily="34" charset="0"/>
+                <a:ea typeface="ＭＳ Ｐゴシック" pitchFamily="1" charset="-128"/>
+                <a:cs typeface="+mn-cs"/>
+              </a:defRPr>
+            </a:lvl5pPr>
+            <a:lvl6pPr marL="2286000" algn="l" defTabSz="914400" rtl="0" eaLnBrk="1" latinLnBrk="0" hangingPunct="1">
+              <a:defRPr kern="1200">
+                <a:solidFill>
+                  <a:schemeClr val="tx1"/>
+                </a:solidFill>
+                <a:latin typeface="Calibri" pitchFamily="34" charset="0"/>
+                <a:ea typeface="ＭＳ Ｐゴシック" pitchFamily="1" charset="-128"/>
+                <a:cs typeface="+mn-cs"/>
+              </a:defRPr>
+            </a:lvl6pPr>
+            <a:lvl7pPr marL="2743200" algn="l" defTabSz="914400" rtl="0" eaLnBrk="1" latinLnBrk="0" hangingPunct="1">
+              <a:defRPr kern="1200">
+                <a:solidFill>
+                  <a:schemeClr val="tx1"/>
+                </a:solidFill>
+                <a:latin typeface="Calibri" pitchFamily="34" charset="0"/>
+                <a:ea typeface="ＭＳ Ｐゴシック" pitchFamily="1" charset="-128"/>
+                <a:cs typeface="+mn-cs"/>
+              </a:defRPr>
+            </a:lvl7pPr>
+            <a:lvl8pPr marL="3200400" algn="l" defTabSz="914400" rtl="0" eaLnBrk="1" latinLnBrk="0" hangingPunct="1">
+              <a:defRPr kern="1200">
+                <a:solidFill>
+                  <a:schemeClr val="tx1"/>
+                </a:solidFill>
+                <a:latin typeface="Calibri" pitchFamily="34" charset="0"/>
+                <a:ea typeface="ＭＳ Ｐゴシック" pitchFamily="1" charset="-128"/>
+                <a:cs typeface="+mn-cs"/>
+              </a:defRPr>
+            </a:lvl8pPr>
+            <a:lvl9pPr marL="3657600" algn="l" defTabSz="914400" rtl="0" eaLnBrk="1" latinLnBrk="0" hangingPunct="1">
+              <a:defRPr kern="1200">
+                <a:solidFill>
+                  <a:schemeClr val="tx1"/>
+                </a:solidFill>
+                <a:latin typeface="Calibri" pitchFamily="34" charset="0"/>
+                <a:ea typeface="ＭＳ Ｐゴシック" pitchFamily="1" charset="-128"/>
+                <a:cs typeface="+mn-cs"/>
+              </a:defRPr>
+            </a:lvl9pPr>
+          </a:lstStyle>
+          <a:p>
+            <a:r>
+              <a:rPr lang="en-US" b="1" dirty="0">
+                <a:solidFill>
+                  <a:schemeClr val="bg1"/>
+                </a:solidFill>
+              </a:rPr>
+              <a:t>3</a:t>
+            </a:r>
+          </a:p>
+        </p:txBody>
+      </p:sp>
+      <p:sp>
+        <p:nvSpPr>
+          <p:cNvPr id="25" name="Footer Placeholder 6"/>
+          <p:cNvSpPr txBox="1">
+            <a:spLocks/>
+          </p:cNvSpPr>
+          <p:nvPr/>
+        </p:nvSpPr>
+        <p:spPr>
+          <a:xfrm>
+            <a:off x="4648200" y="6428459"/>
+            <a:ext cx="3204000" cy="365125"/>
+          </a:xfrm>
+          <a:prstGeom prst="rect">
+            <a:avLst/>
+          </a:prstGeom>
+        </p:spPr>
+        <p:txBody>
+          <a:bodyPr vert="horz" lIns="91440" tIns="45720" rIns="91440" bIns="45720" rtlCol="0" anchor="ctr"/>
+          <a:lstStyle>
+            <a:defPPr>
+              <a:defRPr lang="en-US"/>
+            </a:defPPr>
+            <a:lvl1pPr algn="ctr" defTabSz="457200" rtl="0" fontAlgn="auto">
+              <a:spcBef>
+                <a:spcPts val="0"/>
+              </a:spcBef>
+              <a:spcAft>
+                <a:spcPts val="0"/>
+              </a:spcAft>
+              <a:defRPr sz="1200" kern="1200">
+                <a:solidFill>
+                  <a:schemeClr val="tx1">
+                    <a:tint val="75000"/>
+                  </a:schemeClr>
+                </a:solidFill>
+                <a:latin typeface="TradeGothic"/>
+                <a:ea typeface="+mn-ea"/>
+                <a:cs typeface="+mn-cs"/>
+              </a:defRPr>
+            </a:lvl1pPr>
+            <a:lvl2pPr marL="457200" algn="l" defTabSz="457200" rtl="0" fontAlgn="base">
+              <a:spcBef>
+                <a:spcPct val="0"/>
+              </a:spcBef>
+              <a:spcAft>
+                <a:spcPct val="0"/>
+              </a:spcAft>
+              <a:defRPr kern="1200">
+                <a:solidFill>
+                  <a:schemeClr val="tx1"/>
+                </a:solidFill>
+                <a:latin typeface="Calibri" pitchFamily="34" charset="0"/>
+                <a:ea typeface="ＭＳ Ｐゴシック" pitchFamily="1" charset="-128"/>
+                <a:cs typeface="+mn-cs"/>
+              </a:defRPr>
+            </a:lvl2pPr>
+            <a:lvl3pPr marL="914400" algn="l" defTabSz="457200" rtl="0" fontAlgn="base">
+              <a:spcBef>
+                <a:spcPct val="0"/>
+              </a:spcBef>
+              <a:spcAft>
+                <a:spcPct val="0"/>
+              </a:spcAft>
+              <a:defRPr kern="1200">
+                <a:solidFill>
+                  <a:schemeClr val="tx1"/>
+                </a:solidFill>
+                <a:latin typeface="Calibri" pitchFamily="34" charset="0"/>
+                <a:ea typeface="ＭＳ Ｐゴシック" pitchFamily="1" charset="-128"/>
+                <a:cs typeface="+mn-cs"/>
+              </a:defRPr>
+            </a:lvl3pPr>
+            <a:lvl4pPr marL="1371600" algn="l" defTabSz="457200" rtl="0" fontAlgn="base">
+              <a:spcBef>
+                <a:spcPct val="0"/>
+              </a:spcBef>
+              <a:spcAft>
+                <a:spcPct val="0"/>
+              </a:spcAft>
+              <a:defRPr kern="1200">
+                <a:solidFill>
+                  <a:schemeClr val="tx1"/>
+                </a:solidFill>
+                <a:latin typeface="Calibri" pitchFamily="34" charset="0"/>
+                <a:ea typeface="ＭＳ Ｐゴシック" pitchFamily="1" charset="-128"/>
+                <a:cs typeface="+mn-cs"/>
+              </a:defRPr>
+            </a:lvl4pPr>
+            <a:lvl5pPr marL="1828800" algn="l" defTabSz="457200" rtl="0" fontAlgn="base">
+              <a:spcBef>
+                <a:spcPct val="0"/>
+              </a:spcBef>
+              <a:spcAft>
+                <a:spcPct val="0"/>
+              </a:spcAft>
+              <a:defRPr kern="1200">
+                <a:solidFill>
+                  <a:schemeClr val="tx1"/>
+                </a:solidFill>
+                <a:latin typeface="Calibri" pitchFamily="34" charset="0"/>
+                <a:ea typeface="ＭＳ Ｐゴシック" pitchFamily="1" charset="-128"/>
+                <a:cs typeface="+mn-cs"/>
+              </a:defRPr>
+            </a:lvl5pPr>
+            <a:lvl6pPr marL="2286000" algn="l" defTabSz="914400" rtl="0" eaLnBrk="1" latinLnBrk="0" hangingPunct="1">
+              <a:defRPr kern="1200">
+                <a:solidFill>
+                  <a:schemeClr val="tx1"/>
+                </a:solidFill>
+                <a:latin typeface="Calibri" pitchFamily="34" charset="0"/>
+                <a:ea typeface="ＭＳ Ｐゴシック" pitchFamily="1" charset="-128"/>
+                <a:cs typeface="+mn-cs"/>
+              </a:defRPr>
+            </a:lvl6pPr>
+            <a:lvl7pPr marL="2743200" algn="l" defTabSz="914400" rtl="0" eaLnBrk="1" latinLnBrk="0" hangingPunct="1">
+              <a:defRPr kern="1200">
+                <a:solidFill>
+                  <a:schemeClr val="tx1"/>
+                </a:solidFill>
+                <a:latin typeface="Calibri" pitchFamily="34" charset="0"/>
+                <a:ea typeface="ＭＳ Ｐゴシック" pitchFamily="1" charset="-128"/>
+                <a:cs typeface="+mn-cs"/>
+              </a:defRPr>
+            </a:lvl7pPr>
+            <a:lvl8pPr marL="3200400" algn="l" defTabSz="914400" rtl="0" eaLnBrk="1" latinLnBrk="0" hangingPunct="1">
+              <a:defRPr kern="1200">
+                <a:solidFill>
+                  <a:schemeClr val="tx1"/>
+                </a:solidFill>
+                <a:latin typeface="Calibri" pitchFamily="34" charset="0"/>
+                <a:ea typeface="ＭＳ Ｐゴシック" pitchFamily="1" charset="-128"/>
+                <a:cs typeface="+mn-cs"/>
+              </a:defRPr>
+            </a:lvl8pPr>
+            <a:lvl9pPr marL="3657600" algn="l" defTabSz="914400" rtl="0" eaLnBrk="1" latinLnBrk="0" hangingPunct="1">
+              <a:defRPr kern="1200">
+                <a:solidFill>
+                  <a:schemeClr val="tx1"/>
+                </a:solidFill>
+                <a:latin typeface="Calibri" pitchFamily="34" charset="0"/>
+                <a:ea typeface="ＭＳ Ｐゴシック" pitchFamily="1" charset="-128"/>
+                <a:cs typeface="+mn-cs"/>
+              </a:defRPr>
+            </a:lvl9pPr>
+          </a:lstStyle>
+          <a:p>
+            <a:pPr>
+              <a:defRPr/>
+            </a:pPr>
+            <a:r>
+              <a:rPr lang="en-US" b="1">
+                <a:solidFill>
+                  <a:schemeClr val="bg1"/>
+                </a:solidFill>
+              </a:rPr>
+              <a:t>@The Helios – SIH2025</a:t>
+            </a:r>
+            <a:endParaRPr lang="en-US" b="1" dirty="0">
+              <a:solidFill>
+                <a:schemeClr val="bg1"/>
+              </a:solidFill>
+            </a:endParaRPr>
+          </a:p>
+        </p:txBody>
+      </p:sp>
+    </p:spTree>
+  </p:cSld>
+  <p:clrMapOvr>
+    <a:masterClrMapping/>
+  </p:clrMapOvr>
+  <p:transition spd="slow">
+    <p:wipe/>
+  </p:transition>
+</p:sld>
+</file>
+
+<file path=ppt/slides/slide4.xml><?xml version="1.0" encoding="utf-8"?>
+<p:sld xmlns:a="http://schemas.openxmlformats.org/drawingml/2006/main" xmlns:r="http://schemas.openxmlformats.org/officeDocument/2006/relationships" xmlns:p="http://schemas.openxmlformats.org/presentationml/2006/main">
+  <p:cSld>
+    <p:spTree>
+      <p:nvGrpSpPr>
+        <p:cNvPr id="1" name=""/>
+        <p:cNvGrpSpPr/>
+        <p:nvPr/>
+      </p:nvGrpSpPr>
+      <p:grpSpPr>
+        <a:xfrm>
+          <a:off x="0" y="0"/>
+          <a:ext cx="0" cy="0"/>
+          <a:chOff x="0" y="0"/>
+          <a:chExt cx="0" cy="0"/>
+        </a:xfrm>
+      </p:grpSpPr>
+      <p:pic>
+        <p:nvPicPr>
+          <p:cNvPr id="9" name="Picture 8">
+            <a:extLst>
+              <a:ext uri="{FF2B5EF4-FFF2-40B4-BE49-F238E27FC236}">
+                <a16:creationId xmlns:a16="http://schemas.microsoft.com/office/drawing/2014/main" id="{89DAF337-471C-5763-9D56-C88D8FF0BA5D}"/>
+              </a:ext>
+            </a:extLst>
+          </p:cNvPr>
+          <p:cNvPicPr>
+            <a:picLocks noChangeAspect="1"/>
+          </p:cNvPicPr>
+          <p:nvPr/>
+        </p:nvPicPr>
+        <p:blipFill>
+          <a:blip r:embed="rId3"/>
+          <a:stretch>
+            <a:fillRect/>
+          </a:stretch>
+        </p:blipFill>
+        <p:spPr>
+          <a:xfrm>
+            <a:off x="7988763" y="1263909"/>
+            <a:ext cx="3593635" cy="2206237"/>
+          </a:xfrm>
+          <a:prstGeom prst="rect">
+            <a:avLst/>
+          </a:prstGeom>
+        </p:spPr>
+      </p:pic>
+      <p:sp>
+        <p:nvSpPr>
+          <p:cNvPr id="8" name="Title 1">
+            <a:extLst>
+              <a:ext uri="{FF2B5EF4-FFF2-40B4-BE49-F238E27FC236}">
+                <a16:creationId xmlns:a16="http://schemas.microsoft.com/office/drawing/2014/main" id="{6F9E99E8-F894-89C4-9918-EE68D04271FA}"/>
+              </a:ext>
+            </a:extLst>
+          </p:cNvPr>
+          <p:cNvSpPr txBox="1">
+            <a:spLocks/>
+          </p:cNvSpPr>
+          <p:nvPr/>
+        </p:nvSpPr>
+        <p:spPr bwMode="auto">
+          <a:xfrm>
+            <a:off x="3255692" y="94554"/>
+            <a:ext cx="5677028" cy="888442"/>
+          </a:xfrm>
+          <a:prstGeom prst="rect">
+            <a:avLst/>
+          </a:prstGeom>
+          <a:noFill/>
+          <a:ln w="9525">
+            <a:noFill/>
+            <a:miter lim="800000"/>
+            <a:headEnd/>
+            <a:tailEnd/>
+          </a:ln>
+        </p:spPr>
+        <p:txBody>
+          <a:bodyPr vert="horz" wrap="square" lIns="91440" tIns="45720" rIns="91440" bIns="45720" numCol="1" anchor="ctr" anchorCtr="0" compatLnSpc="1">
+            <a:prstTxWarp prst="textNoShape">
+              <a:avLst/>
+            </a:prstTxWarp>
+          </a:bodyPr>
+          <a:lstStyle>
+            <a:lvl1pPr algn="ctr" defTabSz="457200" rtl="0" eaLnBrk="0" fontAlgn="base" hangingPunct="0">
+              <a:spcBef>
+                <a:spcPct val="0"/>
+              </a:spcBef>
+              <a:spcAft>
+                <a:spcPct val="0"/>
+              </a:spcAft>
+              <a:defRPr sz="4400" kern="1200">
+                <a:solidFill>
+                  <a:schemeClr val="tx1"/>
+                </a:solidFill>
+                <a:latin typeface="TradeGothic"/>
+                <a:ea typeface="ＭＳ Ｐゴシック" charset="0"/>
+                <a:cs typeface="ＭＳ Ｐゴシック" charset="0"/>
+              </a:defRPr>
+            </a:lvl1pPr>
+            <a:lvl2pPr algn="ctr" defTabSz="457200" rtl="0" eaLnBrk="0" fontAlgn="base" hangingPunct="0">
+              <a:spcBef>
+                <a:spcPct val="0"/>
+              </a:spcBef>
+              <a:spcAft>
+                <a:spcPct val="0"/>
+              </a:spcAft>
+              <a:defRPr sz="4400">
+                <a:solidFill>
+                  <a:schemeClr val="tx1"/>
+                </a:solidFill>
+                <a:latin typeface="TradeGothic" charset="0"/>
+                <a:ea typeface="ＭＳ Ｐゴシック" charset="0"/>
+                <a:cs typeface="ＭＳ Ｐゴシック" charset="0"/>
+              </a:defRPr>
+            </a:lvl2pPr>
+            <a:lvl3pPr algn="ctr" defTabSz="457200" rtl="0" eaLnBrk="0" fontAlgn="base" hangingPunct="0">
+              <a:spcBef>
+                <a:spcPct val="0"/>
+              </a:spcBef>
+              <a:spcAft>
+                <a:spcPct val="0"/>
+              </a:spcAft>
+              <a:defRPr sz="4400">
+                <a:solidFill>
+                  <a:schemeClr val="tx1"/>
+                </a:solidFill>
+                <a:latin typeface="TradeGothic" charset="0"/>
+                <a:ea typeface="ＭＳ Ｐゴシック" charset="0"/>
+                <a:cs typeface="ＭＳ Ｐゴシック" charset="0"/>
+              </a:defRPr>
+            </a:lvl3pPr>
+            <a:lvl4pPr algn="ctr" defTabSz="457200" rtl="0" eaLnBrk="0" fontAlgn="base" hangingPunct="0">
+              <a:spcBef>
+                <a:spcPct val="0"/>
+              </a:spcBef>
+              <a:spcAft>
+                <a:spcPct val="0"/>
+              </a:spcAft>
+              <a:defRPr sz="4400">
+                <a:solidFill>
+                  <a:schemeClr val="tx1"/>
+                </a:solidFill>
+                <a:latin typeface="TradeGothic" charset="0"/>
+                <a:ea typeface="ＭＳ Ｐゴシック" charset="0"/>
+                <a:cs typeface="ＭＳ Ｐゴシック" charset="0"/>
+              </a:defRPr>
+            </a:lvl4pPr>
+            <a:lvl5pPr algn="ctr" defTabSz="457200" rtl="0" eaLnBrk="0" fontAlgn="base" hangingPunct="0">
+              <a:spcBef>
+                <a:spcPct val="0"/>
+              </a:spcBef>
+              <a:spcAft>
+                <a:spcPct val="0"/>
+              </a:spcAft>
+              <a:defRPr sz="4400">
+                <a:solidFill>
+                  <a:schemeClr val="tx1"/>
+                </a:solidFill>
+                <a:latin typeface="TradeGothic" charset="0"/>
+                <a:ea typeface="ＭＳ Ｐゴシック" charset="0"/>
+                <a:cs typeface="ＭＳ Ｐゴシック" charset="0"/>
+              </a:defRPr>
+            </a:lvl5pPr>
+            <a:lvl6pPr marL="457200" algn="ctr" defTabSz="457200" rtl="0" fontAlgn="base">
+              <a:spcBef>
+                <a:spcPct val="0"/>
+              </a:spcBef>
+              <a:spcAft>
+                <a:spcPct val="0"/>
+              </a:spcAft>
+              <a:defRPr sz="4400">
+                <a:solidFill>
+                  <a:schemeClr val="tx1"/>
+                </a:solidFill>
+                <a:latin typeface="TradeGothic" charset="0"/>
+                <a:ea typeface="ＭＳ Ｐゴシック" charset="0"/>
+                <a:cs typeface="ＭＳ Ｐゴシック" charset="0"/>
+              </a:defRPr>
+            </a:lvl6pPr>
+            <a:lvl7pPr marL="914400" algn="ctr" defTabSz="457200" rtl="0" fontAlgn="base">
+              <a:spcBef>
+                <a:spcPct val="0"/>
+              </a:spcBef>
+              <a:spcAft>
+                <a:spcPct val="0"/>
+              </a:spcAft>
+              <a:defRPr sz="4400">
+                <a:solidFill>
+                  <a:schemeClr val="tx1"/>
+                </a:solidFill>
+                <a:latin typeface="TradeGothic" charset="0"/>
+                <a:ea typeface="ＭＳ Ｐゴシック" charset="0"/>
+                <a:cs typeface="ＭＳ Ｐゴシック" charset="0"/>
+              </a:defRPr>
+            </a:lvl7pPr>
+            <a:lvl8pPr marL="1371600" algn="ctr" defTabSz="457200" rtl="0" fontAlgn="base">
+              <a:spcBef>
+                <a:spcPct val="0"/>
+              </a:spcBef>
+              <a:spcAft>
+                <a:spcPct val="0"/>
+              </a:spcAft>
+              <a:defRPr sz="4400">
+                <a:solidFill>
+                  <a:schemeClr val="tx1"/>
+                </a:solidFill>
+                <a:latin typeface="TradeGothic" charset="0"/>
+                <a:ea typeface="ＭＳ Ｐゴシック" charset="0"/>
+                <a:cs typeface="ＭＳ Ｐゴシック" charset="0"/>
+              </a:defRPr>
+            </a:lvl8pPr>
+            <a:lvl9pPr marL="1828800" algn="ctr" defTabSz="457200" rtl="0" fontAlgn="base">
+              <a:spcBef>
+                <a:spcPct val="0"/>
+              </a:spcBef>
+              <a:spcAft>
+                <a:spcPct val="0"/>
+              </a:spcAft>
+              <a:defRPr sz="4400">
+                <a:solidFill>
+                  <a:schemeClr val="tx1"/>
+                </a:solidFill>
+                <a:latin typeface="TradeGothic" charset="0"/>
+                <a:ea typeface="ＭＳ Ｐゴシック" charset="0"/>
+                <a:cs typeface="ＭＳ Ｐゴシック" charset="0"/>
+              </a:defRPr>
+            </a:lvl9pPr>
+          </a:lstStyle>
+          <a:p>
+            <a:pPr eaLnBrk="1" hangingPunct="1"/>
+            <a:r>
+              <a:rPr lang="en-US" sz="3200" b="1" dirty="0">
+                <a:latin typeface="Times New Roman" panose="02020603050405020304" pitchFamily="18" charset="0"/>
+                <a:ea typeface="ＭＳ Ｐゴシック" pitchFamily="1" charset="-128"/>
+                <a:cs typeface="Times New Roman" panose="02020603050405020304" pitchFamily="18" charset="0"/>
+              </a:rPr>
+              <a:t>Feasibility and Viability</a:t>
+            </a:r>
+          </a:p>
+        </p:txBody>
+      </p:sp>
+      <p:sp>
+        <p:nvSpPr>
+          <p:cNvPr id="11" name="Oval 10" descr="Your startup LOGO">
+            <a:extLst>
+              <a:ext uri="{FF2B5EF4-FFF2-40B4-BE49-F238E27FC236}">
+                <a16:creationId xmlns:a16="http://schemas.microsoft.com/office/drawing/2014/main" id="{9737988E-0D57-4B85-9CF7-BD7030CA935F}"/>
+              </a:ext>
+              <a:ext uri="{C183D7F6-B498-43B3-948B-1728B52AA6E4}">
+                <adec:decorative xmlns:adec="http://schemas.microsoft.com/office/drawing/2017/decorative" val="0"/>
+              </a:ext>
+            </a:extLst>
+          </p:cNvPr>
+          <p:cNvSpPr/>
+          <p:nvPr/>
+        </p:nvSpPr>
+        <p:spPr>
+          <a:xfrm>
+            <a:off x="152792" y="97651"/>
+            <a:ext cx="1251857" cy="807334"/>
+          </a:xfrm>
+          <a:prstGeom prst="ellipse">
+            <a:avLst/>
+          </a:prstGeom>
+        </p:spPr>
+        <p:style>
+          <a:lnRef idx="2">
+            <a:schemeClr val="accent4"/>
+          </a:lnRef>
+          <a:fillRef idx="1">
+            <a:schemeClr val="lt1"/>
+          </a:fillRef>
+          <a:effectRef idx="0">
+            <a:schemeClr val="accent4"/>
+          </a:effectRef>
+          <a:fontRef idx="minor">
+            <a:schemeClr val="dk1"/>
+          </a:fontRef>
+        </p:style>
+        <p:txBody>
+          <a:bodyPr rtlCol="0" anchor="ctr"/>
+          <a:lstStyle/>
+          <a:p>
+            <a:pPr algn="ctr"/>
+            <a:r>
+              <a:rPr lang="en-US" dirty="0"/>
+              <a:t> THE </a:t>
+            </a:r>
+            <a:r>
+              <a:rPr lang="en-US" b="1" i="1" dirty="0"/>
+              <a:t>HELIOS</a:t>
+            </a:r>
+            <a:endParaRPr lang="en-IN" b="1" i="1" dirty="0"/>
+          </a:p>
+        </p:txBody>
+      </p:sp>
+      <p:pic>
+        <p:nvPicPr>
+          <p:cNvPr id="13" name="Picture 2" descr="https://www.sih.gov.in/img1/SIH-Logo.png">
+            <a:extLst>
+              <a:ext uri="{FF2B5EF4-FFF2-40B4-BE49-F238E27FC236}">
+                <a16:creationId xmlns:a16="http://schemas.microsoft.com/office/drawing/2014/main" id="{FDEB3432-4737-AD8B-CF61-74C4C719B2EA}"/>
+              </a:ext>
+            </a:extLst>
+          </p:cNvPr>
+          <p:cNvPicPr>
+            <a:picLocks noChangeAspect="1" noChangeArrowheads="1"/>
+          </p:cNvPicPr>
+          <p:nvPr/>
+        </p:nvPicPr>
+        <p:blipFill>
+          <a:blip r:embed="rId4">
+            <a:extLst>
+              <a:ext uri="{28A0092B-C50C-407E-A947-70E740481C1C}">
+                <a14:useLocalDpi xmlns:a14="http://schemas.microsoft.com/office/drawing/2010/main" val="0"/>
+              </a:ext>
+            </a:extLst>
+          </a:blip>
+          <a:srcRect/>
+          <a:stretch>
+            <a:fillRect/>
+          </a:stretch>
+        </p:blipFill>
+        <p:spPr bwMode="auto">
+          <a:xfrm>
+            <a:off x="10107561" y="57097"/>
+            <a:ext cx="1751080" cy="890052"/>
+          </a:xfrm>
+          <a:prstGeom prst="rect">
+            <a:avLst/>
+          </a:prstGeom>
+          <a:noFill/>
+          <a:extLst>
+            <a:ext uri="{909E8E84-426E-40DD-AFC4-6F175D3DCCD1}">
+              <a14:hiddenFill xmlns:a14="http://schemas.microsoft.com/office/drawing/2010/main">
+                <a:solidFill>
+                  <a:srgbClr val="FFFFFF"/>
+                </a:solidFill>
+              </a14:hiddenFill>
+            </a:ext>
+          </a:extLst>
+        </p:spPr>
+      </p:pic>
+      <p:sp>
+        <p:nvSpPr>
+          <p:cNvPr id="14" name="Title 1">
+            <a:extLst>
+              <a:ext uri="{FF2B5EF4-FFF2-40B4-BE49-F238E27FC236}">
+                <a16:creationId xmlns:a16="http://schemas.microsoft.com/office/drawing/2014/main" id="{FF033D37-3E08-ED4B-424E-3C04662E7217}"/>
+              </a:ext>
+            </a:extLst>
+          </p:cNvPr>
+          <p:cNvSpPr txBox="1">
+            <a:spLocks/>
+          </p:cNvSpPr>
+          <p:nvPr/>
+        </p:nvSpPr>
+        <p:spPr bwMode="auto">
+          <a:xfrm>
+            <a:off x="1247887" y="1121341"/>
+            <a:ext cx="9692639" cy="888442"/>
+          </a:xfrm>
+          <a:prstGeom prst="rect">
+            <a:avLst/>
+          </a:prstGeom>
+          <a:noFill/>
+          <a:ln w="9525">
+            <a:noFill/>
+            <a:miter lim="800000"/>
+            <a:headEnd/>
+            <a:tailEnd/>
+          </a:ln>
+        </p:spPr>
+        <p:txBody>
+          <a:bodyPr vert="horz" wrap="square" lIns="91440" tIns="45720" rIns="91440" bIns="45720" numCol="1" anchor="ctr" anchorCtr="0" compatLnSpc="1">
+            <a:prstTxWarp prst="textNoShape">
+              <a:avLst/>
+            </a:prstTxWarp>
+          </a:bodyPr>
+          <a:lstStyle>
+            <a:lvl1pPr algn="ctr" defTabSz="457200" rtl="0" eaLnBrk="0" fontAlgn="base" hangingPunct="0">
+              <a:spcBef>
+                <a:spcPct val="0"/>
+              </a:spcBef>
+              <a:spcAft>
+                <a:spcPct val="0"/>
+              </a:spcAft>
+              <a:defRPr sz="4400" kern="1200">
+                <a:solidFill>
+                  <a:schemeClr val="tx1"/>
+                </a:solidFill>
+                <a:latin typeface="TradeGothic"/>
+                <a:ea typeface="ＭＳ Ｐゴシック" charset="0"/>
+                <a:cs typeface="ＭＳ Ｐゴシック" charset="0"/>
+              </a:defRPr>
+            </a:lvl1pPr>
+            <a:lvl2pPr algn="ctr" defTabSz="457200" rtl="0" eaLnBrk="0" fontAlgn="base" hangingPunct="0">
+              <a:spcBef>
+                <a:spcPct val="0"/>
+              </a:spcBef>
+              <a:spcAft>
+                <a:spcPct val="0"/>
+              </a:spcAft>
+              <a:defRPr sz="4400">
+                <a:solidFill>
+                  <a:schemeClr val="tx1"/>
+                </a:solidFill>
+                <a:latin typeface="TradeGothic" charset="0"/>
+                <a:ea typeface="ＭＳ Ｐゴシック" charset="0"/>
+                <a:cs typeface="ＭＳ Ｐゴシック" charset="0"/>
+              </a:defRPr>
+            </a:lvl2pPr>
+            <a:lvl3pPr algn="ctr" defTabSz="457200" rtl="0" eaLnBrk="0" fontAlgn="base" hangingPunct="0">
+              <a:spcBef>
+                <a:spcPct val="0"/>
+              </a:spcBef>
+              <a:spcAft>
+                <a:spcPct val="0"/>
+              </a:spcAft>
+              <a:defRPr sz="4400">
+                <a:solidFill>
+                  <a:schemeClr val="tx1"/>
+                </a:solidFill>
+                <a:latin typeface="TradeGothic" charset="0"/>
+                <a:ea typeface="ＭＳ Ｐゴシック" charset="0"/>
+                <a:cs typeface="ＭＳ Ｐゴシック" charset="0"/>
+              </a:defRPr>
+            </a:lvl3pPr>
+            <a:lvl4pPr algn="ctr" defTabSz="457200" rtl="0" eaLnBrk="0" fontAlgn="base" hangingPunct="0">
+              <a:spcBef>
+                <a:spcPct val="0"/>
+              </a:spcBef>
+              <a:spcAft>
+                <a:spcPct val="0"/>
+              </a:spcAft>
+              <a:defRPr sz="4400">
+                <a:solidFill>
+                  <a:schemeClr val="tx1"/>
+                </a:solidFill>
+                <a:latin typeface="TradeGothic" charset="0"/>
+                <a:ea typeface="ＭＳ Ｐゴシック" charset="0"/>
+                <a:cs typeface="ＭＳ Ｐゴシック" charset="0"/>
+              </a:defRPr>
+            </a:lvl4pPr>
+            <a:lvl5pPr algn="ctr" defTabSz="457200" rtl="0" eaLnBrk="0" fontAlgn="base" hangingPunct="0">
+              <a:spcBef>
+                <a:spcPct val="0"/>
+              </a:spcBef>
+              <a:spcAft>
+                <a:spcPct val="0"/>
+              </a:spcAft>
+              <a:defRPr sz="4400">
+                <a:solidFill>
+                  <a:schemeClr val="tx1"/>
+                </a:solidFill>
+                <a:latin typeface="TradeGothic" charset="0"/>
+                <a:ea typeface="ＭＳ Ｐゴシック" charset="0"/>
+                <a:cs typeface="ＭＳ Ｐゴシック" charset="0"/>
+              </a:defRPr>
+            </a:lvl5pPr>
+            <a:lvl6pPr marL="457200" algn="ctr" defTabSz="457200" rtl="0" fontAlgn="base">
+              <a:spcBef>
+                <a:spcPct val="0"/>
+              </a:spcBef>
+              <a:spcAft>
+                <a:spcPct val="0"/>
+              </a:spcAft>
+              <a:defRPr sz="4400">
+                <a:solidFill>
+                  <a:schemeClr val="tx1"/>
+                </a:solidFill>
+                <a:latin typeface="TradeGothic" charset="0"/>
+                <a:ea typeface="ＭＳ Ｐゴシック" charset="0"/>
+                <a:cs typeface="ＭＳ Ｐゴシック" charset="0"/>
+              </a:defRPr>
+            </a:lvl6pPr>
+            <a:lvl7pPr marL="914400" algn="ctr" defTabSz="457200" rtl="0" fontAlgn="base">
+              <a:spcBef>
+                <a:spcPct val="0"/>
+              </a:spcBef>
+              <a:spcAft>
+                <a:spcPct val="0"/>
+              </a:spcAft>
+              <a:defRPr sz="4400">
+                <a:solidFill>
+                  <a:schemeClr val="tx1"/>
+                </a:solidFill>
+                <a:latin typeface="TradeGothic" charset="0"/>
+                <a:ea typeface="ＭＳ Ｐゴシック" charset="0"/>
+                <a:cs typeface="ＭＳ Ｐゴシック" charset="0"/>
+              </a:defRPr>
+            </a:lvl7pPr>
+            <a:lvl8pPr marL="1371600" algn="ctr" defTabSz="457200" rtl="0" fontAlgn="base">
+              <a:spcBef>
+                <a:spcPct val="0"/>
+              </a:spcBef>
+              <a:spcAft>
+                <a:spcPct val="0"/>
+              </a:spcAft>
+              <a:defRPr sz="4400">
+                <a:solidFill>
+                  <a:schemeClr val="tx1"/>
+                </a:solidFill>
+                <a:latin typeface="TradeGothic" charset="0"/>
+                <a:ea typeface="ＭＳ Ｐゴシック" charset="0"/>
+                <a:cs typeface="ＭＳ Ｐゴシック" charset="0"/>
+              </a:defRPr>
+            </a:lvl8pPr>
+            <a:lvl9pPr marL="1828800" algn="ctr" defTabSz="457200" rtl="0" fontAlgn="base">
+              <a:spcBef>
+                <a:spcPct val="0"/>
+              </a:spcBef>
+              <a:spcAft>
+                <a:spcPct val="0"/>
+              </a:spcAft>
+              <a:defRPr sz="4400">
+                <a:solidFill>
+                  <a:schemeClr val="tx1"/>
+                </a:solidFill>
+                <a:latin typeface="TradeGothic" charset="0"/>
+                <a:ea typeface="ＭＳ Ｐゴシック" charset="0"/>
+                <a:cs typeface="ＭＳ Ｐゴシック" charset="0"/>
+              </a:defRPr>
+            </a:lvl9pPr>
+          </a:lstStyle>
+          <a:p>
+            <a:pPr algn="l" eaLnBrk="1" hangingPunct="1"/>
+            <a:endParaRPr lang="en-US" sz="1800" dirty="0">
+              <a:latin typeface="+mj-lt"/>
+              <a:ea typeface="ＭＳ Ｐゴシック" pitchFamily="1" charset="-128"/>
+              <a:cs typeface="Arial" panose="020B0604020202020204" pitchFamily="34" charset="0"/>
+            </a:endParaRPr>
+          </a:p>
+        </p:txBody>
+      </p:sp>
+      <p:sp>
+        <p:nvSpPr>
+          <p:cNvPr id="6" name="TextBox 8">
+            <a:extLst>
+              <a:ext uri="{FF2B5EF4-FFF2-40B4-BE49-F238E27FC236}">
+                <a16:creationId xmlns:a16="http://schemas.microsoft.com/office/drawing/2014/main" id="{8529D78B-064E-6EDE-3555-0E4D16C92851}"/>
+              </a:ext>
+            </a:extLst>
+          </p:cNvPr>
+          <p:cNvSpPr txBox="1">
+            <a:spLocks noChangeArrowheads="1"/>
+          </p:cNvSpPr>
+          <p:nvPr/>
+        </p:nvSpPr>
+        <p:spPr bwMode="auto">
+          <a:xfrm>
+            <a:off x="532699" y="1221745"/>
+            <a:ext cx="7813659" cy="4896853"/>
+          </a:xfrm>
+          <a:prstGeom prst="rect">
+            <a:avLst/>
+          </a:prstGeom>
+          <a:noFill/>
+          <a:ln w="9525">
+            <a:noFill/>
+            <a:miter lim="800000"/>
+            <a:headEnd/>
+            <a:tailEnd/>
+          </a:ln>
+        </p:spPr>
+        <p:txBody>
+          <a:bodyPr wrap="square">
+            <a:spAutoFit/>
+          </a:bodyPr>
+          <a:lstStyle>
+            <a:defPPr>
+              <a:defRPr lang="en-US"/>
+            </a:defPPr>
+            <a:lvl1pPr algn="l" defTabSz="457200" rtl="0" fontAlgn="base">
+              <a:spcBef>
+                <a:spcPct val="0"/>
+              </a:spcBef>
+              <a:spcAft>
+                <a:spcPct val="0"/>
+              </a:spcAft>
+              <a:defRPr kern="1200">
+                <a:solidFill>
+                  <a:schemeClr val="tx1"/>
+                </a:solidFill>
+                <a:latin typeface="Calibri" pitchFamily="34" charset="0"/>
+                <a:ea typeface="ＭＳ Ｐゴシック" pitchFamily="1" charset="-128"/>
+                <a:cs typeface="+mn-cs"/>
+              </a:defRPr>
+            </a:lvl1pPr>
+            <a:lvl2pPr marL="457200" algn="l" defTabSz="457200" rtl="0" fontAlgn="base">
+              <a:spcBef>
+                <a:spcPct val="0"/>
+              </a:spcBef>
+              <a:spcAft>
+                <a:spcPct val="0"/>
+              </a:spcAft>
+              <a:defRPr kern="1200">
+                <a:solidFill>
+                  <a:schemeClr val="tx1"/>
+                </a:solidFill>
+                <a:latin typeface="Calibri" pitchFamily="34" charset="0"/>
+                <a:ea typeface="ＭＳ Ｐゴシック" pitchFamily="1" charset="-128"/>
+                <a:cs typeface="+mn-cs"/>
+              </a:defRPr>
+            </a:lvl2pPr>
+            <a:lvl3pPr marL="914400" algn="l" defTabSz="457200" rtl="0" fontAlgn="base">
+              <a:spcBef>
+                <a:spcPct val="0"/>
+              </a:spcBef>
+              <a:spcAft>
+                <a:spcPct val="0"/>
+              </a:spcAft>
+              <a:defRPr kern="1200">
+                <a:solidFill>
+                  <a:schemeClr val="tx1"/>
+                </a:solidFill>
+                <a:latin typeface="Calibri" pitchFamily="34" charset="0"/>
+                <a:ea typeface="ＭＳ Ｐゴシック" pitchFamily="1" charset="-128"/>
+                <a:cs typeface="+mn-cs"/>
+              </a:defRPr>
+            </a:lvl3pPr>
+            <a:lvl4pPr marL="1371600" algn="l" defTabSz="457200" rtl="0" fontAlgn="base">
+              <a:spcBef>
+                <a:spcPct val="0"/>
+              </a:spcBef>
+              <a:spcAft>
+                <a:spcPct val="0"/>
+              </a:spcAft>
+              <a:defRPr kern="1200">
+                <a:solidFill>
+                  <a:schemeClr val="tx1"/>
+                </a:solidFill>
+                <a:latin typeface="Calibri" pitchFamily="34" charset="0"/>
+                <a:ea typeface="ＭＳ Ｐゴシック" pitchFamily="1" charset="-128"/>
+                <a:cs typeface="+mn-cs"/>
+              </a:defRPr>
+            </a:lvl4pPr>
+            <a:lvl5pPr marL="1828800" algn="l" defTabSz="457200" rtl="0" fontAlgn="base">
+              <a:spcBef>
+                <a:spcPct val="0"/>
+              </a:spcBef>
+              <a:spcAft>
+                <a:spcPct val="0"/>
+              </a:spcAft>
+              <a:defRPr kern="1200">
+                <a:solidFill>
+                  <a:schemeClr val="tx1"/>
+                </a:solidFill>
+                <a:latin typeface="Calibri" pitchFamily="34" charset="0"/>
+                <a:ea typeface="ＭＳ Ｐゴシック" pitchFamily="1" charset="-128"/>
+                <a:cs typeface="+mn-cs"/>
+              </a:defRPr>
+            </a:lvl5pPr>
+            <a:lvl6pPr marL="2286000" algn="l" defTabSz="914400" rtl="0" eaLnBrk="1" latinLnBrk="0" hangingPunct="1">
+              <a:defRPr kern="1200">
+                <a:solidFill>
+                  <a:schemeClr val="tx1"/>
+                </a:solidFill>
+                <a:latin typeface="Calibri" pitchFamily="34" charset="0"/>
+                <a:ea typeface="ＭＳ Ｐゴシック" pitchFamily="1" charset="-128"/>
+                <a:cs typeface="+mn-cs"/>
+              </a:defRPr>
+            </a:lvl6pPr>
+            <a:lvl7pPr marL="2743200" algn="l" defTabSz="914400" rtl="0" eaLnBrk="1" latinLnBrk="0" hangingPunct="1">
+              <a:defRPr kern="1200">
+                <a:solidFill>
+                  <a:schemeClr val="tx1"/>
+                </a:solidFill>
+                <a:latin typeface="Calibri" pitchFamily="34" charset="0"/>
+                <a:ea typeface="ＭＳ Ｐゴシック" pitchFamily="1" charset="-128"/>
+                <a:cs typeface="+mn-cs"/>
+              </a:defRPr>
+            </a:lvl7pPr>
+            <a:lvl8pPr marL="3200400" algn="l" defTabSz="914400" rtl="0" eaLnBrk="1" latinLnBrk="0" hangingPunct="1">
+              <a:defRPr kern="1200">
+                <a:solidFill>
+                  <a:schemeClr val="tx1"/>
+                </a:solidFill>
+                <a:latin typeface="Calibri" pitchFamily="34" charset="0"/>
+                <a:ea typeface="ＭＳ Ｐゴシック" pitchFamily="1" charset="-128"/>
+                <a:cs typeface="+mn-cs"/>
+              </a:defRPr>
+            </a:lvl8pPr>
+            <a:lvl9pPr marL="3657600" algn="l" defTabSz="914400" rtl="0" eaLnBrk="1" latinLnBrk="0" hangingPunct="1">
+              <a:defRPr kern="1200">
+                <a:solidFill>
+                  <a:schemeClr val="tx1"/>
+                </a:solidFill>
+                <a:latin typeface="Calibri" pitchFamily="34" charset="0"/>
+                <a:ea typeface="ＭＳ Ｐゴシック" pitchFamily="1" charset="-128"/>
+                <a:cs typeface="+mn-cs"/>
+              </a:defRPr>
+            </a:lvl9pPr>
+          </a:lstStyle>
+          <a:p>
+            <a:r>
+              <a:rPr lang="en-IN" b="1" u="sng" dirty="0"/>
+              <a:t>FEASIBILITY</a:t>
+            </a:r>
+          </a:p>
+          <a:p>
+            <a:pPr marL="342900" indent="-342900">
+              <a:lnSpc>
+                <a:spcPct val="150000"/>
+              </a:lnSpc>
+              <a:buFont typeface="Arial" panose="020B0604020202020204" pitchFamily="34" charset="0"/>
+              <a:buChar char="•"/>
+            </a:pPr>
+            <a:r>
+              <a:rPr lang="en-US" dirty="0"/>
+              <a:t>Zero-Hardware Approach: Leverages driver's smartphone GPS.</a:t>
+            </a:r>
+          </a:p>
+          <a:p>
+            <a:pPr marL="342900" indent="-342900">
+              <a:lnSpc>
+                <a:spcPct val="150000"/>
+              </a:lnSpc>
+              <a:buFont typeface="Arial" panose="020B0604020202020204" pitchFamily="34" charset="0"/>
+              <a:buChar char="•"/>
+            </a:pPr>
+            <a:r>
+              <a:rPr lang="en-US" dirty="0"/>
+              <a:t>Tier-2/3 City Focus: Designed for evolving digital infrastructure. </a:t>
+            </a:r>
+          </a:p>
+          <a:p>
+            <a:pPr marL="342900" indent="-342900">
+              <a:lnSpc>
+                <a:spcPct val="150000"/>
+              </a:lnSpc>
+              <a:buFont typeface="Arial" panose="020B0604020202020204" pitchFamily="34" charset="0"/>
+              <a:buChar char="•"/>
+            </a:pPr>
+            <a:r>
+              <a:rPr lang="en-US" dirty="0"/>
+              <a:t>Gamified Crowdsourcing: Rewards for user-reported data like crowd levels.</a:t>
+            </a:r>
+          </a:p>
+          <a:p>
+            <a:pPr>
+              <a:lnSpc>
+                <a:spcPct val="150000"/>
+              </a:lnSpc>
+            </a:pPr>
+            <a:endParaRPr lang="en-IN" dirty="0"/>
+          </a:p>
+          <a:p>
+            <a:r>
+              <a:rPr lang="en-IN" b="1" u="sng" dirty="0"/>
+              <a:t>CHALLENGES &amp; RISKS</a:t>
+            </a:r>
+          </a:p>
+          <a:p>
+            <a:pPr marL="342900" indent="-342900">
+              <a:lnSpc>
+                <a:spcPct val="150000"/>
+              </a:lnSpc>
+              <a:buFont typeface="Arial" panose="020B0604020202020204" pitchFamily="34" charset="0"/>
+              <a:buChar char="•"/>
+            </a:pPr>
+            <a:r>
+              <a:rPr lang="en-IN" dirty="0"/>
+              <a:t>Fragmented ticketing systems across agencies.</a:t>
+            </a:r>
+          </a:p>
+          <a:p>
+            <a:pPr marL="342900" indent="-342900">
+              <a:lnSpc>
+                <a:spcPct val="150000"/>
+              </a:lnSpc>
+              <a:buFont typeface="Arial" panose="020B0604020202020204" pitchFamily="34" charset="0"/>
+              <a:buChar char="•"/>
+            </a:pPr>
+            <a:r>
+              <a:rPr lang="en-IN" dirty="0"/>
+              <a:t>No reliable and accurate opensource data available</a:t>
+            </a:r>
+          </a:p>
+          <a:p>
+            <a:pPr marL="342900" indent="-342900">
+              <a:lnSpc>
+                <a:spcPct val="150000"/>
+              </a:lnSpc>
+              <a:buFont typeface="Arial" panose="020B0604020202020204" pitchFamily="34" charset="0"/>
+              <a:buChar char="•"/>
+            </a:pPr>
+            <a:r>
+              <a:rPr lang="en-IN" dirty="0"/>
+              <a:t>User adoption hurdles in Tier-2/3 cities.</a:t>
+            </a:r>
+          </a:p>
+          <a:p>
+            <a:endParaRPr lang="en-IN" dirty="0"/>
+          </a:p>
+          <a:p>
+            <a:r>
+              <a:rPr lang="en-IN" b="1" u="sng" dirty="0"/>
+              <a:t>STRATEGIES TO OVERCOME</a:t>
+            </a:r>
+            <a:endParaRPr lang="en-IN" u="sng" dirty="0"/>
+          </a:p>
+          <a:p>
+            <a:pPr marL="342900" indent="-342900">
+              <a:lnSpc>
+                <a:spcPct val="150000"/>
+              </a:lnSpc>
+              <a:buFont typeface="Arial" panose="020B0604020202020204" pitchFamily="34" charset="0"/>
+              <a:buChar char="•"/>
+            </a:pPr>
+            <a:r>
+              <a:rPr lang="en-IN" dirty="0"/>
+              <a:t>To Track bus live location through Drivers Phone </a:t>
+            </a:r>
+          </a:p>
+          <a:p>
+            <a:pPr marL="342900" indent="-342900">
+              <a:lnSpc>
+                <a:spcPct val="150000"/>
+              </a:lnSpc>
+              <a:buFont typeface="Arial" panose="020B0604020202020204" pitchFamily="34" charset="0"/>
+              <a:buChar char="•"/>
+            </a:pPr>
+            <a:r>
+              <a:rPr lang="en-IN" dirty="0"/>
+              <a:t>Use gamification &amp; rewards to drive crowdsourcing participation.</a:t>
+            </a:r>
+          </a:p>
+        </p:txBody>
+      </p:sp>
+      <p:sp>
+        <p:nvSpPr>
+          <p:cNvPr id="15" name="Rectangle 14"/>
+          <p:cNvSpPr>
+            <a:spLocks noChangeArrowheads="1"/>
+          </p:cNvSpPr>
+          <p:nvPr/>
+        </p:nvSpPr>
+        <p:spPr bwMode="auto">
+          <a:xfrm>
+            <a:off x="0" y="6354762"/>
+            <a:ext cx="12191999" cy="503238"/>
+          </a:xfrm>
+          <a:prstGeom prst="rect">
+            <a:avLst/>
+          </a:prstGeom>
+          <a:solidFill>
+            <a:srgbClr val="0070C0"/>
+          </a:solidFill>
+          <a:ln w="9525">
+            <a:noFill/>
+            <a:miter lim="800000"/>
+            <a:headEnd/>
+            <a:tailEnd/>
+          </a:ln>
+          <a:effectLst>
+            <a:outerShdw dist="23000" dir="5400000" rotWithShape="0">
+              <a:srgbClr val="808080">
+                <a:alpha val="34999"/>
+              </a:srgbClr>
+            </a:outerShdw>
+          </a:effectLst>
+        </p:spPr>
+        <p:txBody>
+          <a:bodyPr anchor="ctr"/>
+          <a:lstStyle/>
+          <a:p>
+            <a:pPr algn="ctr" fontAlgn="auto">
+              <a:spcBef>
+                <a:spcPts val="0"/>
+              </a:spcBef>
+              <a:spcAft>
+                <a:spcPts val="0"/>
+              </a:spcAft>
+              <a:defRPr/>
+            </a:pPr>
+            <a:endParaRPr lang="en-US" dirty="0">
+              <a:solidFill>
+                <a:schemeClr val="accent2">
+                  <a:lumMod val="75000"/>
+                </a:schemeClr>
+              </a:solidFill>
+              <a:latin typeface="+mn-lt"/>
+              <a:ea typeface="+mn-ea"/>
+            </a:endParaRPr>
+          </a:p>
+        </p:txBody>
+      </p:sp>
+      <p:sp>
+        <p:nvSpPr>
+          <p:cNvPr id="16" name="Slide Number Placeholder 5"/>
+          <p:cNvSpPr>
+            <a:spLocks noGrp="1"/>
+          </p:cNvSpPr>
+          <p:nvPr>
+            <p:ph type="sldNum" sz="quarter" idx="12"/>
+          </p:nvPr>
+        </p:nvSpPr>
+        <p:spPr>
+          <a:xfrm>
+            <a:off x="11582399" y="6434512"/>
+            <a:ext cx="329887" cy="365125"/>
+          </a:xfrm>
+        </p:spPr>
+        <p:txBody>
+          <a:bodyPr/>
+          <a:lstStyle/>
+          <a:p>
+            <a:r>
+              <a:rPr lang="en-US" b="1" dirty="0">
+                <a:solidFill>
+                  <a:schemeClr val="bg1"/>
+                </a:solidFill>
+              </a:rPr>
+              <a:t>4</a:t>
+            </a:r>
+          </a:p>
+        </p:txBody>
+      </p:sp>
+      <p:sp>
+        <p:nvSpPr>
+          <p:cNvPr id="17" name="Footer Placeholder 6"/>
+          <p:cNvSpPr>
+            <a:spLocks noGrp="1"/>
+          </p:cNvSpPr>
+          <p:nvPr>
+            <p:ph type="ftr" sz="quarter" idx="11"/>
+          </p:nvPr>
+        </p:nvSpPr>
+        <p:spPr>
+          <a:xfrm>
+            <a:off x="4648200" y="6434512"/>
+            <a:ext cx="3204000" cy="365125"/>
+          </a:xfrm>
+        </p:spPr>
+        <p:txBody>
+          <a:bodyPr/>
+          <a:lstStyle/>
+          <a:p>
+            <a:pPr>
+              <a:defRPr/>
+            </a:pPr>
+            <a:r>
+              <a:rPr lang="en-US" b="1" dirty="0">
+                <a:solidFill>
+                  <a:schemeClr val="bg1"/>
+                </a:solidFill>
+              </a:rPr>
+              <a:t>@The Helios – SIH2025</a:t>
+            </a:r>
+          </a:p>
+        </p:txBody>
+      </p:sp>
+      <p:pic>
+        <p:nvPicPr>
+          <p:cNvPr id="7" name="Picture 6">
+            <a:extLst>
+              <a:ext uri="{FF2B5EF4-FFF2-40B4-BE49-F238E27FC236}">
+                <a16:creationId xmlns:a16="http://schemas.microsoft.com/office/drawing/2014/main" id="{43A32BC4-FDDA-FF36-DA2C-6B601B470289}"/>
+              </a:ext>
+            </a:extLst>
+          </p:cNvPr>
+          <p:cNvPicPr>
+            <a:picLocks noChangeAspect="1"/>
+          </p:cNvPicPr>
+          <p:nvPr/>
+        </p:nvPicPr>
+        <p:blipFill>
+          <a:blip r:embed="rId5"/>
+          <a:stretch>
+            <a:fillRect/>
+          </a:stretch>
+        </p:blipFill>
+        <p:spPr>
+          <a:xfrm>
+            <a:off x="7987828" y="3610028"/>
+            <a:ext cx="3594571" cy="2568742"/>
+          </a:xfrm>
+          <a:prstGeom prst="rect">
+            <a:avLst/>
+          </a:prstGeom>
+        </p:spPr>
+      </p:pic>
+    </p:spTree>
+    <p:extLst>
+      <p:ext uri="{BB962C8B-B14F-4D97-AF65-F5344CB8AC3E}">
+        <p14:creationId xmlns:p14="http://schemas.microsoft.com/office/powerpoint/2010/main" val="3753387913"/>
+      </p:ext>
+    </p:extLst>
+  </p:cSld>
+  <p:clrMapOvr>
+    <a:masterClrMapping/>
+  </p:clrMapOvr>
+  <p:transition spd="slow">
+    <p:wipe/>
+  </p:transition>
+</p:sld>
+</file>
+
+<file path=ppt/slides/slide5.xml><?xml version="1.0" encoding="utf-8"?>
+<p:sld xmlns:a="http://schemas.openxmlformats.org/drawingml/2006/main" xmlns:r="http://schemas.openxmlformats.org/officeDocument/2006/relationships" xmlns:p="http://schemas.openxmlformats.org/presentationml/2006/main">
+  <p:cSld>
+    <p:spTree>
+      <p:nvGrpSpPr>
+        <p:cNvPr id="1" name=""/>
+        <p:cNvGrpSpPr/>
+        <p:nvPr/>
+      </p:nvGrpSpPr>
+      <p:grpSpPr>
+        <a:xfrm>
+          <a:off x="0" y="0"/>
+          <a:ext cx="0" cy="0"/>
+          <a:chOff x="0" y="0"/>
+          <a:chExt cx="0" cy="0"/>
+        </a:xfrm>
+      </p:grpSpPr>
+      <p:sp>
+        <p:nvSpPr>
+          <p:cNvPr id="17410" name="TextBox 8"/>
+          <p:cNvSpPr txBox="1">
+            <a:spLocks noChangeArrowheads="1"/>
+          </p:cNvSpPr>
+          <p:nvPr/>
+        </p:nvSpPr>
+        <p:spPr bwMode="auto">
+          <a:xfrm>
+            <a:off x="329773" y="1484505"/>
+            <a:ext cx="5933375" cy="4401205"/>
+          </a:xfrm>
+          <a:prstGeom prst="rect">
+            <a:avLst/>
+          </a:prstGeom>
+          <a:noFill/>
+          <a:ln w="9525">
+            <a:noFill/>
+            <a:miter lim="800000"/>
+            <a:headEnd/>
+            <a:tailEnd/>
+          </a:ln>
+        </p:spPr>
+        <p:txBody>
+          <a:bodyPr wrap="square">
+            <a:spAutoFit/>
+          </a:bodyPr>
+          <a:lstStyle/>
+          <a:p>
+            <a:r>
+              <a:rPr lang="en-US" sz="2000" b="1" dirty="0"/>
+              <a:t>Impact</a:t>
+            </a:r>
+            <a:endParaRPr lang="en-US" sz="2000" dirty="0"/>
+          </a:p>
+          <a:p>
+            <a:pPr marL="342900" indent="-342900">
+              <a:buFont typeface="Arial" panose="020B0604020202020204" pitchFamily="34" charset="0"/>
+              <a:buChar char="•"/>
+            </a:pPr>
+            <a:r>
+              <a:rPr lang="en-US" sz="2000" dirty="0"/>
+              <a:t>Commuters: Reliable schedules, live tracking, less waiting.</a:t>
+            </a:r>
+          </a:p>
+          <a:p>
+            <a:pPr marL="342900" indent="-342900">
+              <a:buFont typeface="Arial" panose="020B0604020202020204" pitchFamily="34" charset="0"/>
+              <a:buChar char="•"/>
+            </a:pPr>
+            <a:r>
+              <a:rPr lang="en-US" sz="2000" dirty="0"/>
+              <a:t>Operators: Analytics on punctuality, crowding, demand.</a:t>
+            </a:r>
+          </a:p>
+          <a:p>
+            <a:pPr marL="342900" indent="-342900">
+              <a:buFont typeface="Arial" panose="020B0604020202020204" pitchFamily="34" charset="0"/>
+              <a:buChar char="•"/>
+            </a:pPr>
+            <a:r>
+              <a:rPr lang="en-US" sz="2000" dirty="0"/>
+              <a:t>Govt: Operational Data for planning &amp; policy.</a:t>
+            </a:r>
+          </a:p>
+          <a:p>
+            <a:pPr marL="342900" indent="-342900">
+              <a:buFont typeface="Arial" panose="020B0604020202020204" pitchFamily="34" charset="0"/>
+              <a:buChar char="•"/>
+            </a:pPr>
+            <a:r>
+              <a:rPr lang="en-US" sz="2000" dirty="0"/>
+              <a:t>Overall: Builds trust, boosts ridership.</a:t>
+            </a:r>
+          </a:p>
+          <a:p>
+            <a:endParaRPr lang="en-US" sz="2000" dirty="0"/>
+          </a:p>
+          <a:p>
+            <a:r>
+              <a:rPr lang="en-US" sz="2000" b="1" dirty="0"/>
+              <a:t>Benefits</a:t>
+            </a:r>
+            <a:endParaRPr lang="en-US" sz="2000" dirty="0"/>
+          </a:p>
+          <a:p>
+            <a:pPr marL="342900" indent="-342900">
+              <a:buFont typeface="Arial" panose="020B0604020202020204" pitchFamily="34" charset="0"/>
+              <a:buChar char="•"/>
+            </a:pPr>
+            <a:r>
+              <a:rPr lang="en-US" sz="2000" dirty="0"/>
+              <a:t>Social: Safer, accessible, inclusive travel.</a:t>
+            </a:r>
+          </a:p>
+          <a:p>
+            <a:pPr marL="342900" indent="-342900">
+              <a:buFont typeface="Arial" panose="020B0604020202020204" pitchFamily="34" charset="0"/>
+              <a:buChar char="•"/>
+            </a:pPr>
+            <a:r>
+              <a:rPr lang="en-US" sz="2000" dirty="0"/>
+              <a:t>Economic: Time saved, productivity up, more revenue.</a:t>
+            </a:r>
+          </a:p>
+          <a:p>
+            <a:pPr marL="342900" indent="-342900">
+              <a:buFont typeface="Arial" panose="020B0604020202020204" pitchFamily="34" charset="0"/>
+              <a:buChar char="•"/>
+            </a:pPr>
+            <a:r>
+              <a:rPr lang="en-US" sz="2000" dirty="0"/>
+              <a:t>Environmental: Less congestion, lower emissions.</a:t>
+            </a:r>
+          </a:p>
+          <a:p>
+            <a:pPr marL="342900" indent="-342900">
+              <a:buFont typeface="Arial" panose="020B0604020202020204" pitchFamily="34" charset="0"/>
+              <a:buChar char="•"/>
+            </a:pPr>
+            <a:r>
+              <a:rPr lang="en-US" sz="2000" dirty="0"/>
+              <a:t>Governance: Data-driven policies &amp; planning.</a:t>
+            </a:r>
+          </a:p>
+        </p:txBody>
+      </p:sp>
+      <p:sp>
+        <p:nvSpPr>
+          <p:cNvPr id="11" name="Rectangle 10"/>
+          <p:cNvSpPr>
+            <a:spLocks noChangeArrowheads="1"/>
+          </p:cNvSpPr>
+          <p:nvPr/>
+        </p:nvSpPr>
+        <p:spPr bwMode="auto">
+          <a:xfrm>
+            <a:off x="0" y="6354762"/>
+            <a:ext cx="12191999" cy="503238"/>
+          </a:xfrm>
+          <a:prstGeom prst="rect">
+            <a:avLst/>
+          </a:prstGeom>
+          <a:solidFill>
+            <a:srgbClr val="0070C0"/>
+          </a:solidFill>
+          <a:ln w="9525">
+            <a:noFill/>
+            <a:miter lim="800000"/>
+            <a:headEnd/>
+            <a:tailEnd/>
+          </a:ln>
+          <a:effectLst>
+            <a:outerShdw dist="23000" dir="5400000" rotWithShape="0">
+              <a:srgbClr val="808080">
+                <a:alpha val="34999"/>
+              </a:srgbClr>
+            </a:outerShdw>
+          </a:effectLst>
+        </p:spPr>
+        <p:txBody>
+          <a:bodyPr anchor="ctr"/>
+          <a:lstStyle/>
+          <a:p>
+            <a:pPr algn="ctr" fontAlgn="auto">
+              <a:spcBef>
+                <a:spcPts val="0"/>
+              </a:spcBef>
+              <a:spcAft>
+                <a:spcPts val="0"/>
+              </a:spcAft>
+              <a:defRPr/>
+            </a:pPr>
+            <a:endParaRPr lang="en-US" dirty="0">
+              <a:solidFill>
+                <a:schemeClr val="accent2">
+                  <a:lumMod val="75000"/>
+                </a:schemeClr>
+              </a:solidFill>
+              <a:latin typeface="+mn-lt"/>
+              <a:ea typeface="+mn-ea"/>
+            </a:endParaRPr>
+          </a:p>
+        </p:txBody>
+      </p:sp>
+      <p:sp>
+        <p:nvSpPr>
+          <p:cNvPr id="13" name="Slide Number Placeholder 5"/>
+          <p:cNvSpPr>
+            <a:spLocks noGrp="1"/>
+          </p:cNvSpPr>
+          <p:nvPr>
+            <p:ph type="sldNum" sz="quarter" idx="12"/>
+          </p:nvPr>
+        </p:nvSpPr>
+        <p:spPr>
+          <a:xfrm>
+            <a:off x="11582399" y="6434512"/>
+            <a:ext cx="329887" cy="365125"/>
+          </a:xfrm>
+        </p:spPr>
+        <p:txBody>
+          <a:bodyPr/>
+          <a:lstStyle/>
+          <a:p>
+            <a:r>
+              <a:rPr lang="en-US" b="1" dirty="0">
+                <a:solidFill>
+                  <a:schemeClr val="bg1"/>
+                </a:solidFill>
+              </a:rPr>
+              <a:t>5</a:t>
+            </a:r>
+          </a:p>
+        </p:txBody>
+      </p:sp>
+      <p:sp>
+        <p:nvSpPr>
+          <p:cNvPr id="14" name="Footer Placeholder 6"/>
+          <p:cNvSpPr>
+            <a:spLocks noGrp="1"/>
+          </p:cNvSpPr>
+          <p:nvPr>
+            <p:ph type="ftr" sz="quarter" idx="11"/>
+          </p:nvPr>
+        </p:nvSpPr>
+        <p:spPr>
+          <a:xfrm>
+            <a:off x="4648200" y="6434512"/>
+            <a:ext cx="3204000" cy="365125"/>
+          </a:xfrm>
+        </p:spPr>
+        <p:txBody>
+          <a:bodyPr/>
+          <a:lstStyle/>
+          <a:p>
+            <a:pPr>
+              <a:defRPr/>
+            </a:pPr>
+            <a:r>
+              <a:rPr lang="en-US" b="1" dirty="0">
+                <a:solidFill>
+                  <a:schemeClr val="bg1"/>
+                </a:solidFill>
+              </a:rPr>
+              <a:t>@The Helios – SIH2025</a:t>
+            </a:r>
+          </a:p>
+        </p:txBody>
+      </p:sp>
+      <p:sp>
+        <p:nvSpPr>
+          <p:cNvPr id="3" name="Title 1">
+            <a:extLst>
+              <a:ext uri="{FF2B5EF4-FFF2-40B4-BE49-F238E27FC236}">
+                <a16:creationId xmlns:a16="http://schemas.microsoft.com/office/drawing/2014/main" id="{4C610D8B-0245-EB60-0679-E679308E6471}"/>
+              </a:ext>
+            </a:extLst>
+          </p:cNvPr>
+          <p:cNvSpPr txBox="1">
+            <a:spLocks/>
+          </p:cNvSpPr>
+          <p:nvPr/>
+        </p:nvSpPr>
+        <p:spPr bwMode="auto">
+          <a:xfrm>
+            <a:off x="3255692" y="94554"/>
+            <a:ext cx="5677028" cy="888442"/>
+          </a:xfrm>
+          <a:prstGeom prst="rect">
+            <a:avLst/>
+          </a:prstGeom>
+          <a:noFill/>
+          <a:ln w="9525">
+            <a:noFill/>
+            <a:miter lim="800000"/>
+            <a:headEnd/>
+            <a:tailEnd/>
+          </a:ln>
+        </p:spPr>
+        <p:txBody>
+          <a:bodyPr vert="horz" wrap="square" lIns="91440" tIns="45720" rIns="91440" bIns="45720" numCol="1" anchor="ctr" anchorCtr="0" compatLnSpc="1">
+            <a:prstTxWarp prst="textNoShape">
+              <a:avLst/>
+            </a:prstTxWarp>
+          </a:bodyPr>
+          <a:lstStyle>
+            <a:lvl1pPr algn="ctr" defTabSz="457200" rtl="0" eaLnBrk="0" fontAlgn="base" hangingPunct="0">
+              <a:spcBef>
+                <a:spcPct val="0"/>
+              </a:spcBef>
+              <a:spcAft>
+                <a:spcPct val="0"/>
+              </a:spcAft>
+              <a:defRPr sz="4400" kern="1200">
+                <a:solidFill>
+                  <a:schemeClr val="tx1"/>
+                </a:solidFill>
+                <a:latin typeface="TradeGothic"/>
+                <a:ea typeface="ＭＳ Ｐゴシック" charset="0"/>
+                <a:cs typeface="ＭＳ Ｐゴシック" charset="0"/>
+              </a:defRPr>
+            </a:lvl1pPr>
+            <a:lvl2pPr algn="ctr" defTabSz="457200" rtl="0" eaLnBrk="0" fontAlgn="base" hangingPunct="0">
+              <a:spcBef>
+                <a:spcPct val="0"/>
+              </a:spcBef>
+              <a:spcAft>
+                <a:spcPct val="0"/>
+              </a:spcAft>
+              <a:defRPr sz="4400">
+                <a:solidFill>
+                  <a:schemeClr val="tx1"/>
+                </a:solidFill>
+                <a:latin typeface="TradeGothic" charset="0"/>
+                <a:ea typeface="ＭＳ Ｐゴシック" charset="0"/>
+                <a:cs typeface="ＭＳ Ｐゴシック" charset="0"/>
+              </a:defRPr>
+            </a:lvl2pPr>
+            <a:lvl3pPr algn="ctr" defTabSz="457200" rtl="0" eaLnBrk="0" fontAlgn="base" hangingPunct="0">
+              <a:spcBef>
+                <a:spcPct val="0"/>
+              </a:spcBef>
+              <a:spcAft>
+                <a:spcPct val="0"/>
+              </a:spcAft>
+              <a:defRPr sz="4400">
+                <a:solidFill>
+                  <a:schemeClr val="tx1"/>
+                </a:solidFill>
+                <a:latin typeface="TradeGothic" charset="0"/>
+                <a:ea typeface="ＭＳ Ｐゴシック" charset="0"/>
+                <a:cs typeface="ＭＳ Ｐゴシック" charset="0"/>
+              </a:defRPr>
+            </a:lvl3pPr>
+            <a:lvl4pPr algn="ctr" defTabSz="457200" rtl="0" eaLnBrk="0" fontAlgn="base" hangingPunct="0">
+              <a:spcBef>
+                <a:spcPct val="0"/>
+              </a:spcBef>
+              <a:spcAft>
+                <a:spcPct val="0"/>
+              </a:spcAft>
+              <a:defRPr sz="4400">
+                <a:solidFill>
+                  <a:schemeClr val="tx1"/>
+                </a:solidFill>
+                <a:latin typeface="TradeGothic" charset="0"/>
+                <a:ea typeface="ＭＳ Ｐゴシック" charset="0"/>
+                <a:cs typeface="ＭＳ Ｐゴシック" charset="0"/>
+              </a:defRPr>
+            </a:lvl4pPr>
+            <a:lvl5pPr algn="ctr" defTabSz="457200" rtl="0" eaLnBrk="0" fontAlgn="base" hangingPunct="0">
+              <a:spcBef>
+                <a:spcPct val="0"/>
+              </a:spcBef>
+              <a:spcAft>
+                <a:spcPct val="0"/>
+              </a:spcAft>
+              <a:defRPr sz="4400">
+                <a:solidFill>
+                  <a:schemeClr val="tx1"/>
+                </a:solidFill>
+                <a:latin typeface="TradeGothic" charset="0"/>
+                <a:ea typeface="ＭＳ Ｐゴシック" charset="0"/>
+                <a:cs typeface="ＭＳ Ｐゴシック" charset="0"/>
+              </a:defRPr>
+            </a:lvl5pPr>
+            <a:lvl6pPr marL="457200" algn="ctr" defTabSz="457200" rtl="0" fontAlgn="base">
+              <a:spcBef>
+                <a:spcPct val="0"/>
+              </a:spcBef>
+              <a:spcAft>
+                <a:spcPct val="0"/>
+              </a:spcAft>
+              <a:defRPr sz="4400">
+                <a:solidFill>
+                  <a:schemeClr val="tx1"/>
+                </a:solidFill>
+                <a:latin typeface="TradeGothic" charset="0"/>
+                <a:ea typeface="ＭＳ Ｐゴシック" charset="0"/>
+                <a:cs typeface="ＭＳ Ｐゴシック" charset="0"/>
+              </a:defRPr>
+            </a:lvl6pPr>
+            <a:lvl7pPr marL="914400" algn="ctr" defTabSz="457200" rtl="0" fontAlgn="base">
+              <a:spcBef>
+                <a:spcPct val="0"/>
+              </a:spcBef>
+              <a:spcAft>
+                <a:spcPct val="0"/>
+              </a:spcAft>
+              <a:defRPr sz="4400">
+                <a:solidFill>
+                  <a:schemeClr val="tx1"/>
+                </a:solidFill>
+                <a:latin typeface="TradeGothic" charset="0"/>
+                <a:ea typeface="ＭＳ Ｐゴシック" charset="0"/>
+                <a:cs typeface="ＭＳ Ｐゴシック" charset="0"/>
+              </a:defRPr>
+            </a:lvl7pPr>
+            <a:lvl8pPr marL="1371600" algn="ctr" defTabSz="457200" rtl="0" fontAlgn="base">
+              <a:spcBef>
+                <a:spcPct val="0"/>
+              </a:spcBef>
+              <a:spcAft>
+                <a:spcPct val="0"/>
+              </a:spcAft>
+              <a:defRPr sz="4400">
+                <a:solidFill>
+                  <a:schemeClr val="tx1"/>
+                </a:solidFill>
+                <a:latin typeface="TradeGothic" charset="0"/>
+                <a:ea typeface="ＭＳ Ｐゴシック" charset="0"/>
+                <a:cs typeface="ＭＳ Ｐゴシック" charset="0"/>
+              </a:defRPr>
+            </a:lvl8pPr>
+            <a:lvl9pPr marL="1828800" algn="ctr" defTabSz="457200" rtl="0" fontAlgn="base">
+              <a:spcBef>
+                <a:spcPct val="0"/>
+              </a:spcBef>
+              <a:spcAft>
+                <a:spcPct val="0"/>
+              </a:spcAft>
+              <a:defRPr sz="4400">
+                <a:solidFill>
+                  <a:schemeClr val="tx1"/>
+                </a:solidFill>
+                <a:latin typeface="TradeGothic" charset="0"/>
+                <a:ea typeface="ＭＳ Ｐゴシック" charset="0"/>
+                <a:cs typeface="ＭＳ Ｐゴシック" charset="0"/>
+              </a:defRPr>
+            </a:lvl9pPr>
+          </a:lstStyle>
+          <a:p>
+            <a:pPr eaLnBrk="1" hangingPunct="1"/>
+            <a:r>
+              <a:rPr lang="en-US" sz="3200" b="1" dirty="0">
+                <a:latin typeface="Times New Roman" panose="02020603050405020304" pitchFamily="18" charset="0"/>
+                <a:ea typeface="ＭＳ Ｐゴシック" pitchFamily="1" charset="-128"/>
+                <a:cs typeface="Times New Roman" panose="02020603050405020304" pitchFamily="18" charset="0"/>
+              </a:rPr>
+              <a:t>Impact and Benefits</a:t>
+            </a:r>
+          </a:p>
+        </p:txBody>
+      </p:sp>
+      <p:sp>
+        <p:nvSpPr>
+          <p:cNvPr id="4" name="Oval 3" descr="Your startup LOGO">
+            <a:extLst>
+              <a:ext uri="{FF2B5EF4-FFF2-40B4-BE49-F238E27FC236}">
+                <a16:creationId xmlns:a16="http://schemas.microsoft.com/office/drawing/2014/main" id="{E5FD220C-4263-BCA1-DA55-05F1381BA9D8}"/>
+              </a:ext>
+              <a:ext uri="{C183D7F6-B498-43B3-948B-1728B52AA6E4}">
+                <adec:decorative xmlns:adec="http://schemas.microsoft.com/office/drawing/2017/decorative" val="0"/>
+              </a:ext>
+            </a:extLst>
+          </p:cNvPr>
+          <p:cNvSpPr/>
+          <p:nvPr/>
+        </p:nvSpPr>
+        <p:spPr>
+          <a:xfrm>
+            <a:off x="152792" y="97651"/>
+            <a:ext cx="1251857" cy="807334"/>
+          </a:xfrm>
+          <a:prstGeom prst="ellipse">
+            <a:avLst/>
+          </a:prstGeom>
+        </p:spPr>
+        <p:style>
+          <a:lnRef idx="2">
+            <a:schemeClr val="accent4"/>
+          </a:lnRef>
+          <a:fillRef idx="1">
+            <a:schemeClr val="lt1"/>
+          </a:fillRef>
+          <a:effectRef idx="0">
+            <a:schemeClr val="accent4"/>
+          </a:effectRef>
+          <a:fontRef idx="minor">
+            <a:schemeClr val="dk1"/>
+          </a:fontRef>
+        </p:style>
+        <p:txBody>
+          <a:bodyPr rtlCol="0" anchor="ctr"/>
+          <a:lstStyle/>
+          <a:p>
+            <a:pPr algn="ctr"/>
+            <a:r>
+              <a:rPr lang="en-US" dirty="0"/>
+              <a:t> THE </a:t>
+            </a:r>
+            <a:r>
+              <a:rPr lang="en-US" b="1" i="1" dirty="0"/>
+              <a:t>HELIOS</a:t>
+            </a:r>
+            <a:endParaRPr lang="en-IN" b="1" i="1" dirty="0"/>
+          </a:p>
+        </p:txBody>
+      </p:sp>
+      <p:pic>
+        <p:nvPicPr>
+          <p:cNvPr id="6" name="Picture 2" descr="https://www.sih.gov.in/img1/SIH-Logo.png">
+            <a:extLst>
+              <a:ext uri="{FF2B5EF4-FFF2-40B4-BE49-F238E27FC236}">
+                <a16:creationId xmlns:a16="http://schemas.microsoft.com/office/drawing/2014/main" id="{B16E20A2-1C47-E762-3F63-0106EBE8B14B}"/>
               </a:ext>
             </a:extLst>
           </p:cNvPr>
@@ -6785,1452 +9495,22 @@
       </p:pic>
       <p:sp>
         <p:nvSpPr>
-          <p:cNvPr id="13" name="Title 1">
+          <p:cNvPr id="7" name="AutoShape 4">
             <a:extLst>
               <a:ext uri="{FF2B5EF4-FFF2-40B4-BE49-F238E27FC236}">
-                <a16:creationId xmlns:a16="http://schemas.microsoft.com/office/drawing/2014/main" id="{3DB45DED-F642-7A2B-9537-62BDD9F12071}"/>
-              </a:ext>
-            </a:extLst>
-          </p:cNvPr>
-          <p:cNvSpPr txBox="1">
-            <a:spLocks/>
-          </p:cNvSpPr>
-          <p:nvPr/>
-        </p:nvSpPr>
-        <p:spPr bwMode="auto">
-          <a:xfrm>
-            <a:off x="1247887" y="1121341"/>
-            <a:ext cx="9692639" cy="888442"/>
-          </a:xfrm>
-          <a:prstGeom prst="rect">
-            <a:avLst/>
-          </a:prstGeom>
-          <a:noFill/>
-          <a:ln w="9525">
-            <a:noFill/>
-            <a:miter lim="800000"/>
-            <a:headEnd/>
-            <a:tailEnd/>
-          </a:ln>
-        </p:spPr>
-        <p:txBody>
-          <a:bodyPr vert="horz" wrap="square" lIns="91440" tIns="45720" rIns="91440" bIns="45720" numCol="1" anchor="ctr" anchorCtr="0" compatLnSpc="1">
-            <a:prstTxWarp prst="textNoShape">
-              <a:avLst/>
-            </a:prstTxWarp>
-          </a:bodyPr>
-          <a:lstStyle>
-            <a:lvl1pPr algn="ctr" defTabSz="457200" rtl="0" eaLnBrk="0" fontAlgn="base" hangingPunct="0">
-              <a:spcBef>
-                <a:spcPct val="0"/>
-              </a:spcBef>
-              <a:spcAft>
-                <a:spcPct val="0"/>
-              </a:spcAft>
-              <a:defRPr sz="4400" kern="1200">
-                <a:solidFill>
-                  <a:schemeClr val="tx1"/>
-                </a:solidFill>
-                <a:latin typeface="TradeGothic"/>
-                <a:ea typeface="ＭＳ Ｐゴシック" charset="0"/>
-                <a:cs typeface="ＭＳ Ｐゴシック" charset="0"/>
-              </a:defRPr>
-            </a:lvl1pPr>
-            <a:lvl2pPr algn="ctr" defTabSz="457200" rtl="0" eaLnBrk="0" fontAlgn="base" hangingPunct="0">
-              <a:spcBef>
-                <a:spcPct val="0"/>
-              </a:spcBef>
-              <a:spcAft>
-                <a:spcPct val="0"/>
-              </a:spcAft>
-              <a:defRPr sz="4400">
-                <a:solidFill>
-                  <a:schemeClr val="tx1"/>
-                </a:solidFill>
-                <a:latin typeface="TradeGothic" charset="0"/>
-                <a:ea typeface="ＭＳ Ｐゴシック" charset="0"/>
-                <a:cs typeface="ＭＳ Ｐゴシック" charset="0"/>
-              </a:defRPr>
-            </a:lvl2pPr>
-            <a:lvl3pPr algn="ctr" defTabSz="457200" rtl="0" eaLnBrk="0" fontAlgn="base" hangingPunct="0">
-              <a:spcBef>
-                <a:spcPct val="0"/>
-              </a:spcBef>
-              <a:spcAft>
-                <a:spcPct val="0"/>
-              </a:spcAft>
-              <a:defRPr sz="4400">
-                <a:solidFill>
-                  <a:schemeClr val="tx1"/>
-                </a:solidFill>
-                <a:latin typeface="TradeGothic" charset="0"/>
-                <a:ea typeface="ＭＳ Ｐゴシック" charset="0"/>
-                <a:cs typeface="ＭＳ Ｐゴシック" charset="0"/>
-              </a:defRPr>
-            </a:lvl3pPr>
-            <a:lvl4pPr algn="ctr" defTabSz="457200" rtl="0" eaLnBrk="0" fontAlgn="base" hangingPunct="0">
-              <a:spcBef>
-                <a:spcPct val="0"/>
-              </a:spcBef>
-              <a:spcAft>
-                <a:spcPct val="0"/>
-              </a:spcAft>
-              <a:defRPr sz="4400">
-                <a:solidFill>
-                  <a:schemeClr val="tx1"/>
-                </a:solidFill>
-                <a:latin typeface="TradeGothic" charset="0"/>
-                <a:ea typeface="ＭＳ Ｐゴシック" charset="0"/>
-                <a:cs typeface="ＭＳ Ｐゴシック" charset="0"/>
-              </a:defRPr>
-            </a:lvl4pPr>
-            <a:lvl5pPr algn="ctr" defTabSz="457200" rtl="0" eaLnBrk="0" fontAlgn="base" hangingPunct="0">
-              <a:spcBef>
-                <a:spcPct val="0"/>
-              </a:spcBef>
-              <a:spcAft>
-                <a:spcPct val="0"/>
-              </a:spcAft>
-              <a:defRPr sz="4400">
-                <a:solidFill>
-                  <a:schemeClr val="tx1"/>
-                </a:solidFill>
-                <a:latin typeface="TradeGothic" charset="0"/>
-                <a:ea typeface="ＭＳ Ｐゴシック" charset="0"/>
-                <a:cs typeface="ＭＳ Ｐゴシック" charset="0"/>
-              </a:defRPr>
-            </a:lvl5pPr>
-            <a:lvl6pPr marL="457200" algn="ctr" defTabSz="457200" rtl="0" fontAlgn="base">
-              <a:spcBef>
-                <a:spcPct val="0"/>
-              </a:spcBef>
-              <a:spcAft>
-                <a:spcPct val="0"/>
-              </a:spcAft>
-              <a:defRPr sz="4400">
-                <a:solidFill>
-                  <a:schemeClr val="tx1"/>
-                </a:solidFill>
-                <a:latin typeface="TradeGothic" charset="0"/>
-                <a:ea typeface="ＭＳ Ｐゴシック" charset="0"/>
-                <a:cs typeface="ＭＳ Ｐゴシック" charset="0"/>
-              </a:defRPr>
-            </a:lvl6pPr>
-            <a:lvl7pPr marL="914400" algn="ctr" defTabSz="457200" rtl="0" fontAlgn="base">
-              <a:spcBef>
-                <a:spcPct val="0"/>
-              </a:spcBef>
-              <a:spcAft>
-                <a:spcPct val="0"/>
-              </a:spcAft>
-              <a:defRPr sz="4400">
-                <a:solidFill>
-                  <a:schemeClr val="tx1"/>
-                </a:solidFill>
-                <a:latin typeface="TradeGothic" charset="0"/>
-                <a:ea typeface="ＭＳ Ｐゴシック" charset="0"/>
-                <a:cs typeface="ＭＳ Ｐゴシック" charset="0"/>
-              </a:defRPr>
-            </a:lvl7pPr>
-            <a:lvl8pPr marL="1371600" algn="ctr" defTabSz="457200" rtl="0" fontAlgn="base">
-              <a:spcBef>
-                <a:spcPct val="0"/>
-              </a:spcBef>
-              <a:spcAft>
-                <a:spcPct val="0"/>
-              </a:spcAft>
-              <a:defRPr sz="4400">
-                <a:solidFill>
-                  <a:schemeClr val="tx1"/>
-                </a:solidFill>
-                <a:latin typeface="TradeGothic" charset="0"/>
-                <a:ea typeface="ＭＳ Ｐゴシック" charset="0"/>
-                <a:cs typeface="ＭＳ Ｐゴシック" charset="0"/>
-              </a:defRPr>
-            </a:lvl8pPr>
-            <a:lvl9pPr marL="1828800" algn="ctr" defTabSz="457200" rtl="0" fontAlgn="base">
-              <a:spcBef>
-                <a:spcPct val="0"/>
-              </a:spcBef>
-              <a:spcAft>
-                <a:spcPct val="0"/>
-              </a:spcAft>
-              <a:defRPr sz="4400">
-                <a:solidFill>
-                  <a:schemeClr val="tx1"/>
-                </a:solidFill>
-                <a:latin typeface="TradeGothic" charset="0"/>
-                <a:ea typeface="ＭＳ Ｐゴシック" charset="0"/>
-                <a:cs typeface="ＭＳ Ｐゴシック" charset="0"/>
-              </a:defRPr>
-            </a:lvl9pPr>
-          </a:lstStyle>
-          <a:p>
-            <a:pPr algn="l" eaLnBrk="1" hangingPunct="1"/>
-            <a:r>
-              <a:rPr lang="en-US" sz="1800" dirty="0"/>
-              <a:t>We will use a modern tech stack to build an app that enhances the public transit experience and remains scalable for future growth.</a:t>
-            </a:r>
-            <a:endParaRPr lang="en-US" sz="1800" dirty="0">
-              <a:latin typeface="+mj-lt"/>
-              <a:ea typeface="ＭＳ Ｐゴシック" pitchFamily="1" charset="-128"/>
-              <a:cs typeface="Arial" panose="020B0604020202020204" pitchFamily="34" charset="0"/>
-            </a:endParaRPr>
-          </a:p>
-        </p:txBody>
-      </p:sp>
-      <p:sp>
-        <p:nvSpPr>
-          <p:cNvPr id="14" name="TextBox 8">
-            <a:extLst>
-              <a:ext uri="{FF2B5EF4-FFF2-40B4-BE49-F238E27FC236}">
-                <a16:creationId xmlns:a16="http://schemas.microsoft.com/office/drawing/2014/main" id="{5BE04F41-A7A6-3382-C77A-9B0C3D66BF9F}"/>
-              </a:ext>
-            </a:extLst>
-          </p:cNvPr>
-          <p:cNvSpPr txBox="1">
-            <a:spLocks noChangeArrowheads="1"/>
-          </p:cNvSpPr>
-          <p:nvPr/>
-        </p:nvSpPr>
-        <p:spPr bwMode="auto">
-          <a:xfrm>
-            <a:off x="1247886" y="2137249"/>
-            <a:ext cx="4494008" cy="3785652"/>
-          </a:xfrm>
-          <a:prstGeom prst="rect">
-            <a:avLst/>
-          </a:prstGeom>
-          <a:noFill/>
-          <a:ln w="9525">
-            <a:noFill/>
-            <a:miter lim="800000"/>
-            <a:headEnd/>
-            <a:tailEnd/>
-          </a:ln>
-        </p:spPr>
-        <p:txBody>
-          <a:bodyPr wrap="square">
-            <a:spAutoFit/>
-          </a:bodyPr>
-          <a:lstStyle/>
-          <a:p>
-            <a:r>
-              <a:rPr lang="en-IN" sz="2000" b="1" u="sng" dirty="0"/>
-              <a:t>Tech Stack:</a:t>
-            </a:r>
-          </a:p>
-          <a:p>
-            <a:pPr marL="285750" indent="-285750">
-              <a:buFont typeface="Arial" panose="020B0604020202020204" pitchFamily="34" charset="0"/>
-              <a:buChar char="•"/>
-            </a:pPr>
-            <a:endParaRPr lang="en-US" sz="2000" dirty="0"/>
-          </a:p>
-          <a:p>
-            <a:pPr marL="285750" indent="-285750">
-              <a:buFont typeface="Arial" panose="020B0604020202020204" pitchFamily="34" charset="0"/>
-              <a:buChar char="•"/>
-            </a:pPr>
-            <a:r>
-              <a:rPr lang="en-US" sz="2000" dirty="0"/>
-              <a:t>UI/UX : Figma</a:t>
-            </a:r>
-          </a:p>
-          <a:p>
-            <a:pPr marL="285750" indent="-285750">
-              <a:buFont typeface="Arial" panose="020B0604020202020204" pitchFamily="34" charset="0"/>
-              <a:buChar char="•"/>
-            </a:pPr>
-            <a:endParaRPr lang="en-US" sz="2000" dirty="0"/>
-          </a:p>
-          <a:p>
-            <a:pPr marL="285750" indent="-285750">
-              <a:buFont typeface="Arial" panose="020B0604020202020204" pitchFamily="34" charset="0"/>
-              <a:buChar char="•"/>
-            </a:pPr>
-            <a:r>
-              <a:rPr lang="en-US" sz="2000" dirty="0"/>
-              <a:t>Frontend : React Native (Expo) , Native Wind</a:t>
-            </a:r>
-          </a:p>
-          <a:p>
-            <a:pPr marL="285750" indent="-285750">
-              <a:buFont typeface="Arial" panose="020B0604020202020204" pitchFamily="34" charset="0"/>
-              <a:buChar char="•"/>
-            </a:pPr>
-            <a:endParaRPr lang="en-US" sz="2000" dirty="0"/>
-          </a:p>
-          <a:p>
-            <a:pPr marL="285750" indent="-285750">
-              <a:buFont typeface="Arial" panose="020B0604020202020204" pitchFamily="34" charset="0"/>
-              <a:buChar char="•"/>
-            </a:pPr>
-            <a:r>
-              <a:rPr lang="en-US" sz="2000" dirty="0"/>
-              <a:t>Backend : Firebase, Python</a:t>
-            </a:r>
-          </a:p>
-          <a:p>
-            <a:pPr marL="285750" indent="-285750">
-              <a:buFont typeface="Arial" panose="020B0604020202020204" pitchFamily="34" charset="0"/>
-              <a:buChar char="•"/>
-            </a:pPr>
-            <a:endParaRPr lang="en-US" sz="2000" dirty="0"/>
-          </a:p>
-          <a:p>
-            <a:pPr marL="285750" indent="-285750">
-              <a:buFont typeface="Arial" panose="020B0604020202020204" pitchFamily="34" charset="0"/>
-              <a:buChar char="•"/>
-            </a:pPr>
-            <a:r>
-              <a:rPr lang="en-US" sz="2000" dirty="0"/>
-              <a:t>Data Sources : GTFS, Gov Sites and Crowd Sourcing</a:t>
-            </a:r>
-          </a:p>
-          <a:p>
-            <a:endParaRPr lang="en-IN" sz="2000" dirty="0"/>
-          </a:p>
-        </p:txBody>
-      </p:sp>
-      <p:sp>
-        <p:nvSpPr>
-          <p:cNvPr id="16" name="Slide Number Placeholder 5">
-            <a:extLst>
-              <a:ext uri="{FF2B5EF4-FFF2-40B4-BE49-F238E27FC236}">
-                <a16:creationId xmlns:a16="http://schemas.microsoft.com/office/drawing/2014/main" id="{93868F2F-A46B-F626-1F66-28236DAEC378}"/>
+                <a16:creationId xmlns:a16="http://schemas.microsoft.com/office/drawing/2014/main" id="{CA684DAE-D7E8-A448-C3B5-62287E7F577E}"/>
               </a:ext>
             </a:extLst>
           </p:cNvPr>
           <p:cNvSpPr>
-            <a:spLocks noGrp="1"/>
-          </p:cNvSpPr>
-          <p:nvPr>
-            <p:ph type="sldNum" sz="quarter" idx="12"/>
-          </p:nvPr>
-        </p:nvSpPr>
-        <p:spPr>
-          <a:xfrm>
-            <a:off x="11582399" y="6434512"/>
-            <a:ext cx="329887" cy="365125"/>
-          </a:xfrm>
-        </p:spPr>
-        <p:txBody>
-          <a:bodyPr/>
-          <a:lstStyle/>
-          <a:p>
-            <a:fld id="{677C3CE7-23F7-4828-823C-E0205DF2CF97}" type="slidenum">
-              <a:rPr lang="en-US" b="1" smtClean="0">
-                <a:solidFill>
-                  <a:schemeClr val="bg1"/>
-                </a:solidFill>
-              </a:rPr>
-              <a:pPr/>
-              <a:t>3</a:t>
-            </a:fld>
-            <a:endParaRPr lang="en-US" b="1" dirty="0">
-              <a:solidFill>
-                <a:schemeClr val="bg1"/>
-              </a:solidFill>
-            </a:endParaRPr>
-          </a:p>
-        </p:txBody>
-      </p:sp>
-      <p:sp>
-        <p:nvSpPr>
-          <p:cNvPr id="17" name="Footer Placeholder 6">
-            <a:extLst>
-              <a:ext uri="{FF2B5EF4-FFF2-40B4-BE49-F238E27FC236}">
-                <a16:creationId xmlns:a16="http://schemas.microsoft.com/office/drawing/2014/main" id="{EC80261E-0F46-DBBC-43EB-E8B3DF1A4B6E}"/>
-              </a:ext>
-            </a:extLst>
-          </p:cNvPr>
-          <p:cNvSpPr>
-            <a:spLocks noGrp="1"/>
-          </p:cNvSpPr>
-          <p:nvPr>
-            <p:ph type="ftr" sz="quarter" idx="11"/>
-          </p:nvPr>
-        </p:nvSpPr>
-        <p:spPr>
-          <a:xfrm>
-            <a:off x="4648200" y="6434512"/>
-            <a:ext cx="3204000" cy="365125"/>
-          </a:xfrm>
-        </p:spPr>
-        <p:txBody>
-          <a:bodyPr/>
-          <a:lstStyle/>
-          <a:p>
-            <a:pPr>
-              <a:defRPr/>
-            </a:pPr>
-            <a:r>
-              <a:rPr lang="en-US" b="1" dirty="0">
-                <a:solidFill>
-                  <a:schemeClr val="bg1"/>
-                </a:solidFill>
-              </a:rPr>
-              <a:t>@TeamName – SIH2025</a:t>
-            </a:r>
-          </a:p>
-        </p:txBody>
-      </p:sp>
-      <p:sp>
-        <p:nvSpPr>
-          <p:cNvPr id="18" name="Slide Number Placeholder 5"/>
-          <p:cNvSpPr txBox="1">
-            <a:spLocks/>
-          </p:cNvSpPr>
-          <p:nvPr/>
-        </p:nvSpPr>
-        <p:spPr>
-          <a:xfrm>
-            <a:off x="11734799" y="6586912"/>
-            <a:ext cx="329887" cy="365125"/>
-          </a:xfrm>
-          <a:prstGeom prst="rect">
-            <a:avLst/>
-          </a:prstGeom>
-        </p:spPr>
-        <p:txBody>
-          <a:bodyPr vert="horz" wrap="square" lIns="91440" tIns="45720" rIns="91440" bIns="45720" numCol="1" anchor="ctr" anchorCtr="0" compatLnSpc="1">
-            <a:prstTxWarp prst="textNoShape">
-              <a:avLst/>
-            </a:prstTxWarp>
-          </a:bodyPr>
-          <a:lstStyle>
-            <a:defPPr>
-              <a:defRPr lang="en-US"/>
-            </a:defPPr>
-            <a:lvl1pPr algn="r" defTabSz="457200" rtl="0" fontAlgn="base">
-              <a:spcBef>
-                <a:spcPct val="0"/>
-              </a:spcBef>
-              <a:spcAft>
-                <a:spcPct val="0"/>
-              </a:spcAft>
-              <a:defRPr sz="1200" kern="1200">
-                <a:solidFill>
-                  <a:srgbClr val="898989"/>
-                </a:solidFill>
-                <a:latin typeface="TradeGothic" pitchFamily="1" charset="0"/>
-                <a:ea typeface="ＭＳ Ｐゴシック" pitchFamily="1" charset="-128"/>
-                <a:cs typeface="+mn-cs"/>
-              </a:defRPr>
-            </a:lvl1pPr>
-            <a:lvl2pPr marL="457200" algn="l" defTabSz="457200" rtl="0" fontAlgn="base">
-              <a:spcBef>
-                <a:spcPct val="0"/>
-              </a:spcBef>
-              <a:spcAft>
-                <a:spcPct val="0"/>
-              </a:spcAft>
-              <a:defRPr kern="1200">
-                <a:solidFill>
-                  <a:schemeClr val="tx1"/>
-                </a:solidFill>
-                <a:latin typeface="Calibri" pitchFamily="34" charset="0"/>
-                <a:ea typeface="ＭＳ Ｐゴシック" pitchFamily="1" charset="-128"/>
-                <a:cs typeface="+mn-cs"/>
-              </a:defRPr>
-            </a:lvl2pPr>
-            <a:lvl3pPr marL="914400" algn="l" defTabSz="457200" rtl="0" fontAlgn="base">
-              <a:spcBef>
-                <a:spcPct val="0"/>
-              </a:spcBef>
-              <a:spcAft>
-                <a:spcPct val="0"/>
-              </a:spcAft>
-              <a:defRPr kern="1200">
-                <a:solidFill>
-                  <a:schemeClr val="tx1"/>
-                </a:solidFill>
-                <a:latin typeface="Calibri" pitchFamily="34" charset="0"/>
-                <a:ea typeface="ＭＳ Ｐゴシック" pitchFamily="1" charset="-128"/>
-                <a:cs typeface="+mn-cs"/>
-              </a:defRPr>
-            </a:lvl3pPr>
-            <a:lvl4pPr marL="1371600" algn="l" defTabSz="457200" rtl="0" fontAlgn="base">
-              <a:spcBef>
-                <a:spcPct val="0"/>
-              </a:spcBef>
-              <a:spcAft>
-                <a:spcPct val="0"/>
-              </a:spcAft>
-              <a:defRPr kern="1200">
-                <a:solidFill>
-                  <a:schemeClr val="tx1"/>
-                </a:solidFill>
-                <a:latin typeface="Calibri" pitchFamily="34" charset="0"/>
-                <a:ea typeface="ＭＳ Ｐゴシック" pitchFamily="1" charset="-128"/>
-                <a:cs typeface="+mn-cs"/>
-              </a:defRPr>
-            </a:lvl4pPr>
-            <a:lvl5pPr marL="1828800" algn="l" defTabSz="457200" rtl="0" fontAlgn="base">
-              <a:spcBef>
-                <a:spcPct val="0"/>
-              </a:spcBef>
-              <a:spcAft>
-                <a:spcPct val="0"/>
-              </a:spcAft>
-              <a:defRPr kern="1200">
-                <a:solidFill>
-                  <a:schemeClr val="tx1"/>
-                </a:solidFill>
-                <a:latin typeface="Calibri" pitchFamily="34" charset="0"/>
-                <a:ea typeface="ＭＳ Ｐゴシック" pitchFamily="1" charset="-128"/>
-                <a:cs typeface="+mn-cs"/>
-              </a:defRPr>
-            </a:lvl5pPr>
-            <a:lvl6pPr marL="2286000" algn="l" defTabSz="914400" rtl="0" eaLnBrk="1" latinLnBrk="0" hangingPunct="1">
-              <a:defRPr kern="1200">
-                <a:solidFill>
-                  <a:schemeClr val="tx1"/>
-                </a:solidFill>
-                <a:latin typeface="Calibri" pitchFamily="34" charset="0"/>
-                <a:ea typeface="ＭＳ Ｐゴシック" pitchFamily="1" charset="-128"/>
-                <a:cs typeface="+mn-cs"/>
-              </a:defRPr>
-            </a:lvl6pPr>
-            <a:lvl7pPr marL="2743200" algn="l" defTabSz="914400" rtl="0" eaLnBrk="1" latinLnBrk="0" hangingPunct="1">
-              <a:defRPr kern="1200">
-                <a:solidFill>
-                  <a:schemeClr val="tx1"/>
-                </a:solidFill>
-                <a:latin typeface="Calibri" pitchFamily="34" charset="0"/>
-                <a:ea typeface="ＭＳ Ｐゴシック" pitchFamily="1" charset="-128"/>
-                <a:cs typeface="+mn-cs"/>
-              </a:defRPr>
-            </a:lvl7pPr>
-            <a:lvl8pPr marL="3200400" algn="l" defTabSz="914400" rtl="0" eaLnBrk="1" latinLnBrk="0" hangingPunct="1">
-              <a:defRPr kern="1200">
-                <a:solidFill>
-                  <a:schemeClr val="tx1"/>
-                </a:solidFill>
-                <a:latin typeface="Calibri" pitchFamily="34" charset="0"/>
-                <a:ea typeface="ＭＳ Ｐゴシック" pitchFamily="1" charset="-128"/>
-                <a:cs typeface="+mn-cs"/>
-              </a:defRPr>
-            </a:lvl8pPr>
-            <a:lvl9pPr marL="3657600" algn="l" defTabSz="914400" rtl="0" eaLnBrk="1" latinLnBrk="0" hangingPunct="1">
-              <a:defRPr kern="1200">
-                <a:solidFill>
-                  <a:schemeClr val="tx1"/>
-                </a:solidFill>
-                <a:latin typeface="Calibri" pitchFamily="34" charset="0"/>
-                <a:ea typeface="ＭＳ Ｐゴシック" pitchFamily="1" charset="-128"/>
-                <a:cs typeface="+mn-cs"/>
-              </a:defRPr>
-            </a:lvl9pPr>
-          </a:lstStyle>
-          <a:p>
-            <a:fld id="{677C3CE7-23F7-4828-823C-E0205DF2CF97}" type="slidenum">
-              <a:rPr lang="en-US" b="1" smtClean="0">
-                <a:solidFill>
-                  <a:schemeClr val="bg1"/>
-                </a:solidFill>
-              </a:rPr>
-              <a:pPr/>
-              <a:t>3</a:t>
-            </a:fld>
-            <a:endParaRPr lang="en-US" b="1" dirty="0">
-              <a:solidFill>
-                <a:schemeClr val="bg1"/>
-              </a:solidFill>
-            </a:endParaRPr>
-          </a:p>
-        </p:txBody>
-      </p:sp>
-      <p:sp>
-        <p:nvSpPr>
-          <p:cNvPr id="19" name="Footer Placeholder 6"/>
-          <p:cNvSpPr txBox="1">
-            <a:spLocks/>
-          </p:cNvSpPr>
-          <p:nvPr/>
-        </p:nvSpPr>
-        <p:spPr>
-          <a:xfrm>
-            <a:off x="4800600" y="6586912"/>
-            <a:ext cx="3204000" cy="365125"/>
-          </a:xfrm>
-          <a:prstGeom prst="rect">
-            <a:avLst/>
-          </a:prstGeom>
-        </p:spPr>
-        <p:txBody>
-          <a:bodyPr vert="horz" lIns="91440" tIns="45720" rIns="91440" bIns="45720" rtlCol="0" anchor="ctr"/>
-          <a:lstStyle>
-            <a:defPPr>
-              <a:defRPr lang="en-US"/>
-            </a:defPPr>
-            <a:lvl1pPr algn="ctr" defTabSz="457200" rtl="0" fontAlgn="auto">
-              <a:spcBef>
-                <a:spcPts val="0"/>
-              </a:spcBef>
-              <a:spcAft>
-                <a:spcPts val="0"/>
-              </a:spcAft>
-              <a:defRPr sz="1200" kern="1200">
-                <a:solidFill>
-                  <a:schemeClr val="tx1">
-                    <a:tint val="75000"/>
-                  </a:schemeClr>
-                </a:solidFill>
-                <a:latin typeface="TradeGothic"/>
-                <a:ea typeface="+mn-ea"/>
-                <a:cs typeface="+mn-cs"/>
-              </a:defRPr>
-            </a:lvl1pPr>
-            <a:lvl2pPr marL="457200" algn="l" defTabSz="457200" rtl="0" fontAlgn="base">
-              <a:spcBef>
-                <a:spcPct val="0"/>
-              </a:spcBef>
-              <a:spcAft>
-                <a:spcPct val="0"/>
-              </a:spcAft>
-              <a:defRPr kern="1200">
-                <a:solidFill>
-                  <a:schemeClr val="tx1"/>
-                </a:solidFill>
-                <a:latin typeface="Calibri" pitchFamily="34" charset="0"/>
-                <a:ea typeface="ＭＳ Ｐゴシック" pitchFamily="1" charset="-128"/>
-                <a:cs typeface="+mn-cs"/>
-              </a:defRPr>
-            </a:lvl2pPr>
-            <a:lvl3pPr marL="914400" algn="l" defTabSz="457200" rtl="0" fontAlgn="base">
-              <a:spcBef>
-                <a:spcPct val="0"/>
-              </a:spcBef>
-              <a:spcAft>
-                <a:spcPct val="0"/>
-              </a:spcAft>
-              <a:defRPr kern="1200">
-                <a:solidFill>
-                  <a:schemeClr val="tx1"/>
-                </a:solidFill>
-                <a:latin typeface="Calibri" pitchFamily="34" charset="0"/>
-                <a:ea typeface="ＭＳ Ｐゴシック" pitchFamily="1" charset="-128"/>
-                <a:cs typeface="+mn-cs"/>
-              </a:defRPr>
-            </a:lvl3pPr>
-            <a:lvl4pPr marL="1371600" algn="l" defTabSz="457200" rtl="0" fontAlgn="base">
-              <a:spcBef>
-                <a:spcPct val="0"/>
-              </a:spcBef>
-              <a:spcAft>
-                <a:spcPct val="0"/>
-              </a:spcAft>
-              <a:defRPr kern="1200">
-                <a:solidFill>
-                  <a:schemeClr val="tx1"/>
-                </a:solidFill>
-                <a:latin typeface="Calibri" pitchFamily="34" charset="0"/>
-                <a:ea typeface="ＭＳ Ｐゴシック" pitchFamily="1" charset="-128"/>
-                <a:cs typeface="+mn-cs"/>
-              </a:defRPr>
-            </a:lvl4pPr>
-            <a:lvl5pPr marL="1828800" algn="l" defTabSz="457200" rtl="0" fontAlgn="base">
-              <a:spcBef>
-                <a:spcPct val="0"/>
-              </a:spcBef>
-              <a:spcAft>
-                <a:spcPct val="0"/>
-              </a:spcAft>
-              <a:defRPr kern="1200">
-                <a:solidFill>
-                  <a:schemeClr val="tx1"/>
-                </a:solidFill>
-                <a:latin typeface="Calibri" pitchFamily="34" charset="0"/>
-                <a:ea typeface="ＭＳ Ｐゴシック" pitchFamily="1" charset="-128"/>
-                <a:cs typeface="+mn-cs"/>
-              </a:defRPr>
-            </a:lvl5pPr>
-            <a:lvl6pPr marL="2286000" algn="l" defTabSz="914400" rtl="0" eaLnBrk="1" latinLnBrk="0" hangingPunct="1">
-              <a:defRPr kern="1200">
-                <a:solidFill>
-                  <a:schemeClr val="tx1"/>
-                </a:solidFill>
-                <a:latin typeface="Calibri" pitchFamily="34" charset="0"/>
-                <a:ea typeface="ＭＳ Ｐゴシック" pitchFamily="1" charset="-128"/>
-                <a:cs typeface="+mn-cs"/>
-              </a:defRPr>
-            </a:lvl6pPr>
-            <a:lvl7pPr marL="2743200" algn="l" defTabSz="914400" rtl="0" eaLnBrk="1" latinLnBrk="0" hangingPunct="1">
-              <a:defRPr kern="1200">
-                <a:solidFill>
-                  <a:schemeClr val="tx1"/>
-                </a:solidFill>
-                <a:latin typeface="Calibri" pitchFamily="34" charset="0"/>
-                <a:ea typeface="ＭＳ Ｐゴシック" pitchFamily="1" charset="-128"/>
-                <a:cs typeface="+mn-cs"/>
-              </a:defRPr>
-            </a:lvl7pPr>
-            <a:lvl8pPr marL="3200400" algn="l" defTabSz="914400" rtl="0" eaLnBrk="1" latinLnBrk="0" hangingPunct="1">
-              <a:defRPr kern="1200">
-                <a:solidFill>
-                  <a:schemeClr val="tx1"/>
-                </a:solidFill>
-                <a:latin typeface="Calibri" pitchFamily="34" charset="0"/>
-                <a:ea typeface="ＭＳ Ｐゴシック" pitchFamily="1" charset="-128"/>
-                <a:cs typeface="+mn-cs"/>
-              </a:defRPr>
-            </a:lvl8pPr>
-            <a:lvl9pPr marL="3657600" algn="l" defTabSz="914400" rtl="0" eaLnBrk="1" latinLnBrk="0" hangingPunct="1">
-              <a:defRPr kern="1200">
-                <a:solidFill>
-                  <a:schemeClr val="tx1"/>
-                </a:solidFill>
-                <a:latin typeface="Calibri" pitchFamily="34" charset="0"/>
-                <a:ea typeface="ＭＳ Ｐゴシック" pitchFamily="1" charset="-128"/>
-                <a:cs typeface="+mn-cs"/>
-              </a:defRPr>
-            </a:lvl9pPr>
-          </a:lstStyle>
-          <a:p>
-            <a:pPr>
-              <a:defRPr/>
-            </a:pPr>
-            <a:r>
-              <a:rPr lang="en-US" b="1">
-                <a:solidFill>
-                  <a:schemeClr val="bg1"/>
-                </a:solidFill>
-              </a:rPr>
-              <a:t>@The Helios – SIH2025</a:t>
-            </a:r>
-            <a:endParaRPr lang="en-US" b="1" dirty="0">
-              <a:solidFill>
-                <a:schemeClr val="bg1"/>
-              </a:solidFill>
-            </a:endParaRPr>
-          </a:p>
-        </p:txBody>
-      </p:sp>
-      <p:sp>
-        <p:nvSpPr>
-          <p:cNvPr id="23" name="Rectangle 22"/>
-          <p:cNvSpPr>
-            <a:spLocks noChangeArrowheads="1"/>
+            <a:spLocks noChangeAspect="1" noChangeArrowheads="1"/>
           </p:cNvSpPr>
           <p:nvPr/>
         </p:nvSpPr>
         <p:spPr bwMode="auto">
           <a:xfrm>
-            <a:off x="0" y="6348709"/>
-            <a:ext cx="12191999" cy="503238"/>
-          </a:xfrm>
-          <a:prstGeom prst="rect">
-            <a:avLst/>
-          </a:prstGeom>
-          <a:solidFill>
-            <a:srgbClr val="0070C0"/>
-          </a:solidFill>
-          <a:ln w="9525">
-            <a:noFill/>
-            <a:miter lim="800000"/>
-            <a:headEnd/>
-            <a:tailEnd/>
-          </a:ln>
-          <a:effectLst>
-            <a:outerShdw dist="23000" dir="5400000" rotWithShape="0">
-              <a:srgbClr val="808080">
-                <a:alpha val="34999"/>
-              </a:srgbClr>
-            </a:outerShdw>
-          </a:effectLst>
-        </p:spPr>
-        <p:txBody>
-          <a:bodyPr anchor="ctr"/>
-          <a:lstStyle/>
-          <a:p>
-            <a:pPr algn="ctr" fontAlgn="auto">
-              <a:spcBef>
-                <a:spcPts val="0"/>
-              </a:spcBef>
-              <a:spcAft>
-                <a:spcPts val="0"/>
-              </a:spcAft>
-              <a:defRPr/>
-            </a:pPr>
-            <a:endParaRPr lang="en-US" dirty="0">
-              <a:solidFill>
-                <a:schemeClr val="accent2">
-                  <a:lumMod val="75000"/>
-                </a:schemeClr>
-              </a:solidFill>
-              <a:latin typeface="+mn-lt"/>
-              <a:ea typeface="+mn-ea"/>
-            </a:endParaRPr>
-          </a:p>
-        </p:txBody>
-      </p:sp>
-      <p:sp>
-        <p:nvSpPr>
-          <p:cNvPr id="24" name="Slide Number Placeholder 5"/>
-          <p:cNvSpPr txBox="1">
-            <a:spLocks/>
-          </p:cNvSpPr>
-          <p:nvPr/>
-        </p:nvSpPr>
-        <p:spPr>
-          <a:xfrm>
-            <a:off x="11582399" y="6428459"/>
-            <a:ext cx="329887" cy="365125"/>
-          </a:xfrm>
-          <a:prstGeom prst="rect">
-            <a:avLst/>
-          </a:prstGeom>
-        </p:spPr>
-        <p:txBody>
-          <a:bodyPr vert="horz" wrap="square" lIns="91440" tIns="45720" rIns="91440" bIns="45720" numCol="1" anchor="ctr" anchorCtr="0" compatLnSpc="1">
-            <a:prstTxWarp prst="textNoShape">
-              <a:avLst/>
-            </a:prstTxWarp>
-          </a:bodyPr>
-          <a:lstStyle>
-            <a:defPPr>
-              <a:defRPr lang="en-US"/>
-            </a:defPPr>
-            <a:lvl1pPr algn="r" defTabSz="457200" rtl="0" fontAlgn="base">
-              <a:spcBef>
-                <a:spcPct val="0"/>
-              </a:spcBef>
-              <a:spcAft>
-                <a:spcPct val="0"/>
-              </a:spcAft>
-              <a:defRPr sz="1200" kern="1200">
-                <a:solidFill>
-                  <a:srgbClr val="898989"/>
-                </a:solidFill>
-                <a:latin typeface="TradeGothic" pitchFamily="1" charset="0"/>
-                <a:ea typeface="ＭＳ Ｐゴシック" pitchFamily="1" charset="-128"/>
-                <a:cs typeface="+mn-cs"/>
-              </a:defRPr>
-            </a:lvl1pPr>
-            <a:lvl2pPr marL="457200" algn="l" defTabSz="457200" rtl="0" fontAlgn="base">
-              <a:spcBef>
-                <a:spcPct val="0"/>
-              </a:spcBef>
-              <a:spcAft>
-                <a:spcPct val="0"/>
-              </a:spcAft>
-              <a:defRPr kern="1200">
-                <a:solidFill>
-                  <a:schemeClr val="tx1"/>
-                </a:solidFill>
-                <a:latin typeface="Calibri" pitchFamily="34" charset="0"/>
-                <a:ea typeface="ＭＳ Ｐゴシック" pitchFamily="1" charset="-128"/>
-                <a:cs typeface="+mn-cs"/>
-              </a:defRPr>
-            </a:lvl2pPr>
-            <a:lvl3pPr marL="914400" algn="l" defTabSz="457200" rtl="0" fontAlgn="base">
-              <a:spcBef>
-                <a:spcPct val="0"/>
-              </a:spcBef>
-              <a:spcAft>
-                <a:spcPct val="0"/>
-              </a:spcAft>
-              <a:defRPr kern="1200">
-                <a:solidFill>
-                  <a:schemeClr val="tx1"/>
-                </a:solidFill>
-                <a:latin typeface="Calibri" pitchFamily="34" charset="0"/>
-                <a:ea typeface="ＭＳ Ｐゴシック" pitchFamily="1" charset="-128"/>
-                <a:cs typeface="+mn-cs"/>
-              </a:defRPr>
-            </a:lvl3pPr>
-            <a:lvl4pPr marL="1371600" algn="l" defTabSz="457200" rtl="0" fontAlgn="base">
-              <a:spcBef>
-                <a:spcPct val="0"/>
-              </a:spcBef>
-              <a:spcAft>
-                <a:spcPct val="0"/>
-              </a:spcAft>
-              <a:defRPr kern="1200">
-                <a:solidFill>
-                  <a:schemeClr val="tx1"/>
-                </a:solidFill>
-                <a:latin typeface="Calibri" pitchFamily="34" charset="0"/>
-                <a:ea typeface="ＭＳ Ｐゴシック" pitchFamily="1" charset="-128"/>
-                <a:cs typeface="+mn-cs"/>
-              </a:defRPr>
-            </a:lvl4pPr>
-            <a:lvl5pPr marL="1828800" algn="l" defTabSz="457200" rtl="0" fontAlgn="base">
-              <a:spcBef>
-                <a:spcPct val="0"/>
-              </a:spcBef>
-              <a:spcAft>
-                <a:spcPct val="0"/>
-              </a:spcAft>
-              <a:defRPr kern="1200">
-                <a:solidFill>
-                  <a:schemeClr val="tx1"/>
-                </a:solidFill>
-                <a:latin typeface="Calibri" pitchFamily="34" charset="0"/>
-                <a:ea typeface="ＭＳ Ｐゴシック" pitchFamily="1" charset="-128"/>
-                <a:cs typeface="+mn-cs"/>
-              </a:defRPr>
-            </a:lvl5pPr>
-            <a:lvl6pPr marL="2286000" algn="l" defTabSz="914400" rtl="0" eaLnBrk="1" latinLnBrk="0" hangingPunct="1">
-              <a:defRPr kern="1200">
-                <a:solidFill>
-                  <a:schemeClr val="tx1"/>
-                </a:solidFill>
-                <a:latin typeface="Calibri" pitchFamily="34" charset="0"/>
-                <a:ea typeface="ＭＳ Ｐゴシック" pitchFamily="1" charset="-128"/>
-                <a:cs typeface="+mn-cs"/>
-              </a:defRPr>
-            </a:lvl6pPr>
-            <a:lvl7pPr marL="2743200" algn="l" defTabSz="914400" rtl="0" eaLnBrk="1" latinLnBrk="0" hangingPunct="1">
-              <a:defRPr kern="1200">
-                <a:solidFill>
-                  <a:schemeClr val="tx1"/>
-                </a:solidFill>
-                <a:latin typeface="Calibri" pitchFamily="34" charset="0"/>
-                <a:ea typeface="ＭＳ Ｐゴシック" pitchFamily="1" charset="-128"/>
-                <a:cs typeface="+mn-cs"/>
-              </a:defRPr>
-            </a:lvl7pPr>
-            <a:lvl8pPr marL="3200400" algn="l" defTabSz="914400" rtl="0" eaLnBrk="1" latinLnBrk="0" hangingPunct="1">
-              <a:defRPr kern="1200">
-                <a:solidFill>
-                  <a:schemeClr val="tx1"/>
-                </a:solidFill>
-                <a:latin typeface="Calibri" pitchFamily="34" charset="0"/>
-                <a:ea typeface="ＭＳ Ｐゴシック" pitchFamily="1" charset="-128"/>
-                <a:cs typeface="+mn-cs"/>
-              </a:defRPr>
-            </a:lvl8pPr>
-            <a:lvl9pPr marL="3657600" algn="l" defTabSz="914400" rtl="0" eaLnBrk="1" latinLnBrk="0" hangingPunct="1">
-              <a:defRPr kern="1200">
-                <a:solidFill>
-                  <a:schemeClr val="tx1"/>
-                </a:solidFill>
-                <a:latin typeface="Calibri" pitchFamily="34" charset="0"/>
-                <a:ea typeface="ＭＳ Ｐゴシック" pitchFamily="1" charset="-128"/>
-                <a:cs typeface="+mn-cs"/>
-              </a:defRPr>
-            </a:lvl9pPr>
-          </a:lstStyle>
-          <a:p>
-            <a:r>
-              <a:rPr lang="en-US" b="1" dirty="0">
-                <a:solidFill>
-                  <a:schemeClr val="bg1"/>
-                </a:solidFill>
-              </a:rPr>
-              <a:t>3</a:t>
-            </a:r>
-          </a:p>
-        </p:txBody>
-      </p:sp>
-      <p:sp>
-        <p:nvSpPr>
-          <p:cNvPr id="25" name="Footer Placeholder 6"/>
-          <p:cNvSpPr txBox="1">
-            <a:spLocks/>
-          </p:cNvSpPr>
-          <p:nvPr/>
-        </p:nvSpPr>
-        <p:spPr>
-          <a:xfrm>
-            <a:off x="4648200" y="6428459"/>
-            <a:ext cx="3204000" cy="365125"/>
-          </a:xfrm>
-          <a:prstGeom prst="rect">
-            <a:avLst/>
-          </a:prstGeom>
-        </p:spPr>
-        <p:txBody>
-          <a:bodyPr vert="horz" lIns="91440" tIns="45720" rIns="91440" bIns="45720" rtlCol="0" anchor="ctr"/>
-          <a:lstStyle>
-            <a:defPPr>
-              <a:defRPr lang="en-US"/>
-            </a:defPPr>
-            <a:lvl1pPr algn="ctr" defTabSz="457200" rtl="0" fontAlgn="auto">
-              <a:spcBef>
-                <a:spcPts val="0"/>
-              </a:spcBef>
-              <a:spcAft>
-                <a:spcPts val="0"/>
-              </a:spcAft>
-              <a:defRPr sz="1200" kern="1200">
-                <a:solidFill>
-                  <a:schemeClr val="tx1">
-                    <a:tint val="75000"/>
-                  </a:schemeClr>
-                </a:solidFill>
-                <a:latin typeface="TradeGothic"/>
-                <a:ea typeface="+mn-ea"/>
-                <a:cs typeface="+mn-cs"/>
-              </a:defRPr>
-            </a:lvl1pPr>
-            <a:lvl2pPr marL="457200" algn="l" defTabSz="457200" rtl="0" fontAlgn="base">
-              <a:spcBef>
-                <a:spcPct val="0"/>
-              </a:spcBef>
-              <a:spcAft>
-                <a:spcPct val="0"/>
-              </a:spcAft>
-              <a:defRPr kern="1200">
-                <a:solidFill>
-                  <a:schemeClr val="tx1"/>
-                </a:solidFill>
-                <a:latin typeface="Calibri" pitchFamily="34" charset="0"/>
-                <a:ea typeface="ＭＳ Ｐゴシック" pitchFamily="1" charset="-128"/>
-                <a:cs typeface="+mn-cs"/>
-              </a:defRPr>
-            </a:lvl2pPr>
-            <a:lvl3pPr marL="914400" algn="l" defTabSz="457200" rtl="0" fontAlgn="base">
-              <a:spcBef>
-                <a:spcPct val="0"/>
-              </a:spcBef>
-              <a:spcAft>
-                <a:spcPct val="0"/>
-              </a:spcAft>
-              <a:defRPr kern="1200">
-                <a:solidFill>
-                  <a:schemeClr val="tx1"/>
-                </a:solidFill>
-                <a:latin typeface="Calibri" pitchFamily="34" charset="0"/>
-                <a:ea typeface="ＭＳ Ｐゴシック" pitchFamily="1" charset="-128"/>
-                <a:cs typeface="+mn-cs"/>
-              </a:defRPr>
-            </a:lvl3pPr>
-            <a:lvl4pPr marL="1371600" algn="l" defTabSz="457200" rtl="0" fontAlgn="base">
-              <a:spcBef>
-                <a:spcPct val="0"/>
-              </a:spcBef>
-              <a:spcAft>
-                <a:spcPct val="0"/>
-              </a:spcAft>
-              <a:defRPr kern="1200">
-                <a:solidFill>
-                  <a:schemeClr val="tx1"/>
-                </a:solidFill>
-                <a:latin typeface="Calibri" pitchFamily="34" charset="0"/>
-                <a:ea typeface="ＭＳ Ｐゴシック" pitchFamily="1" charset="-128"/>
-                <a:cs typeface="+mn-cs"/>
-              </a:defRPr>
-            </a:lvl4pPr>
-            <a:lvl5pPr marL="1828800" algn="l" defTabSz="457200" rtl="0" fontAlgn="base">
-              <a:spcBef>
-                <a:spcPct val="0"/>
-              </a:spcBef>
-              <a:spcAft>
-                <a:spcPct val="0"/>
-              </a:spcAft>
-              <a:defRPr kern="1200">
-                <a:solidFill>
-                  <a:schemeClr val="tx1"/>
-                </a:solidFill>
-                <a:latin typeface="Calibri" pitchFamily="34" charset="0"/>
-                <a:ea typeface="ＭＳ Ｐゴシック" pitchFamily="1" charset="-128"/>
-                <a:cs typeface="+mn-cs"/>
-              </a:defRPr>
-            </a:lvl5pPr>
-            <a:lvl6pPr marL="2286000" algn="l" defTabSz="914400" rtl="0" eaLnBrk="1" latinLnBrk="0" hangingPunct="1">
-              <a:defRPr kern="1200">
-                <a:solidFill>
-                  <a:schemeClr val="tx1"/>
-                </a:solidFill>
-                <a:latin typeface="Calibri" pitchFamily="34" charset="0"/>
-                <a:ea typeface="ＭＳ Ｐゴシック" pitchFamily="1" charset="-128"/>
-                <a:cs typeface="+mn-cs"/>
-              </a:defRPr>
-            </a:lvl6pPr>
-            <a:lvl7pPr marL="2743200" algn="l" defTabSz="914400" rtl="0" eaLnBrk="1" latinLnBrk="0" hangingPunct="1">
-              <a:defRPr kern="1200">
-                <a:solidFill>
-                  <a:schemeClr val="tx1"/>
-                </a:solidFill>
-                <a:latin typeface="Calibri" pitchFamily="34" charset="0"/>
-                <a:ea typeface="ＭＳ Ｐゴシック" pitchFamily="1" charset="-128"/>
-                <a:cs typeface="+mn-cs"/>
-              </a:defRPr>
-            </a:lvl7pPr>
-            <a:lvl8pPr marL="3200400" algn="l" defTabSz="914400" rtl="0" eaLnBrk="1" latinLnBrk="0" hangingPunct="1">
-              <a:defRPr kern="1200">
-                <a:solidFill>
-                  <a:schemeClr val="tx1"/>
-                </a:solidFill>
-                <a:latin typeface="Calibri" pitchFamily="34" charset="0"/>
-                <a:ea typeface="ＭＳ Ｐゴシック" pitchFamily="1" charset="-128"/>
-                <a:cs typeface="+mn-cs"/>
-              </a:defRPr>
-            </a:lvl8pPr>
-            <a:lvl9pPr marL="3657600" algn="l" defTabSz="914400" rtl="0" eaLnBrk="1" latinLnBrk="0" hangingPunct="1">
-              <a:defRPr kern="1200">
-                <a:solidFill>
-                  <a:schemeClr val="tx1"/>
-                </a:solidFill>
-                <a:latin typeface="Calibri" pitchFamily="34" charset="0"/>
-                <a:ea typeface="ＭＳ Ｐゴシック" pitchFamily="1" charset="-128"/>
-                <a:cs typeface="+mn-cs"/>
-              </a:defRPr>
-            </a:lvl9pPr>
-          </a:lstStyle>
-          <a:p>
-            <a:pPr>
-              <a:defRPr/>
-            </a:pPr>
-            <a:r>
-              <a:rPr lang="en-US" b="1">
-                <a:solidFill>
-                  <a:schemeClr val="bg1"/>
-                </a:solidFill>
-              </a:rPr>
-              <a:t>@The Helios – SIH2025</a:t>
-            </a:r>
-            <a:endParaRPr lang="en-US" b="1" dirty="0">
-              <a:solidFill>
-                <a:schemeClr val="bg1"/>
-              </a:solidFill>
-            </a:endParaRPr>
-          </a:p>
-        </p:txBody>
-      </p:sp>
-      <p:pic>
-        <p:nvPicPr>
-          <p:cNvPr id="2" name="Picture 1">
-            <a:extLst>
-              <a:ext uri="{FF2B5EF4-FFF2-40B4-BE49-F238E27FC236}">
-                <a16:creationId xmlns:a16="http://schemas.microsoft.com/office/drawing/2014/main" id="{EE7BFFAF-DE0C-D0A2-CBFD-FD600EB74FE8}"/>
-              </a:ext>
-            </a:extLst>
-          </p:cNvPr>
-          <p:cNvPicPr>
-            <a:picLocks noChangeAspect="1"/>
-          </p:cNvPicPr>
-          <p:nvPr/>
-        </p:nvPicPr>
-        <p:blipFill>
-          <a:blip r:embed="rId4"/>
-          <a:stretch>
-            <a:fillRect/>
-          </a:stretch>
-        </p:blipFill>
-        <p:spPr>
-          <a:xfrm>
-            <a:off x="5997677" y="1879269"/>
-            <a:ext cx="5594159" cy="4436141"/>
-          </a:xfrm>
-          <a:prstGeom prst="rect">
-            <a:avLst/>
-          </a:prstGeom>
-        </p:spPr>
-      </p:pic>
-    </p:spTree>
-  </p:cSld>
-  <p:clrMapOvr>
-    <a:masterClrMapping/>
-  </p:clrMapOvr>
-  <p:transition spd="slow">
-    <p:wipe/>
-  </p:transition>
-</p:sld>
-</file>
-
-<file path=ppt/slides/slide4.xml><?xml version="1.0" encoding="utf-8"?>
-<p:sld xmlns:a="http://schemas.openxmlformats.org/drawingml/2006/main" xmlns:r="http://schemas.openxmlformats.org/officeDocument/2006/relationships" xmlns:p="http://schemas.openxmlformats.org/presentationml/2006/main">
-  <p:cSld>
-    <p:spTree>
-      <p:nvGrpSpPr>
-        <p:cNvPr id="1" name=""/>
-        <p:cNvGrpSpPr/>
-        <p:nvPr/>
-      </p:nvGrpSpPr>
-      <p:grpSpPr>
-        <a:xfrm>
-          <a:off x="0" y="0"/>
-          <a:ext cx="0" cy="0"/>
-          <a:chOff x="0" y="0"/>
-          <a:chExt cx="0" cy="0"/>
-        </a:xfrm>
-      </p:grpSpPr>
-      <p:sp>
-        <p:nvSpPr>
-          <p:cNvPr id="8" name="Title 1">
-            <a:extLst>
-              <a:ext uri="{FF2B5EF4-FFF2-40B4-BE49-F238E27FC236}">
-                <a16:creationId xmlns:a16="http://schemas.microsoft.com/office/drawing/2014/main" id="{6F9E99E8-F894-89C4-9918-EE68D04271FA}"/>
-              </a:ext>
-            </a:extLst>
-          </p:cNvPr>
-          <p:cNvSpPr txBox="1">
-            <a:spLocks/>
-          </p:cNvSpPr>
-          <p:nvPr/>
-        </p:nvSpPr>
-        <p:spPr bwMode="auto">
-          <a:xfrm>
-            <a:off x="3255692" y="94554"/>
-            <a:ext cx="5677028" cy="888442"/>
-          </a:xfrm>
-          <a:prstGeom prst="rect">
-            <a:avLst/>
-          </a:prstGeom>
-          <a:noFill/>
-          <a:ln w="9525">
-            <a:noFill/>
-            <a:miter lim="800000"/>
-            <a:headEnd/>
-            <a:tailEnd/>
-          </a:ln>
-        </p:spPr>
-        <p:txBody>
-          <a:bodyPr vert="horz" wrap="square" lIns="91440" tIns="45720" rIns="91440" bIns="45720" numCol="1" anchor="ctr" anchorCtr="0" compatLnSpc="1">
-            <a:prstTxWarp prst="textNoShape">
-              <a:avLst/>
-            </a:prstTxWarp>
-          </a:bodyPr>
-          <a:lstStyle>
-            <a:lvl1pPr algn="ctr" defTabSz="457200" rtl="0" eaLnBrk="0" fontAlgn="base" hangingPunct="0">
-              <a:spcBef>
-                <a:spcPct val="0"/>
-              </a:spcBef>
-              <a:spcAft>
-                <a:spcPct val="0"/>
-              </a:spcAft>
-              <a:defRPr sz="4400" kern="1200">
-                <a:solidFill>
-                  <a:schemeClr val="tx1"/>
-                </a:solidFill>
-                <a:latin typeface="TradeGothic"/>
-                <a:ea typeface="ＭＳ Ｐゴシック" charset="0"/>
-                <a:cs typeface="ＭＳ Ｐゴシック" charset="0"/>
-              </a:defRPr>
-            </a:lvl1pPr>
-            <a:lvl2pPr algn="ctr" defTabSz="457200" rtl="0" eaLnBrk="0" fontAlgn="base" hangingPunct="0">
-              <a:spcBef>
-                <a:spcPct val="0"/>
-              </a:spcBef>
-              <a:spcAft>
-                <a:spcPct val="0"/>
-              </a:spcAft>
-              <a:defRPr sz="4400">
-                <a:solidFill>
-                  <a:schemeClr val="tx1"/>
-                </a:solidFill>
-                <a:latin typeface="TradeGothic" charset="0"/>
-                <a:ea typeface="ＭＳ Ｐゴシック" charset="0"/>
-                <a:cs typeface="ＭＳ Ｐゴシック" charset="0"/>
-              </a:defRPr>
-            </a:lvl2pPr>
-            <a:lvl3pPr algn="ctr" defTabSz="457200" rtl="0" eaLnBrk="0" fontAlgn="base" hangingPunct="0">
-              <a:spcBef>
-                <a:spcPct val="0"/>
-              </a:spcBef>
-              <a:spcAft>
-                <a:spcPct val="0"/>
-              </a:spcAft>
-              <a:defRPr sz="4400">
-                <a:solidFill>
-                  <a:schemeClr val="tx1"/>
-                </a:solidFill>
-                <a:latin typeface="TradeGothic" charset="0"/>
-                <a:ea typeface="ＭＳ Ｐゴシック" charset="0"/>
-                <a:cs typeface="ＭＳ Ｐゴシック" charset="0"/>
-              </a:defRPr>
-            </a:lvl3pPr>
-            <a:lvl4pPr algn="ctr" defTabSz="457200" rtl="0" eaLnBrk="0" fontAlgn="base" hangingPunct="0">
-              <a:spcBef>
-                <a:spcPct val="0"/>
-              </a:spcBef>
-              <a:spcAft>
-                <a:spcPct val="0"/>
-              </a:spcAft>
-              <a:defRPr sz="4400">
-                <a:solidFill>
-                  <a:schemeClr val="tx1"/>
-                </a:solidFill>
-                <a:latin typeface="TradeGothic" charset="0"/>
-                <a:ea typeface="ＭＳ Ｐゴシック" charset="0"/>
-                <a:cs typeface="ＭＳ Ｐゴシック" charset="0"/>
-              </a:defRPr>
-            </a:lvl4pPr>
-            <a:lvl5pPr algn="ctr" defTabSz="457200" rtl="0" eaLnBrk="0" fontAlgn="base" hangingPunct="0">
-              <a:spcBef>
-                <a:spcPct val="0"/>
-              </a:spcBef>
-              <a:spcAft>
-                <a:spcPct val="0"/>
-              </a:spcAft>
-              <a:defRPr sz="4400">
-                <a:solidFill>
-                  <a:schemeClr val="tx1"/>
-                </a:solidFill>
-                <a:latin typeface="TradeGothic" charset="0"/>
-                <a:ea typeface="ＭＳ Ｐゴシック" charset="0"/>
-                <a:cs typeface="ＭＳ Ｐゴシック" charset="0"/>
-              </a:defRPr>
-            </a:lvl5pPr>
-            <a:lvl6pPr marL="457200" algn="ctr" defTabSz="457200" rtl="0" fontAlgn="base">
-              <a:spcBef>
-                <a:spcPct val="0"/>
-              </a:spcBef>
-              <a:spcAft>
-                <a:spcPct val="0"/>
-              </a:spcAft>
-              <a:defRPr sz="4400">
-                <a:solidFill>
-                  <a:schemeClr val="tx1"/>
-                </a:solidFill>
-                <a:latin typeface="TradeGothic" charset="0"/>
-                <a:ea typeface="ＭＳ Ｐゴシック" charset="0"/>
-                <a:cs typeface="ＭＳ Ｐゴシック" charset="0"/>
-              </a:defRPr>
-            </a:lvl6pPr>
-            <a:lvl7pPr marL="914400" algn="ctr" defTabSz="457200" rtl="0" fontAlgn="base">
-              <a:spcBef>
-                <a:spcPct val="0"/>
-              </a:spcBef>
-              <a:spcAft>
-                <a:spcPct val="0"/>
-              </a:spcAft>
-              <a:defRPr sz="4400">
-                <a:solidFill>
-                  <a:schemeClr val="tx1"/>
-                </a:solidFill>
-                <a:latin typeface="TradeGothic" charset="0"/>
-                <a:ea typeface="ＭＳ Ｐゴシック" charset="0"/>
-                <a:cs typeface="ＭＳ Ｐゴシック" charset="0"/>
-              </a:defRPr>
-            </a:lvl7pPr>
-            <a:lvl8pPr marL="1371600" algn="ctr" defTabSz="457200" rtl="0" fontAlgn="base">
-              <a:spcBef>
-                <a:spcPct val="0"/>
-              </a:spcBef>
-              <a:spcAft>
-                <a:spcPct val="0"/>
-              </a:spcAft>
-              <a:defRPr sz="4400">
-                <a:solidFill>
-                  <a:schemeClr val="tx1"/>
-                </a:solidFill>
-                <a:latin typeface="TradeGothic" charset="0"/>
-                <a:ea typeface="ＭＳ Ｐゴシック" charset="0"/>
-                <a:cs typeface="ＭＳ Ｐゴシック" charset="0"/>
-              </a:defRPr>
-            </a:lvl8pPr>
-            <a:lvl9pPr marL="1828800" algn="ctr" defTabSz="457200" rtl="0" fontAlgn="base">
-              <a:spcBef>
-                <a:spcPct val="0"/>
-              </a:spcBef>
-              <a:spcAft>
-                <a:spcPct val="0"/>
-              </a:spcAft>
-              <a:defRPr sz="4400">
-                <a:solidFill>
-                  <a:schemeClr val="tx1"/>
-                </a:solidFill>
-                <a:latin typeface="TradeGothic" charset="0"/>
-                <a:ea typeface="ＭＳ Ｐゴシック" charset="0"/>
-                <a:cs typeface="ＭＳ Ｐゴシック" charset="0"/>
-              </a:defRPr>
-            </a:lvl9pPr>
-          </a:lstStyle>
-          <a:p>
-            <a:pPr eaLnBrk="1" hangingPunct="1"/>
-            <a:r>
-              <a:rPr lang="en-US" sz="3200" b="1" dirty="0">
-                <a:latin typeface="Times New Roman" panose="02020603050405020304" pitchFamily="18" charset="0"/>
-                <a:ea typeface="ＭＳ Ｐゴシック" pitchFamily="1" charset="-128"/>
-                <a:cs typeface="Times New Roman" panose="02020603050405020304" pitchFamily="18" charset="0"/>
-              </a:rPr>
-              <a:t>Feasibility and Viability</a:t>
-            </a:r>
-          </a:p>
-        </p:txBody>
-      </p:sp>
-      <p:sp>
-        <p:nvSpPr>
-          <p:cNvPr id="11" name="Oval 10" descr="Your startup LOGO">
-            <a:extLst>
-              <a:ext uri="{FF2B5EF4-FFF2-40B4-BE49-F238E27FC236}">
-                <a16:creationId xmlns:a16="http://schemas.microsoft.com/office/drawing/2014/main" id="{9737988E-0D57-4B85-9CF7-BD7030CA935F}"/>
-              </a:ext>
-              <a:ext uri="{C183D7F6-B498-43B3-948B-1728B52AA6E4}">
-                <adec:decorative xmlns:adec="http://schemas.microsoft.com/office/drawing/2017/decorative" val="0"/>
-              </a:ext>
-            </a:extLst>
-          </p:cNvPr>
-          <p:cNvSpPr/>
-          <p:nvPr/>
-        </p:nvSpPr>
-        <p:spPr>
-          <a:xfrm>
-            <a:off x="152792" y="97651"/>
-            <a:ext cx="1251857" cy="807334"/>
-          </a:xfrm>
-          <a:prstGeom prst="ellipse">
-            <a:avLst/>
-          </a:prstGeom>
-        </p:spPr>
-        <p:style>
-          <a:lnRef idx="2">
-            <a:schemeClr val="accent4"/>
-          </a:lnRef>
-          <a:fillRef idx="1">
-            <a:schemeClr val="lt1"/>
-          </a:fillRef>
-          <a:effectRef idx="0">
-            <a:schemeClr val="accent4"/>
-          </a:effectRef>
-          <a:fontRef idx="minor">
-            <a:schemeClr val="dk1"/>
-          </a:fontRef>
-        </p:style>
-        <p:txBody>
-          <a:bodyPr rtlCol="0" anchor="ctr"/>
-          <a:lstStyle/>
-          <a:p>
-            <a:pPr algn="ctr"/>
-            <a:r>
-              <a:rPr lang="en-US" dirty="0"/>
-              <a:t> THE </a:t>
-            </a:r>
-            <a:r>
-              <a:rPr lang="en-US" b="1" i="1" dirty="0"/>
-              <a:t>HELIOS</a:t>
-            </a:r>
-            <a:endParaRPr lang="en-IN" b="1" i="1" dirty="0"/>
-          </a:p>
-        </p:txBody>
-      </p:sp>
-      <p:pic>
-        <p:nvPicPr>
-          <p:cNvPr id="13" name="Picture 2" descr="https://www.sih.gov.in/img1/SIH-Logo.png">
-            <a:extLst>
-              <a:ext uri="{FF2B5EF4-FFF2-40B4-BE49-F238E27FC236}">
-                <a16:creationId xmlns:a16="http://schemas.microsoft.com/office/drawing/2014/main" id="{FDEB3432-4737-AD8B-CF61-74C4C719B2EA}"/>
-              </a:ext>
-            </a:extLst>
-          </p:cNvPr>
-          <p:cNvPicPr>
-            <a:picLocks noChangeAspect="1" noChangeArrowheads="1"/>
-          </p:cNvPicPr>
-          <p:nvPr/>
-        </p:nvPicPr>
-        <p:blipFill>
-          <a:blip r:embed="rId3">
-            <a:extLst>
-              <a:ext uri="{28A0092B-C50C-407E-A947-70E740481C1C}">
-                <a14:useLocalDpi xmlns:a14="http://schemas.microsoft.com/office/drawing/2010/main" val="0"/>
-              </a:ext>
-            </a:extLst>
-          </a:blip>
-          <a:srcRect/>
-          <a:stretch>
-            <a:fillRect/>
-          </a:stretch>
-        </p:blipFill>
-        <p:spPr bwMode="auto">
-          <a:xfrm>
-            <a:off x="10107561" y="57097"/>
-            <a:ext cx="1751080" cy="890052"/>
+            <a:off x="5943600" y="3276600"/>
+            <a:ext cx="304800" cy="304800"/>
           </a:xfrm>
           <a:prstGeom prst="rect">
             <a:avLst/>
@@ -8246,1216 +9526,24 @@
             </a:ext>
           </a:extLst>
         </p:spPr>
-      </p:pic>
-      <p:sp>
-        <p:nvSpPr>
-          <p:cNvPr id="14" name="Title 1">
-            <a:extLst>
-              <a:ext uri="{FF2B5EF4-FFF2-40B4-BE49-F238E27FC236}">
-                <a16:creationId xmlns:a16="http://schemas.microsoft.com/office/drawing/2014/main" id="{FF033D37-3E08-ED4B-424E-3C04662E7217}"/>
-              </a:ext>
-            </a:extLst>
-          </p:cNvPr>
-          <p:cNvSpPr txBox="1">
-            <a:spLocks/>
-          </p:cNvSpPr>
-          <p:nvPr/>
-        </p:nvSpPr>
-        <p:spPr bwMode="auto">
-          <a:xfrm>
-            <a:off x="1247887" y="1121341"/>
-            <a:ext cx="9692639" cy="888442"/>
-          </a:xfrm>
-          <a:prstGeom prst="rect">
-            <a:avLst/>
-          </a:prstGeom>
-          <a:noFill/>
-          <a:ln w="9525">
-            <a:noFill/>
-            <a:miter lim="800000"/>
-            <a:headEnd/>
-            <a:tailEnd/>
-          </a:ln>
-        </p:spPr>
-        <p:txBody>
-          <a:bodyPr vert="horz" wrap="square" lIns="91440" tIns="45720" rIns="91440" bIns="45720" numCol="1" anchor="ctr" anchorCtr="0" compatLnSpc="1">
+        <p:txBody>
+          <a:bodyPr vert="horz" wrap="square" lIns="91440" tIns="45720" rIns="91440" bIns="45720" numCol="1" anchor="t" anchorCtr="0" compatLnSpc="1">
             <a:prstTxWarp prst="textNoShape">
               <a:avLst/>
             </a:prstTxWarp>
           </a:bodyPr>
-          <a:lstStyle>
-            <a:lvl1pPr algn="ctr" defTabSz="457200" rtl="0" eaLnBrk="0" fontAlgn="base" hangingPunct="0">
-              <a:spcBef>
-                <a:spcPct val="0"/>
-              </a:spcBef>
-              <a:spcAft>
-                <a:spcPct val="0"/>
-              </a:spcAft>
-              <a:defRPr sz="4400" kern="1200">
-                <a:solidFill>
-                  <a:schemeClr val="tx1"/>
-                </a:solidFill>
-                <a:latin typeface="TradeGothic"/>
-                <a:ea typeface="ＭＳ Ｐゴシック" charset="0"/>
-                <a:cs typeface="ＭＳ Ｐゴシック" charset="0"/>
-              </a:defRPr>
-            </a:lvl1pPr>
-            <a:lvl2pPr algn="ctr" defTabSz="457200" rtl="0" eaLnBrk="0" fontAlgn="base" hangingPunct="0">
-              <a:spcBef>
-                <a:spcPct val="0"/>
-              </a:spcBef>
-              <a:spcAft>
-                <a:spcPct val="0"/>
-              </a:spcAft>
-              <a:defRPr sz="4400">
-                <a:solidFill>
-                  <a:schemeClr val="tx1"/>
-                </a:solidFill>
-                <a:latin typeface="TradeGothic" charset="0"/>
-                <a:ea typeface="ＭＳ Ｐゴシック" charset="0"/>
-                <a:cs typeface="ＭＳ Ｐゴシック" charset="0"/>
-              </a:defRPr>
-            </a:lvl2pPr>
-            <a:lvl3pPr algn="ctr" defTabSz="457200" rtl="0" eaLnBrk="0" fontAlgn="base" hangingPunct="0">
-              <a:spcBef>
-                <a:spcPct val="0"/>
-              </a:spcBef>
-              <a:spcAft>
-                <a:spcPct val="0"/>
-              </a:spcAft>
-              <a:defRPr sz="4400">
-                <a:solidFill>
-                  <a:schemeClr val="tx1"/>
-                </a:solidFill>
-                <a:latin typeface="TradeGothic" charset="0"/>
-                <a:ea typeface="ＭＳ Ｐゴシック" charset="0"/>
-                <a:cs typeface="ＭＳ Ｐゴシック" charset="0"/>
-              </a:defRPr>
-            </a:lvl3pPr>
-            <a:lvl4pPr algn="ctr" defTabSz="457200" rtl="0" eaLnBrk="0" fontAlgn="base" hangingPunct="0">
-              <a:spcBef>
-                <a:spcPct val="0"/>
-              </a:spcBef>
-              <a:spcAft>
-                <a:spcPct val="0"/>
-              </a:spcAft>
-              <a:defRPr sz="4400">
-                <a:solidFill>
-                  <a:schemeClr val="tx1"/>
-                </a:solidFill>
-                <a:latin typeface="TradeGothic" charset="0"/>
-                <a:ea typeface="ＭＳ Ｐゴシック" charset="0"/>
-                <a:cs typeface="ＭＳ Ｐゴシック" charset="0"/>
-              </a:defRPr>
-            </a:lvl4pPr>
-            <a:lvl5pPr algn="ctr" defTabSz="457200" rtl="0" eaLnBrk="0" fontAlgn="base" hangingPunct="0">
-              <a:spcBef>
-                <a:spcPct val="0"/>
-              </a:spcBef>
-              <a:spcAft>
-                <a:spcPct val="0"/>
-              </a:spcAft>
-              <a:defRPr sz="4400">
-                <a:solidFill>
-                  <a:schemeClr val="tx1"/>
-                </a:solidFill>
-                <a:latin typeface="TradeGothic" charset="0"/>
-                <a:ea typeface="ＭＳ Ｐゴシック" charset="0"/>
-                <a:cs typeface="ＭＳ Ｐゴシック" charset="0"/>
-              </a:defRPr>
-            </a:lvl5pPr>
-            <a:lvl6pPr marL="457200" algn="ctr" defTabSz="457200" rtl="0" fontAlgn="base">
-              <a:spcBef>
-                <a:spcPct val="0"/>
-              </a:spcBef>
-              <a:spcAft>
-                <a:spcPct val="0"/>
-              </a:spcAft>
-              <a:defRPr sz="4400">
-                <a:solidFill>
-                  <a:schemeClr val="tx1"/>
-                </a:solidFill>
-                <a:latin typeface="TradeGothic" charset="0"/>
-                <a:ea typeface="ＭＳ Ｐゴシック" charset="0"/>
-                <a:cs typeface="ＭＳ Ｐゴシック" charset="0"/>
-              </a:defRPr>
-            </a:lvl6pPr>
-            <a:lvl7pPr marL="914400" algn="ctr" defTabSz="457200" rtl="0" fontAlgn="base">
-              <a:spcBef>
-                <a:spcPct val="0"/>
-              </a:spcBef>
-              <a:spcAft>
-                <a:spcPct val="0"/>
-              </a:spcAft>
-              <a:defRPr sz="4400">
-                <a:solidFill>
-                  <a:schemeClr val="tx1"/>
-                </a:solidFill>
-                <a:latin typeface="TradeGothic" charset="0"/>
-                <a:ea typeface="ＭＳ Ｐゴシック" charset="0"/>
-                <a:cs typeface="ＭＳ Ｐゴシック" charset="0"/>
-              </a:defRPr>
-            </a:lvl7pPr>
-            <a:lvl8pPr marL="1371600" algn="ctr" defTabSz="457200" rtl="0" fontAlgn="base">
-              <a:spcBef>
-                <a:spcPct val="0"/>
-              </a:spcBef>
-              <a:spcAft>
-                <a:spcPct val="0"/>
-              </a:spcAft>
-              <a:defRPr sz="4400">
-                <a:solidFill>
-                  <a:schemeClr val="tx1"/>
-                </a:solidFill>
-                <a:latin typeface="TradeGothic" charset="0"/>
-                <a:ea typeface="ＭＳ Ｐゴシック" charset="0"/>
-                <a:cs typeface="ＭＳ Ｐゴシック" charset="0"/>
-              </a:defRPr>
-            </a:lvl8pPr>
-            <a:lvl9pPr marL="1828800" algn="ctr" defTabSz="457200" rtl="0" fontAlgn="base">
-              <a:spcBef>
-                <a:spcPct val="0"/>
-              </a:spcBef>
-              <a:spcAft>
-                <a:spcPct val="0"/>
-              </a:spcAft>
-              <a:defRPr sz="4400">
-                <a:solidFill>
-                  <a:schemeClr val="tx1"/>
-                </a:solidFill>
-                <a:latin typeface="TradeGothic" charset="0"/>
-                <a:ea typeface="ＭＳ Ｐゴシック" charset="0"/>
-                <a:cs typeface="ＭＳ Ｐゴシック" charset="0"/>
-              </a:defRPr>
-            </a:lvl9pPr>
-          </a:lstStyle>
-          <a:p>
-            <a:pPr algn="l" eaLnBrk="1" hangingPunct="1"/>
-            <a:endParaRPr lang="en-US" sz="1800" dirty="0">
-              <a:latin typeface="+mj-lt"/>
-              <a:ea typeface="ＭＳ Ｐゴシック" pitchFamily="1" charset="-128"/>
-              <a:cs typeface="Arial" panose="020B0604020202020204" pitchFamily="34" charset="0"/>
-            </a:endParaRPr>
-          </a:p>
-        </p:txBody>
-      </p:sp>
-      <p:sp>
-        <p:nvSpPr>
-          <p:cNvPr id="6" name="TextBox 8">
+          <a:lstStyle/>
+          <a:p>
+            <a:endParaRPr lang="en-IN"/>
+          </a:p>
+        </p:txBody>
+      </p:sp>
+      <p:pic>
+        <p:nvPicPr>
+          <p:cNvPr id="3078" name="Picture 6" descr="Generated image">
             <a:extLst>
               <a:ext uri="{FF2B5EF4-FFF2-40B4-BE49-F238E27FC236}">
-                <a16:creationId xmlns:a16="http://schemas.microsoft.com/office/drawing/2014/main" id="{8529D78B-064E-6EDE-3555-0E4D16C92851}"/>
-              </a:ext>
-            </a:extLst>
-          </p:cNvPr>
-          <p:cNvSpPr txBox="1">
-            <a:spLocks noChangeArrowheads="1"/>
-          </p:cNvSpPr>
-          <p:nvPr/>
-        </p:nvSpPr>
-        <p:spPr bwMode="auto">
-          <a:xfrm>
-            <a:off x="757316" y="1157188"/>
-            <a:ext cx="7224964" cy="4727833"/>
-          </a:xfrm>
-          <a:prstGeom prst="rect">
-            <a:avLst/>
-          </a:prstGeom>
-          <a:noFill/>
-          <a:ln w="9525">
-            <a:noFill/>
-            <a:miter lim="800000"/>
-            <a:headEnd/>
-            <a:tailEnd/>
-          </a:ln>
-        </p:spPr>
-        <p:txBody>
-          <a:bodyPr wrap="square">
-            <a:spAutoFit/>
-          </a:bodyPr>
-          <a:lstStyle>
-            <a:defPPr>
-              <a:defRPr lang="en-US"/>
-            </a:defPPr>
-            <a:lvl1pPr algn="l" defTabSz="457200" rtl="0" fontAlgn="base">
-              <a:spcBef>
-                <a:spcPct val="0"/>
-              </a:spcBef>
-              <a:spcAft>
-                <a:spcPct val="0"/>
-              </a:spcAft>
-              <a:defRPr kern="1200">
-                <a:solidFill>
-                  <a:schemeClr val="tx1"/>
-                </a:solidFill>
-                <a:latin typeface="Calibri" pitchFamily="34" charset="0"/>
-                <a:ea typeface="ＭＳ Ｐゴシック" pitchFamily="1" charset="-128"/>
-                <a:cs typeface="+mn-cs"/>
-              </a:defRPr>
-            </a:lvl1pPr>
-            <a:lvl2pPr marL="457200" algn="l" defTabSz="457200" rtl="0" fontAlgn="base">
-              <a:spcBef>
-                <a:spcPct val="0"/>
-              </a:spcBef>
-              <a:spcAft>
-                <a:spcPct val="0"/>
-              </a:spcAft>
-              <a:defRPr kern="1200">
-                <a:solidFill>
-                  <a:schemeClr val="tx1"/>
-                </a:solidFill>
-                <a:latin typeface="Calibri" pitchFamily="34" charset="0"/>
-                <a:ea typeface="ＭＳ Ｐゴシック" pitchFamily="1" charset="-128"/>
-                <a:cs typeface="+mn-cs"/>
-              </a:defRPr>
-            </a:lvl2pPr>
-            <a:lvl3pPr marL="914400" algn="l" defTabSz="457200" rtl="0" fontAlgn="base">
-              <a:spcBef>
-                <a:spcPct val="0"/>
-              </a:spcBef>
-              <a:spcAft>
-                <a:spcPct val="0"/>
-              </a:spcAft>
-              <a:defRPr kern="1200">
-                <a:solidFill>
-                  <a:schemeClr val="tx1"/>
-                </a:solidFill>
-                <a:latin typeface="Calibri" pitchFamily="34" charset="0"/>
-                <a:ea typeface="ＭＳ Ｐゴシック" pitchFamily="1" charset="-128"/>
-                <a:cs typeface="+mn-cs"/>
-              </a:defRPr>
-            </a:lvl3pPr>
-            <a:lvl4pPr marL="1371600" algn="l" defTabSz="457200" rtl="0" fontAlgn="base">
-              <a:spcBef>
-                <a:spcPct val="0"/>
-              </a:spcBef>
-              <a:spcAft>
-                <a:spcPct val="0"/>
-              </a:spcAft>
-              <a:defRPr kern="1200">
-                <a:solidFill>
-                  <a:schemeClr val="tx1"/>
-                </a:solidFill>
-                <a:latin typeface="Calibri" pitchFamily="34" charset="0"/>
-                <a:ea typeface="ＭＳ Ｐゴシック" pitchFamily="1" charset="-128"/>
-                <a:cs typeface="+mn-cs"/>
-              </a:defRPr>
-            </a:lvl4pPr>
-            <a:lvl5pPr marL="1828800" algn="l" defTabSz="457200" rtl="0" fontAlgn="base">
-              <a:spcBef>
-                <a:spcPct val="0"/>
-              </a:spcBef>
-              <a:spcAft>
-                <a:spcPct val="0"/>
-              </a:spcAft>
-              <a:defRPr kern="1200">
-                <a:solidFill>
-                  <a:schemeClr val="tx1"/>
-                </a:solidFill>
-                <a:latin typeface="Calibri" pitchFamily="34" charset="0"/>
-                <a:ea typeface="ＭＳ Ｐゴシック" pitchFamily="1" charset="-128"/>
-                <a:cs typeface="+mn-cs"/>
-              </a:defRPr>
-            </a:lvl5pPr>
-            <a:lvl6pPr marL="2286000" algn="l" defTabSz="914400" rtl="0" eaLnBrk="1" latinLnBrk="0" hangingPunct="1">
-              <a:defRPr kern="1200">
-                <a:solidFill>
-                  <a:schemeClr val="tx1"/>
-                </a:solidFill>
-                <a:latin typeface="Calibri" pitchFamily="34" charset="0"/>
-                <a:ea typeface="ＭＳ Ｐゴシック" pitchFamily="1" charset="-128"/>
-                <a:cs typeface="+mn-cs"/>
-              </a:defRPr>
-            </a:lvl6pPr>
-            <a:lvl7pPr marL="2743200" algn="l" defTabSz="914400" rtl="0" eaLnBrk="1" latinLnBrk="0" hangingPunct="1">
-              <a:defRPr kern="1200">
-                <a:solidFill>
-                  <a:schemeClr val="tx1"/>
-                </a:solidFill>
-                <a:latin typeface="Calibri" pitchFamily="34" charset="0"/>
-                <a:ea typeface="ＭＳ Ｐゴシック" pitchFamily="1" charset="-128"/>
-                <a:cs typeface="+mn-cs"/>
-              </a:defRPr>
-            </a:lvl7pPr>
-            <a:lvl8pPr marL="3200400" algn="l" defTabSz="914400" rtl="0" eaLnBrk="1" latinLnBrk="0" hangingPunct="1">
-              <a:defRPr kern="1200">
-                <a:solidFill>
-                  <a:schemeClr val="tx1"/>
-                </a:solidFill>
-                <a:latin typeface="Calibri" pitchFamily="34" charset="0"/>
-                <a:ea typeface="ＭＳ Ｐゴシック" pitchFamily="1" charset="-128"/>
-                <a:cs typeface="+mn-cs"/>
-              </a:defRPr>
-            </a:lvl8pPr>
-            <a:lvl9pPr marL="3657600" algn="l" defTabSz="914400" rtl="0" eaLnBrk="1" latinLnBrk="0" hangingPunct="1">
-              <a:defRPr kern="1200">
-                <a:solidFill>
-                  <a:schemeClr val="tx1"/>
-                </a:solidFill>
-                <a:latin typeface="Calibri" pitchFamily="34" charset="0"/>
-                <a:ea typeface="ＭＳ Ｐゴシック" pitchFamily="1" charset="-128"/>
-                <a:cs typeface="+mn-cs"/>
-              </a:defRPr>
-            </a:lvl9pPr>
-          </a:lstStyle>
-          <a:p>
-            <a:r>
-              <a:rPr lang="en-IN" sz="2000" b="1" u="sng" dirty="0"/>
-              <a:t>FEASIBILITY</a:t>
-            </a:r>
-          </a:p>
-          <a:p>
-            <a:pPr marL="342900" indent="-342900">
-              <a:lnSpc>
-                <a:spcPct val="150000"/>
-              </a:lnSpc>
-              <a:buFont typeface="Arial" panose="020B0604020202020204" pitchFamily="34" charset="0"/>
-              <a:buChar char="•"/>
-            </a:pPr>
-            <a:r>
-              <a:rPr lang="en-US" sz="2000" dirty="0"/>
-              <a:t>Feeds from the Ahmedabad BRTS ,AMTS and METRO are already available, similar to those for BRTS systems in many other cities.</a:t>
-            </a:r>
-          </a:p>
-          <a:p>
-            <a:endParaRPr lang="en-IN" sz="1900" dirty="0"/>
-          </a:p>
-          <a:p>
-            <a:r>
-              <a:rPr lang="en-IN" sz="2000" b="1" u="sng" dirty="0"/>
-              <a:t>CHALLENGES &amp; RISKS</a:t>
-            </a:r>
-          </a:p>
-          <a:p>
-            <a:pPr marL="342900" indent="-342900">
-              <a:lnSpc>
-                <a:spcPct val="150000"/>
-              </a:lnSpc>
-              <a:buFont typeface="Arial" panose="020B0604020202020204" pitchFamily="34" charset="0"/>
-              <a:buChar char="•"/>
-            </a:pPr>
-            <a:r>
-              <a:rPr lang="en-IN" sz="1950" dirty="0"/>
-              <a:t>Fragmented ticketing systems across agencies.</a:t>
-            </a:r>
-          </a:p>
-          <a:p>
-            <a:pPr marL="342900" indent="-342900">
-              <a:lnSpc>
-                <a:spcPct val="150000"/>
-              </a:lnSpc>
-              <a:buFont typeface="Arial" panose="020B0604020202020204" pitchFamily="34" charset="0"/>
-              <a:buChar char="•"/>
-            </a:pPr>
-            <a:r>
-              <a:rPr lang="en-IN" sz="1950" dirty="0"/>
-              <a:t>No reliable and accurate opensource data available</a:t>
-            </a:r>
-          </a:p>
-          <a:p>
-            <a:pPr marL="342900" indent="-342900">
-              <a:lnSpc>
-                <a:spcPct val="150000"/>
-              </a:lnSpc>
-              <a:buFont typeface="Arial" panose="020B0604020202020204" pitchFamily="34" charset="0"/>
-              <a:buChar char="•"/>
-            </a:pPr>
-            <a:r>
-              <a:rPr lang="en-IN" sz="1950" dirty="0"/>
-              <a:t>User adoption hurdles in Tier-2/3 cities.</a:t>
-            </a:r>
-          </a:p>
-          <a:p>
-            <a:endParaRPr lang="en-IN" sz="1900" dirty="0"/>
-          </a:p>
-          <a:p>
-            <a:r>
-              <a:rPr lang="en-IN" sz="2000" b="1" u="sng" dirty="0"/>
-              <a:t>STRATEGIES TO OVERCOME</a:t>
-            </a:r>
-            <a:endParaRPr lang="en-IN" sz="2000" u="sng" dirty="0"/>
-          </a:p>
-          <a:p>
-            <a:pPr marL="342900" indent="-342900">
-              <a:lnSpc>
-                <a:spcPct val="150000"/>
-              </a:lnSpc>
-              <a:buFont typeface="Arial" panose="020B0604020202020204" pitchFamily="34" charset="0"/>
-              <a:buChar char="•"/>
-            </a:pPr>
-            <a:r>
-              <a:rPr lang="en-IN" sz="1950" dirty="0"/>
-              <a:t>To Track bus live location through Drivers Phone </a:t>
-            </a:r>
-          </a:p>
-          <a:p>
-            <a:pPr marL="342900" indent="-342900">
-              <a:lnSpc>
-                <a:spcPct val="150000"/>
-              </a:lnSpc>
-              <a:buFont typeface="Arial" panose="020B0604020202020204" pitchFamily="34" charset="0"/>
-              <a:buChar char="•"/>
-            </a:pPr>
-            <a:r>
-              <a:rPr lang="en-IN" sz="1950" dirty="0"/>
-              <a:t>Use gamification &amp; rewards to drive crowdsourcing participation.</a:t>
-            </a:r>
-          </a:p>
-        </p:txBody>
-      </p:sp>
-      <p:pic>
-        <p:nvPicPr>
-          <p:cNvPr id="9" name="Picture 8">
-            <a:extLst>
-              <a:ext uri="{FF2B5EF4-FFF2-40B4-BE49-F238E27FC236}">
-                <a16:creationId xmlns:a16="http://schemas.microsoft.com/office/drawing/2014/main" id="{89DAF337-471C-5763-9D56-C88D8FF0BA5D}"/>
-              </a:ext>
-            </a:extLst>
-          </p:cNvPr>
-          <p:cNvPicPr>
-            <a:picLocks noChangeAspect="1"/>
-          </p:cNvPicPr>
-          <p:nvPr/>
-        </p:nvPicPr>
-        <p:blipFill>
-          <a:blip r:embed="rId4"/>
-          <a:stretch>
-            <a:fillRect/>
-          </a:stretch>
-        </p:blipFill>
-        <p:spPr>
-          <a:xfrm>
-            <a:off x="8346358" y="1121341"/>
-            <a:ext cx="3309356" cy="2206237"/>
-          </a:xfrm>
-          <a:prstGeom prst="rect">
-            <a:avLst/>
-          </a:prstGeom>
-        </p:spPr>
-      </p:pic>
-      <p:pic>
-        <p:nvPicPr>
-          <p:cNvPr id="12" name="Picture 11">
-            <a:extLst>
-              <a:ext uri="{FF2B5EF4-FFF2-40B4-BE49-F238E27FC236}">
-                <a16:creationId xmlns:a16="http://schemas.microsoft.com/office/drawing/2014/main" id="{7F81E6E8-0CE4-1CAD-EFA7-20F28ABC2729}"/>
-              </a:ext>
-            </a:extLst>
-          </p:cNvPr>
-          <p:cNvPicPr>
-            <a:picLocks noChangeAspect="1"/>
-          </p:cNvPicPr>
-          <p:nvPr/>
-        </p:nvPicPr>
-        <p:blipFill>
-          <a:blip r:embed="rId5"/>
-          <a:stretch>
-            <a:fillRect/>
-          </a:stretch>
-        </p:blipFill>
-        <p:spPr>
-          <a:xfrm>
-            <a:off x="8346358" y="3650946"/>
-            <a:ext cx="3088326" cy="2664542"/>
-          </a:xfrm>
-          <a:prstGeom prst="rect">
-            <a:avLst/>
-          </a:prstGeom>
-        </p:spPr>
-      </p:pic>
-      <p:sp>
-        <p:nvSpPr>
-          <p:cNvPr id="15" name="Rectangle 14"/>
-          <p:cNvSpPr>
-            <a:spLocks noChangeArrowheads="1"/>
-          </p:cNvSpPr>
-          <p:nvPr/>
-        </p:nvSpPr>
-        <p:spPr bwMode="auto">
-          <a:xfrm>
-            <a:off x="0" y="6354762"/>
-            <a:ext cx="12191999" cy="503238"/>
-          </a:xfrm>
-          <a:prstGeom prst="rect">
-            <a:avLst/>
-          </a:prstGeom>
-          <a:solidFill>
-            <a:srgbClr val="0070C0"/>
-          </a:solidFill>
-          <a:ln w="9525">
-            <a:noFill/>
-            <a:miter lim="800000"/>
-            <a:headEnd/>
-            <a:tailEnd/>
-          </a:ln>
-          <a:effectLst>
-            <a:outerShdw dist="23000" dir="5400000" rotWithShape="0">
-              <a:srgbClr val="808080">
-                <a:alpha val="34999"/>
-              </a:srgbClr>
-            </a:outerShdw>
-          </a:effectLst>
-        </p:spPr>
-        <p:txBody>
-          <a:bodyPr anchor="ctr"/>
-          <a:lstStyle/>
-          <a:p>
-            <a:pPr algn="ctr" fontAlgn="auto">
-              <a:spcBef>
-                <a:spcPts val="0"/>
-              </a:spcBef>
-              <a:spcAft>
-                <a:spcPts val="0"/>
-              </a:spcAft>
-              <a:defRPr/>
-            </a:pPr>
-            <a:endParaRPr lang="en-US" dirty="0">
-              <a:solidFill>
-                <a:schemeClr val="accent2">
-                  <a:lumMod val="75000"/>
-                </a:schemeClr>
-              </a:solidFill>
-              <a:latin typeface="+mn-lt"/>
-              <a:ea typeface="+mn-ea"/>
-            </a:endParaRPr>
-          </a:p>
-        </p:txBody>
-      </p:sp>
-      <p:sp>
-        <p:nvSpPr>
-          <p:cNvPr id="16" name="Slide Number Placeholder 5"/>
-          <p:cNvSpPr>
-            <a:spLocks noGrp="1"/>
-          </p:cNvSpPr>
-          <p:nvPr>
-            <p:ph type="sldNum" sz="quarter" idx="12"/>
-          </p:nvPr>
-        </p:nvSpPr>
-        <p:spPr>
-          <a:xfrm>
-            <a:off x="11582399" y="6434512"/>
-            <a:ext cx="329887" cy="365125"/>
-          </a:xfrm>
-        </p:spPr>
-        <p:txBody>
-          <a:bodyPr/>
-          <a:lstStyle/>
-          <a:p>
-            <a:r>
-              <a:rPr lang="en-US" b="1" dirty="0">
-                <a:solidFill>
-                  <a:schemeClr val="bg1"/>
-                </a:solidFill>
-              </a:rPr>
-              <a:t>4</a:t>
-            </a:r>
-          </a:p>
-        </p:txBody>
-      </p:sp>
-      <p:sp>
-        <p:nvSpPr>
-          <p:cNvPr id="17" name="Footer Placeholder 6"/>
-          <p:cNvSpPr>
-            <a:spLocks noGrp="1"/>
-          </p:cNvSpPr>
-          <p:nvPr>
-            <p:ph type="ftr" sz="quarter" idx="11"/>
-          </p:nvPr>
-        </p:nvSpPr>
-        <p:spPr>
-          <a:xfrm>
-            <a:off x="4648200" y="6434512"/>
-            <a:ext cx="3204000" cy="365125"/>
-          </a:xfrm>
-        </p:spPr>
-        <p:txBody>
-          <a:bodyPr/>
-          <a:lstStyle/>
-          <a:p>
-            <a:pPr>
-              <a:defRPr/>
-            </a:pPr>
-            <a:r>
-              <a:rPr lang="en-US" b="1" dirty="0">
-                <a:solidFill>
-                  <a:schemeClr val="bg1"/>
-                </a:solidFill>
-              </a:rPr>
-              <a:t>@The Helios – SIH2025</a:t>
-            </a:r>
-          </a:p>
-        </p:txBody>
-      </p:sp>
-    </p:spTree>
-    <p:extLst>
-      <p:ext uri="{BB962C8B-B14F-4D97-AF65-F5344CB8AC3E}">
-        <p14:creationId xmlns:p14="http://schemas.microsoft.com/office/powerpoint/2010/main" val="3753387913"/>
-      </p:ext>
-    </p:extLst>
-  </p:cSld>
-  <p:clrMapOvr>
-    <a:masterClrMapping/>
-  </p:clrMapOvr>
-  <p:transition spd="slow">
-    <p:wipe/>
-  </p:transition>
-</p:sld>
-</file>
-
-<file path=ppt/slides/slide5.xml><?xml version="1.0" encoding="utf-8"?>
-<p:sld xmlns:a="http://schemas.openxmlformats.org/drawingml/2006/main" xmlns:r="http://schemas.openxmlformats.org/officeDocument/2006/relationships" xmlns:p="http://schemas.openxmlformats.org/presentationml/2006/main">
-  <p:cSld>
-    <p:spTree>
-      <p:nvGrpSpPr>
-        <p:cNvPr id="1" name=""/>
-        <p:cNvGrpSpPr/>
-        <p:nvPr/>
-      </p:nvGrpSpPr>
-      <p:grpSpPr>
-        <a:xfrm>
-          <a:off x="0" y="0"/>
-          <a:ext cx="0" cy="0"/>
-          <a:chOff x="0" y="0"/>
-          <a:chExt cx="0" cy="0"/>
-        </a:xfrm>
-      </p:grpSpPr>
-      <p:sp>
-        <p:nvSpPr>
-          <p:cNvPr id="17410" name="TextBox 8"/>
-          <p:cNvSpPr txBox="1">
-            <a:spLocks noChangeArrowheads="1"/>
-          </p:cNvSpPr>
-          <p:nvPr/>
-        </p:nvSpPr>
-        <p:spPr bwMode="auto">
-          <a:xfrm>
-            <a:off x="329773" y="1484505"/>
-            <a:ext cx="5933375" cy="4401205"/>
-          </a:xfrm>
-          <a:prstGeom prst="rect">
-            <a:avLst/>
-          </a:prstGeom>
-          <a:noFill/>
-          <a:ln w="9525">
-            <a:noFill/>
-            <a:miter lim="800000"/>
-            <a:headEnd/>
-            <a:tailEnd/>
-          </a:ln>
-        </p:spPr>
-        <p:txBody>
-          <a:bodyPr wrap="square">
-            <a:spAutoFit/>
-          </a:bodyPr>
-          <a:lstStyle/>
-          <a:p>
-            <a:r>
-              <a:rPr lang="en-US" sz="2000" b="1" dirty="0"/>
-              <a:t>Impact</a:t>
-            </a:r>
-            <a:endParaRPr lang="en-US" sz="2000" dirty="0"/>
-          </a:p>
-          <a:p>
-            <a:pPr marL="342900" indent="-342900">
-              <a:buFont typeface="Arial" panose="020B0604020202020204" pitchFamily="34" charset="0"/>
-              <a:buChar char="•"/>
-            </a:pPr>
-            <a:r>
-              <a:rPr lang="en-US" sz="2000" dirty="0"/>
-              <a:t>Commuters: Reliable schedules, live tracking, less waiting.</a:t>
-            </a:r>
-          </a:p>
-          <a:p>
-            <a:pPr marL="342900" indent="-342900">
-              <a:buFont typeface="Arial" panose="020B0604020202020204" pitchFamily="34" charset="0"/>
-              <a:buChar char="•"/>
-            </a:pPr>
-            <a:r>
-              <a:rPr lang="en-US" sz="2000" dirty="0"/>
-              <a:t>Operators: Analytics on punctuality, crowding, demand.</a:t>
-            </a:r>
-          </a:p>
-          <a:p>
-            <a:pPr marL="342900" indent="-342900">
-              <a:buFont typeface="Arial" panose="020B0604020202020204" pitchFamily="34" charset="0"/>
-              <a:buChar char="•"/>
-            </a:pPr>
-            <a:r>
-              <a:rPr lang="en-US" sz="2000" dirty="0"/>
-              <a:t>Govt: OD data for planning &amp; policy.</a:t>
-            </a:r>
-          </a:p>
-          <a:p>
-            <a:pPr marL="342900" indent="-342900">
-              <a:buFont typeface="Arial" panose="020B0604020202020204" pitchFamily="34" charset="0"/>
-              <a:buChar char="•"/>
-            </a:pPr>
-            <a:r>
-              <a:rPr lang="en-US" sz="2000" dirty="0"/>
-              <a:t>Overall: Builds trust, boosts ridership.</a:t>
-            </a:r>
-          </a:p>
-          <a:p>
-            <a:endParaRPr lang="en-US" sz="2000" dirty="0"/>
-          </a:p>
-          <a:p>
-            <a:r>
-              <a:rPr lang="en-US" sz="2000" b="1" dirty="0"/>
-              <a:t>Benefits</a:t>
-            </a:r>
-            <a:endParaRPr lang="en-US" sz="2000" dirty="0"/>
-          </a:p>
-          <a:p>
-            <a:pPr marL="342900" indent="-342900">
-              <a:buFont typeface="Arial" panose="020B0604020202020204" pitchFamily="34" charset="0"/>
-              <a:buChar char="•"/>
-            </a:pPr>
-            <a:r>
-              <a:rPr lang="en-US" sz="2000" dirty="0"/>
-              <a:t>Social: Safer, accessible, inclusive travel.</a:t>
-            </a:r>
-          </a:p>
-          <a:p>
-            <a:pPr marL="342900" indent="-342900">
-              <a:buFont typeface="Arial" panose="020B0604020202020204" pitchFamily="34" charset="0"/>
-              <a:buChar char="•"/>
-            </a:pPr>
-            <a:r>
-              <a:rPr lang="en-US" sz="2000" dirty="0"/>
-              <a:t>Economic: Time saved, productivity up, more revenue.</a:t>
-            </a:r>
-          </a:p>
-          <a:p>
-            <a:pPr marL="342900" indent="-342900">
-              <a:buFont typeface="Arial" panose="020B0604020202020204" pitchFamily="34" charset="0"/>
-              <a:buChar char="•"/>
-            </a:pPr>
-            <a:r>
-              <a:rPr lang="en-US" sz="2000" dirty="0"/>
-              <a:t>Environmental: Less congestion, lower emissions.</a:t>
-            </a:r>
-          </a:p>
-          <a:p>
-            <a:pPr marL="342900" indent="-342900">
-              <a:buFont typeface="Arial" panose="020B0604020202020204" pitchFamily="34" charset="0"/>
-              <a:buChar char="•"/>
-            </a:pPr>
-            <a:r>
-              <a:rPr lang="en-US" sz="2000" dirty="0"/>
-              <a:t>Governance: Data-driven policies &amp; planning.</a:t>
-            </a:r>
-          </a:p>
-        </p:txBody>
-      </p:sp>
-      <p:pic>
-        <p:nvPicPr>
-          <p:cNvPr id="5" name="Picture 4">
-            <a:extLst>
-              <a:ext uri="{FF2B5EF4-FFF2-40B4-BE49-F238E27FC236}">
-                <a16:creationId xmlns:a16="http://schemas.microsoft.com/office/drawing/2014/main" id="{3A913C28-7DD2-9AF7-6A7D-289D089FFEDB}"/>
-              </a:ext>
-            </a:extLst>
-          </p:cNvPr>
-          <p:cNvPicPr>
-            <a:picLocks noChangeAspect="1"/>
-          </p:cNvPicPr>
-          <p:nvPr/>
-        </p:nvPicPr>
-        <p:blipFill>
-          <a:blip r:embed="rId3"/>
-          <a:stretch>
-            <a:fillRect/>
-          </a:stretch>
-        </p:blipFill>
-        <p:spPr>
-          <a:xfrm>
-            <a:off x="6663480" y="1489504"/>
-            <a:ext cx="5420619" cy="3999375"/>
-          </a:xfrm>
-          <a:prstGeom prst="rect">
-            <a:avLst/>
-          </a:prstGeom>
-        </p:spPr>
-      </p:pic>
-      <p:sp>
-        <p:nvSpPr>
-          <p:cNvPr id="11" name="Rectangle 10"/>
-          <p:cNvSpPr>
-            <a:spLocks noChangeArrowheads="1"/>
-          </p:cNvSpPr>
-          <p:nvPr/>
-        </p:nvSpPr>
-        <p:spPr bwMode="auto">
-          <a:xfrm>
-            <a:off x="0" y="6354762"/>
-            <a:ext cx="12191999" cy="503238"/>
-          </a:xfrm>
-          <a:prstGeom prst="rect">
-            <a:avLst/>
-          </a:prstGeom>
-          <a:solidFill>
-            <a:srgbClr val="0070C0"/>
-          </a:solidFill>
-          <a:ln w="9525">
-            <a:noFill/>
-            <a:miter lim="800000"/>
-            <a:headEnd/>
-            <a:tailEnd/>
-          </a:ln>
-          <a:effectLst>
-            <a:outerShdw dist="23000" dir="5400000" rotWithShape="0">
-              <a:srgbClr val="808080">
-                <a:alpha val="34999"/>
-              </a:srgbClr>
-            </a:outerShdw>
-          </a:effectLst>
-        </p:spPr>
-        <p:txBody>
-          <a:bodyPr anchor="ctr"/>
-          <a:lstStyle/>
-          <a:p>
-            <a:pPr algn="ctr" fontAlgn="auto">
-              <a:spcBef>
-                <a:spcPts val="0"/>
-              </a:spcBef>
-              <a:spcAft>
-                <a:spcPts val="0"/>
-              </a:spcAft>
-              <a:defRPr/>
-            </a:pPr>
-            <a:endParaRPr lang="en-US" dirty="0">
-              <a:solidFill>
-                <a:schemeClr val="accent2">
-                  <a:lumMod val="75000"/>
-                </a:schemeClr>
-              </a:solidFill>
-              <a:latin typeface="+mn-lt"/>
-              <a:ea typeface="+mn-ea"/>
-            </a:endParaRPr>
-          </a:p>
-        </p:txBody>
-      </p:sp>
-      <p:sp>
-        <p:nvSpPr>
-          <p:cNvPr id="13" name="Slide Number Placeholder 5"/>
-          <p:cNvSpPr>
-            <a:spLocks noGrp="1"/>
-          </p:cNvSpPr>
-          <p:nvPr>
-            <p:ph type="sldNum" sz="quarter" idx="12"/>
-          </p:nvPr>
-        </p:nvSpPr>
-        <p:spPr>
-          <a:xfrm>
-            <a:off x="11582399" y="6434512"/>
-            <a:ext cx="329887" cy="365125"/>
-          </a:xfrm>
-        </p:spPr>
-        <p:txBody>
-          <a:bodyPr/>
-          <a:lstStyle/>
-          <a:p>
-            <a:r>
-              <a:rPr lang="en-US" b="1" dirty="0">
-                <a:solidFill>
-                  <a:schemeClr val="bg1"/>
-                </a:solidFill>
-              </a:rPr>
-              <a:t>5</a:t>
-            </a:r>
-          </a:p>
-        </p:txBody>
-      </p:sp>
-      <p:sp>
-        <p:nvSpPr>
-          <p:cNvPr id="14" name="Footer Placeholder 6"/>
-          <p:cNvSpPr>
-            <a:spLocks noGrp="1"/>
-          </p:cNvSpPr>
-          <p:nvPr>
-            <p:ph type="ftr" sz="quarter" idx="11"/>
-          </p:nvPr>
-        </p:nvSpPr>
-        <p:spPr>
-          <a:xfrm>
-            <a:off x="4648200" y="6434512"/>
-            <a:ext cx="3204000" cy="365125"/>
-          </a:xfrm>
-        </p:spPr>
-        <p:txBody>
-          <a:bodyPr/>
-          <a:lstStyle/>
-          <a:p>
-            <a:pPr>
-              <a:defRPr/>
-            </a:pPr>
-            <a:r>
-              <a:rPr lang="en-US" b="1" dirty="0">
-                <a:solidFill>
-                  <a:schemeClr val="bg1"/>
-                </a:solidFill>
-              </a:rPr>
-              <a:t>@The Helios – SIH2025</a:t>
-            </a:r>
-          </a:p>
-        </p:txBody>
-      </p:sp>
-      <p:sp>
-        <p:nvSpPr>
-          <p:cNvPr id="3" name="Title 1">
-            <a:extLst>
-              <a:ext uri="{FF2B5EF4-FFF2-40B4-BE49-F238E27FC236}">
-                <a16:creationId xmlns:a16="http://schemas.microsoft.com/office/drawing/2014/main" id="{4C610D8B-0245-EB60-0679-E679308E6471}"/>
-              </a:ext>
-            </a:extLst>
-          </p:cNvPr>
-          <p:cNvSpPr txBox="1">
-            <a:spLocks/>
-          </p:cNvSpPr>
-          <p:nvPr/>
-        </p:nvSpPr>
-        <p:spPr bwMode="auto">
-          <a:xfrm>
-            <a:off x="3255692" y="94554"/>
-            <a:ext cx="5677028" cy="888442"/>
-          </a:xfrm>
-          <a:prstGeom prst="rect">
-            <a:avLst/>
-          </a:prstGeom>
-          <a:noFill/>
-          <a:ln w="9525">
-            <a:noFill/>
-            <a:miter lim="800000"/>
-            <a:headEnd/>
-            <a:tailEnd/>
-          </a:ln>
-        </p:spPr>
-        <p:txBody>
-          <a:bodyPr vert="horz" wrap="square" lIns="91440" tIns="45720" rIns="91440" bIns="45720" numCol="1" anchor="ctr" anchorCtr="0" compatLnSpc="1">
-            <a:prstTxWarp prst="textNoShape">
-              <a:avLst/>
-            </a:prstTxWarp>
-          </a:bodyPr>
-          <a:lstStyle>
-            <a:lvl1pPr algn="ctr" defTabSz="457200" rtl="0" eaLnBrk="0" fontAlgn="base" hangingPunct="0">
-              <a:spcBef>
-                <a:spcPct val="0"/>
-              </a:spcBef>
-              <a:spcAft>
-                <a:spcPct val="0"/>
-              </a:spcAft>
-              <a:defRPr sz="4400" kern="1200">
-                <a:solidFill>
-                  <a:schemeClr val="tx1"/>
-                </a:solidFill>
-                <a:latin typeface="TradeGothic"/>
-                <a:ea typeface="ＭＳ Ｐゴシック" charset="0"/>
-                <a:cs typeface="ＭＳ Ｐゴシック" charset="0"/>
-              </a:defRPr>
-            </a:lvl1pPr>
-            <a:lvl2pPr algn="ctr" defTabSz="457200" rtl="0" eaLnBrk="0" fontAlgn="base" hangingPunct="0">
-              <a:spcBef>
-                <a:spcPct val="0"/>
-              </a:spcBef>
-              <a:spcAft>
-                <a:spcPct val="0"/>
-              </a:spcAft>
-              <a:defRPr sz="4400">
-                <a:solidFill>
-                  <a:schemeClr val="tx1"/>
-                </a:solidFill>
-                <a:latin typeface="TradeGothic" charset="0"/>
-                <a:ea typeface="ＭＳ Ｐゴシック" charset="0"/>
-                <a:cs typeface="ＭＳ Ｐゴシック" charset="0"/>
-              </a:defRPr>
-            </a:lvl2pPr>
-            <a:lvl3pPr algn="ctr" defTabSz="457200" rtl="0" eaLnBrk="0" fontAlgn="base" hangingPunct="0">
-              <a:spcBef>
-                <a:spcPct val="0"/>
-              </a:spcBef>
-              <a:spcAft>
-                <a:spcPct val="0"/>
-              </a:spcAft>
-              <a:defRPr sz="4400">
-                <a:solidFill>
-                  <a:schemeClr val="tx1"/>
-                </a:solidFill>
-                <a:latin typeface="TradeGothic" charset="0"/>
-                <a:ea typeface="ＭＳ Ｐゴシック" charset="0"/>
-                <a:cs typeface="ＭＳ Ｐゴシック" charset="0"/>
-              </a:defRPr>
-            </a:lvl3pPr>
-            <a:lvl4pPr algn="ctr" defTabSz="457200" rtl="0" eaLnBrk="0" fontAlgn="base" hangingPunct="0">
-              <a:spcBef>
-                <a:spcPct val="0"/>
-              </a:spcBef>
-              <a:spcAft>
-                <a:spcPct val="0"/>
-              </a:spcAft>
-              <a:defRPr sz="4400">
-                <a:solidFill>
-                  <a:schemeClr val="tx1"/>
-                </a:solidFill>
-                <a:latin typeface="TradeGothic" charset="0"/>
-                <a:ea typeface="ＭＳ Ｐゴシック" charset="0"/>
-                <a:cs typeface="ＭＳ Ｐゴシック" charset="0"/>
-              </a:defRPr>
-            </a:lvl4pPr>
-            <a:lvl5pPr algn="ctr" defTabSz="457200" rtl="0" eaLnBrk="0" fontAlgn="base" hangingPunct="0">
-              <a:spcBef>
-                <a:spcPct val="0"/>
-              </a:spcBef>
-              <a:spcAft>
-                <a:spcPct val="0"/>
-              </a:spcAft>
-              <a:defRPr sz="4400">
-                <a:solidFill>
-                  <a:schemeClr val="tx1"/>
-                </a:solidFill>
-                <a:latin typeface="TradeGothic" charset="0"/>
-                <a:ea typeface="ＭＳ Ｐゴシック" charset="0"/>
-                <a:cs typeface="ＭＳ Ｐゴシック" charset="0"/>
-              </a:defRPr>
-            </a:lvl5pPr>
-            <a:lvl6pPr marL="457200" algn="ctr" defTabSz="457200" rtl="0" fontAlgn="base">
-              <a:spcBef>
-                <a:spcPct val="0"/>
-              </a:spcBef>
-              <a:spcAft>
-                <a:spcPct val="0"/>
-              </a:spcAft>
-              <a:defRPr sz="4400">
-                <a:solidFill>
-                  <a:schemeClr val="tx1"/>
-                </a:solidFill>
-                <a:latin typeface="TradeGothic" charset="0"/>
-                <a:ea typeface="ＭＳ Ｐゴシック" charset="0"/>
-                <a:cs typeface="ＭＳ Ｐゴシック" charset="0"/>
-              </a:defRPr>
-            </a:lvl6pPr>
-            <a:lvl7pPr marL="914400" algn="ctr" defTabSz="457200" rtl="0" fontAlgn="base">
-              <a:spcBef>
-                <a:spcPct val="0"/>
-              </a:spcBef>
-              <a:spcAft>
-                <a:spcPct val="0"/>
-              </a:spcAft>
-              <a:defRPr sz="4400">
-                <a:solidFill>
-                  <a:schemeClr val="tx1"/>
-                </a:solidFill>
-                <a:latin typeface="TradeGothic" charset="0"/>
-                <a:ea typeface="ＭＳ Ｐゴシック" charset="0"/>
-                <a:cs typeface="ＭＳ Ｐゴシック" charset="0"/>
-              </a:defRPr>
-            </a:lvl7pPr>
-            <a:lvl8pPr marL="1371600" algn="ctr" defTabSz="457200" rtl="0" fontAlgn="base">
-              <a:spcBef>
-                <a:spcPct val="0"/>
-              </a:spcBef>
-              <a:spcAft>
-                <a:spcPct val="0"/>
-              </a:spcAft>
-              <a:defRPr sz="4400">
-                <a:solidFill>
-                  <a:schemeClr val="tx1"/>
-                </a:solidFill>
-                <a:latin typeface="TradeGothic" charset="0"/>
-                <a:ea typeface="ＭＳ Ｐゴシック" charset="0"/>
-                <a:cs typeface="ＭＳ Ｐゴシック" charset="0"/>
-              </a:defRPr>
-            </a:lvl8pPr>
-            <a:lvl9pPr marL="1828800" algn="ctr" defTabSz="457200" rtl="0" fontAlgn="base">
-              <a:spcBef>
-                <a:spcPct val="0"/>
-              </a:spcBef>
-              <a:spcAft>
-                <a:spcPct val="0"/>
-              </a:spcAft>
-              <a:defRPr sz="4400">
-                <a:solidFill>
-                  <a:schemeClr val="tx1"/>
-                </a:solidFill>
-                <a:latin typeface="TradeGothic" charset="0"/>
-                <a:ea typeface="ＭＳ Ｐゴシック" charset="0"/>
-                <a:cs typeface="ＭＳ Ｐゴシック" charset="0"/>
-              </a:defRPr>
-            </a:lvl9pPr>
-          </a:lstStyle>
-          <a:p>
-            <a:pPr eaLnBrk="1" hangingPunct="1"/>
-            <a:r>
-              <a:rPr lang="en-US" sz="3200" b="1" dirty="0">
-                <a:latin typeface="Times New Roman" panose="02020603050405020304" pitchFamily="18" charset="0"/>
-                <a:ea typeface="ＭＳ Ｐゴシック" pitchFamily="1" charset="-128"/>
-                <a:cs typeface="Times New Roman" panose="02020603050405020304" pitchFamily="18" charset="0"/>
-              </a:rPr>
-              <a:t>Impact and Benefits</a:t>
-            </a:r>
-          </a:p>
-        </p:txBody>
-      </p:sp>
-      <p:sp>
-        <p:nvSpPr>
-          <p:cNvPr id="4" name="Oval 3" descr="Your startup LOGO">
-            <a:extLst>
-              <a:ext uri="{FF2B5EF4-FFF2-40B4-BE49-F238E27FC236}">
-                <a16:creationId xmlns:a16="http://schemas.microsoft.com/office/drawing/2014/main" id="{E5FD220C-4263-BCA1-DA55-05F1381BA9D8}"/>
-              </a:ext>
-              <a:ext uri="{C183D7F6-B498-43B3-948B-1728B52AA6E4}">
-                <adec:decorative xmlns:adec="http://schemas.microsoft.com/office/drawing/2017/decorative" val="0"/>
-              </a:ext>
-            </a:extLst>
-          </p:cNvPr>
-          <p:cNvSpPr/>
-          <p:nvPr/>
-        </p:nvSpPr>
-        <p:spPr>
-          <a:xfrm>
-            <a:off x="152792" y="97651"/>
-            <a:ext cx="1251857" cy="807334"/>
-          </a:xfrm>
-          <a:prstGeom prst="ellipse">
-            <a:avLst/>
-          </a:prstGeom>
-        </p:spPr>
-        <p:style>
-          <a:lnRef idx="2">
-            <a:schemeClr val="accent4"/>
-          </a:lnRef>
-          <a:fillRef idx="1">
-            <a:schemeClr val="lt1"/>
-          </a:fillRef>
-          <a:effectRef idx="0">
-            <a:schemeClr val="accent4"/>
-          </a:effectRef>
-          <a:fontRef idx="minor">
-            <a:schemeClr val="dk1"/>
-          </a:fontRef>
-        </p:style>
-        <p:txBody>
-          <a:bodyPr rtlCol="0" anchor="ctr"/>
-          <a:lstStyle/>
-          <a:p>
-            <a:pPr algn="ctr"/>
-            <a:r>
-              <a:rPr lang="en-US" dirty="0"/>
-              <a:t> THE </a:t>
-            </a:r>
-            <a:r>
-              <a:rPr lang="en-US" b="1" i="1" dirty="0"/>
-              <a:t>HELIOS</a:t>
-            </a:r>
-            <a:endParaRPr lang="en-IN" b="1" i="1" dirty="0"/>
-          </a:p>
-        </p:txBody>
-      </p:sp>
-      <p:pic>
-        <p:nvPicPr>
-          <p:cNvPr id="6" name="Picture 2" descr="https://www.sih.gov.in/img1/SIH-Logo.png">
-            <a:extLst>
-              <a:ext uri="{FF2B5EF4-FFF2-40B4-BE49-F238E27FC236}">
-                <a16:creationId xmlns:a16="http://schemas.microsoft.com/office/drawing/2014/main" id="{B16E20A2-1C47-E762-3F63-0106EBE8B14B}"/>
+                <a16:creationId xmlns:a16="http://schemas.microsoft.com/office/drawing/2014/main" id="{8A16557A-CC37-8708-73E0-5BEEA51BD62A}"/>
               </a:ext>
             </a:extLst>
           </p:cNvPr>
@@ -9479,8 +9567,8 @@
         </p:blipFill>
         <p:spPr bwMode="auto">
           <a:xfrm>
-            <a:off x="10107561" y="57097"/>
-            <a:ext cx="1751080" cy="890052"/>
+            <a:off x="6451858" y="1562516"/>
+            <a:ext cx="5295484" cy="4323194"/>
           </a:xfrm>
           <a:prstGeom prst="rect">
             <a:avLst/>
@@ -9533,6 +9621,7 @@
       <p:sp>
         <p:nvSpPr>
           <p:cNvPr id="16" name="Rectangle 8">
+            <a:hlinkClick r:id="rId3" action="ppaction://hlinkpres?slideindex=1&amp;slidetitle="/>
             <a:extLst>
               <a:ext uri="{FF2B5EF4-FFF2-40B4-BE49-F238E27FC236}">
                 <a16:creationId xmlns:a16="http://schemas.microsoft.com/office/drawing/2014/main" id="{CB88916A-6D3A-0DB2-AF6D-EB840FA032CA}"/>
@@ -9636,13 +9725,15 @@
             </a:br>
             <a:r>
               <a:rPr lang="en-IN" sz="2000" dirty="0"/>
-              <a:t>🔗 </a:t>
-            </a:r>
-            <a:r>
-              <a:rPr lang="en-IN" sz="2000" dirty="0">
-                <a:hlinkClick r:id="rId3"/>
-              </a:rPr>
-              <a:t>https://moovitapp.com/</a:t>
+              <a:t>• </a:t>
+            </a:r>
+            <a:r>
+              <a:rPr lang="en-IN" sz="2000" b="1" dirty="0"/>
+              <a:t>Gamification Research</a:t>
+            </a:r>
+            <a:r>
+              <a:rPr lang="en-IN" sz="2000" dirty="0"/>
+              <a:t> → Studies show rewards improve crowdsourced reporting participation.(Optional)</a:t>
             </a:r>
             <a:br>
               <a:rPr lang="en-IN" sz="2000" dirty="0"/>
@@ -9653,21 +9744,6 @@
             </a:r>
             <a:r>
               <a:rPr lang="en-IN" sz="2000" b="1" dirty="0"/>
-              <a:t>Gamification Research</a:t>
-            </a:r>
-            <a:r>
-              <a:rPr lang="en-IN" sz="2000" dirty="0"/>
-              <a:t> → Studies show rewards improve crowdsourced reporting participation.(Optional)</a:t>
-            </a:r>
-            <a:br>
-              <a:rPr lang="en-IN" sz="2000" dirty="0"/>
-            </a:br>
-            <a:r>
-              <a:rPr lang="en-IN" sz="2000" dirty="0"/>
-              <a:t>• </a:t>
-            </a:r>
-            <a:r>
-              <a:rPr lang="en-IN" sz="2000" b="1" dirty="0"/>
               <a:t>OpenStreetMap &amp; </a:t>
             </a:r>
             <a:r>
@@ -9682,79 +9758,104 @@
               <a:rPr lang="en-IN" sz="2000" dirty="0"/>
               <a:t> → Open data &amp; routing frameworks for maps/navigation.</a:t>
             </a:r>
-            <a:br>
-              <a:rPr lang="en-IN" sz="2000" dirty="0"/>
-            </a:br>
-            <a:r>
-              <a:rPr lang="en-IN" sz="2000" dirty="0"/>
-              <a:t>• </a:t>
-            </a:r>
-            <a:r>
-              <a:rPr lang="en-IN" sz="2000" b="1" dirty="0"/>
-              <a:t>Ahmedabad </a:t>
-            </a:r>
-            <a:r>
-              <a:rPr lang="en-IN" sz="2000" b="1" dirty="0" err="1"/>
-              <a:t>Janmarg</a:t>
-            </a:r>
-            <a:r>
-              <a:rPr lang="en-IN" sz="2000" b="1" dirty="0"/>
-              <a:t> (BRTS)</a:t>
-            </a:r>
-            <a:r>
-              <a:rPr lang="en-IN" sz="2000" dirty="0"/>
-              <a:t> → Official portal for real-time tracking, route information, and services.</a:t>
-            </a:r>
-            <a:br>
-              <a:rPr lang="en-IN" sz="2000" dirty="0"/>
-            </a:br>
-            <a:r>
-              <a:rPr lang="en-IN" sz="2000" dirty="0"/>
-              <a:t>🔗 </a:t>
-            </a:r>
-            <a:r>
-              <a:rPr lang="en-IN" sz="2000" dirty="0">
-                <a:hlinkClick r:id="rId4"/>
-              </a:rPr>
-              <a:t>https://www.ahmedabadbrts.org/</a:t>
-            </a:r>
-            <a:br>
-              <a:rPr lang="en-IN" sz="2000" dirty="0"/>
-            </a:br>
-            <a:r>
-              <a:rPr lang="en-IN" sz="2000" dirty="0"/>
-              <a:t>• </a:t>
-            </a:r>
-            <a:r>
-              <a:rPr lang="en-IN" sz="2000" b="1" dirty="0"/>
-              <a:t>AMTS (Ahmedabad Municipal Transport Service)</a:t>
-            </a:r>
-            <a:r>
-              <a:rPr lang="en-IN" sz="2000" dirty="0"/>
-              <a:t> → Official site for schedules and city bus information.</a:t>
-            </a:r>
-            <a:br>
-              <a:rPr lang="en-IN" sz="2000" dirty="0"/>
-            </a:br>
-            <a:r>
-              <a:rPr lang="en-IN" sz="2000" dirty="0"/>
-              <a:t>🔗 </a:t>
-            </a:r>
-            <a:r>
-              <a:rPr lang="en-IN" sz="2000" dirty="0">
-                <a:hlinkClick r:id="rId5"/>
-              </a:rPr>
-              <a:t>https://www.amts.co.in/</a:t>
-            </a:r>
-            <a:endParaRPr lang="en-IN" sz="2000" dirty="0"/>
-          </a:p>
-          <a:p>
-            <a:pPr lvl="0" defTabSz="914400" eaLnBrk="0" hangingPunct="0">
+          </a:p>
+          <a:p>
+            <a:pPr defTabSz="914400" eaLnBrk="0" hangingPunct="0">
               <a:lnSpc>
                 <a:spcPct val="150000"/>
               </a:lnSpc>
             </a:pPr>
             <a:r>
+              <a:rPr lang="en-IN" sz="2000" dirty="0"/>
+              <a:t>• </a:t>
+            </a:r>
+            <a:r>
+              <a:rPr lang="en-IN" sz="2000" b="1" dirty="0"/>
+              <a:t>Mappls : </a:t>
+            </a:r>
+            <a:r>
+              <a:rPr lang="en-IN" sz="2000" dirty="0"/>
+              <a:t>🔗 </a:t>
+            </a:r>
+            <a:r>
+              <a:rPr lang="en-IN" sz="2000" dirty="0">
+                <a:hlinkClick r:id="rId4"/>
+              </a:rPr>
+              <a:t>Mappls</a:t>
+            </a:r>
+            <a:br>
+              <a:rPr lang="en-IN" sz="2000" dirty="0"/>
+            </a:br>
+            <a:r>
+              <a:rPr lang="en-IN" sz="2000" dirty="0"/>
+              <a:t>• </a:t>
+            </a:r>
+            <a:r>
+              <a:rPr lang="en-IN" sz="2000" b="1" dirty="0"/>
+              <a:t>Ahmedabad </a:t>
+            </a:r>
+            <a:r>
+              <a:rPr lang="en-IN" sz="2000" b="1" dirty="0" err="1"/>
+              <a:t>Janmarg</a:t>
+            </a:r>
+            <a:r>
+              <a:rPr lang="en-IN" sz="2000" b="1" dirty="0"/>
+              <a:t> (BRTS)</a:t>
+            </a:r>
+            <a:r>
+              <a:rPr lang="en-IN" sz="2000" dirty="0"/>
+              <a:t> → Official portal for real-time tracking, route information, and services.</a:t>
+            </a:r>
+            <a:br>
+              <a:rPr lang="en-IN" sz="2000" dirty="0"/>
+            </a:br>
+            <a:r>
+              <a:rPr lang="en-IN" sz="2000" dirty="0"/>
+              <a:t>🔗 </a:t>
+            </a:r>
+            <a:r>
+              <a:rPr lang="en-IN" sz="2000" dirty="0">
+                <a:hlinkClick r:id="rId5"/>
+              </a:rPr>
+              <a:t>BRTS</a:t>
+            </a:r>
+            <a:br>
+              <a:rPr lang="en-IN" sz="2000" dirty="0"/>
+            </a:br>
+            <a:r>
+              <a:rPr lang="en-IN" sz="2000" dirty="0"/>
+              <a:t>• </a:t>
+            </a:r>
+            <a:r>
+              <a:rPr lang="en-IN" sz="2000" b="1" dirty="0"/>
+              <a:t>AMTS (Ahmedabad Municipal Transport Service)</a:t>
+            </a:r>
+            <a:r>
+              <a:rPr lang="en-IN" sz="2000" dirty="0"/>
+              <a:t> → Official site for schedules and city bus information.</a:t>
+            </a:r>
+            <a:br>
+              <a:rPr lang="en-IN" sz="2000" dirty="0"/>
+            </a:br>
+            <a:r>
+              <a:rPr lang="en-IN" sz="2000" dirty="0"/>
+              <a:t>🔗 </a:t>
+            </a:r>
+            <a:r>
+              <a:rPr lang="en-IN" sz="2000" dirty="0">
+                <a:hlinkClick r:id="rId6"/>
+              </a:rPr>
+              <a:t>AMTS</a:t>
+            </a:r>
+            <a:endParaRPr lang="en-IN" sz="2000" dirty="0"/>
+          </a:p>
+          <a:p>
+            <a:pPr defTabSz="914400" eaLnBrk="0" hangingPunct="0">
+              <a:lnSpc>
+                <a:spcPct val="150000"/>
+              </a:lnSpc>
+            </a:pPr>
+            <a:r>
               <a:rPr lang="en-US" sz="2000" dirty="0"/>
               <a:t>• </a:t>
             </a:r>
@@ -9775,9 +9876,9 @@
             </a:r>
             <a:r>
               <a:rPr lang="en-US" sz="2000" dirty="0">
-                <a:hlinkClick r:id="rId6"/>
+                <a:hlinkClick r:id="rId7"/>
               </a:rPr>
-              <a:t>https://www.gujaratmetrorail.com/ahmedabad/wp-content/uploads/RoutInfo/Route.pdf</a:t>
+              <a:t>GMRC</a:t>
             </a:r>
             <a:endParaRPr lang="en-US" altLang="en-US" sz="2000" dirty="0">
               <a:latin typeface="Arial" panose="020B0604020202020204" pitchFamily="34" charset="0"/>
@@ -10173,7 +10274,7 @@
           <p:nvPr/>
         </p:nvPicPr>
         <p:blipFill>
-          <a:blip r:embed="rId7">
+          <a:blip r:embed="rId8">
             <a:extLst>
               <a:ext uri="{28A0092B-C50C-407E-A947-70E740481C1C}">
                 <a14:useLocalDpi xmlns:a14="http://schemas.microsoft.com/office/drawing/2010/main" val="0"/>

--- a/Research/Docs/SIH2025_PPT.pptx
+++ b/Research/Docs/SIH2025_PPT.pptx
@@ -7016,7 +7016,7 @@
         <p:spPr bwMode="auto">
           <a:xfrm>
             <a:off x="1247886" y="2137249"/>
-            <a:ext cx="4494008" cy="4093428"/>
+            <a:ext cx="4494008" cy="3785652"/>
           </a:xfrm>
           <a:prstGeom prst="rect">
             <a:avLst/>
@@ -7110,10 +7110,8 @@
             </a:pPr>
             <a:r>
               <a:rPr lang="en-US" sz="2000" dirty="0"/>
-              <a:t>Data Sources : AMTS, BRTS and GMRC official sites of Ahmedabad</a:t>
-            </a:r>
-          </a:p>
-          <a:p>
+              <a:t>Data Sources : Open data available for BRTS, GMRC, and other public transit</a:t>
+            </a:r>
             <a:endParaRPr lang="en-IN" sz="2000" dirty="0"/>
           </a:p>
         </p:txBody>
@@ -9635,8 +9633,8 @@
         </p:nvSpPr>
         <p:spPr bwMode="auto">
           <a:xfrm>
-            <a:off x="367529" y="1065769"/>
-            <a:ext cx="11301155" cy="5120889"/>
+            <a:off x="367529" y="1761889"/>
+            <a:ext cx="11301155" cy="3728649"/>
           </a:xfrm>
           <a:prstGeom prst="rect">
             <a:avLst/>
@@ -9778,7 +9776,7 @@
               <a:t>🔗 </a:t>
             </a:r>
             <a:r>
-              <a:rPr lang="en-IN" sz="2000" dirty="0">
+              <a:rPr lang="en-IN" sz="2000" dirty="0" err="1">
                 <a:hlinkClick r:id="rId4"/>
               </a:rPr>
               <a:t>Mappls</a:t>
@@ -9787,67 +9785,31 @@
               <a:rPr lang="en-IN" sz="2000" dirty="0"/>
             </a:br>
             <a:r>
-              <a:rPr lang="en-IN" sz="2000" dirty="0"/>
+              <a:rPr lang="en-US" sz="2000" dirty="0"/>
               <a:t>• </a:t>
             </a:r>
             <a:r>
-              <a:rPr lang="en-IN" sz="2000" b="1" dirty="0"/>
-              <a:t>Ahmedabad </a:t>
-            </a:r>
-            <a:r>
-              <a:rPr lang="en-IN" sz="2000" b="1" dirty="0" err="1"/>
-              <a:t>Janmarg</a:t>
-            </a:r>
-            <a:r>
-              <a:rPr lang="en-IN" sz="2000" b="1" dirty="0"/>
-              <a:t> (BRTS)</a:t>
-            </a:r>
-            <a:r>
-              <a:rPr lang="en-IN" sz="2000" dirty="0"/>
-              <a:t> → Official portal for real-time tracking, route information, and services.</a:t>
+              <a:rPr lang="en-US" sz="2000" b="1" dirty="0"/>
+              <a:t>Metro (GMRC)</a:t>
+            </a:r>
+            <a:r>
+              <a:rPr lang="en-US" sz="2000" dirty="0"/>
+              <a:t> → Official PDF with detailed metro route information, stations, and timings.</a:t>
             </a:r>
             <a:br>
-              <a:rPr lang="en-IN" sz="2000" dirty="0"/>
+              <a:rPr lang="en-US" sz="2000" dirty="0"/>
             </a:br>
             <a:r>
-              <a:rPr lang="en-IN" sz="2000" dirty="0"/>
+              <a:rPr lang="en-US" sz="2000" dirty="0"/>
               <a:t>🔗 </a:t>
             </a:r>
             <a:r>
-              <a:rPr lang="en-IN" sz="2000" dirty="0">
+              <a:rPr lang="en-US" sz="2000" dirty="0">
                 <a:hlinkClick r:id="rId5"/>
               </a:rPr>
-              <a:t>BRTS</a:t>
-            </a:r>
-            <a:br>
-              <a:rPr lang="en-IN" sz="2000" dirty="0"/>
-            </a:br>
-            <a:r>
-              <a:rPr lang="en-IN" sz="2000" dirty="0"/>
-              <a:t>• </a:t>
-            </a:r>
-            <a:r>
-              <a:rPr lang="en-IN" sz="2000" b="1" dirty="0"/>
-              <a:t>AMTS (Ahmedabad Municipal Transport Service)</a:t>
-            </a:r>
-            <a:r>
-              <a:rPr lang="en-IN" sz="2000" dirty="0"/>
-              <a:t> → Official site for schedules and city bus information.</a:t>
-            </a:r>
-            <a:br>
-              <a:rPr lang="en-IN" sz="2000" dirty="0"/>
-            </a:br>
-            <a:r>
-              <a:rPr lang="en-IN" sz="2000" dirty="0"/>
-              <a:t>🔗 </a:t>
-            </a:r>
-            <a:r>
-              <a:rPr lang="en-IN" sz="2000" dirty="0">
-                <a:hlinkClick r:id="rId6"/>
-              </a:rPr>
-              <a:t>AMTS</a:t>
-            </a:r>
-            <a:endParaRPr lang="en-IN" sz="2000" dirty="0"/>
+              <a:t>GMRC</a:t>
+            </a:r>
+            <a:endParaRPr lang="en-US" sz="2000" dirty="0"/>
           </a:p>
           <a:p>
             <a:pPr defTabSz="914400" eaLnBrk="0" hangingPunct="0">
@@ -9861,24 +9823,11 @@
             </a:r>
             <a:r>
               <a:rPr lang="en-US" sz="2000" b="1" dirty="0"/>
-              <a:t>Ahmedabad Metro (GMRC)</a:t>
+              <a:t>Other Data :</a:t>
             </a:r>
             <a:r>
               <a:rPr lang="en-US" sz="2000" dirty="0"/>
-              <a:t> → Official PDF with detailed metro route information, stations, and timings.</a:t>
-            </a:r>
-            <a:br>
-              <a:rPr lang="en-US" sz="2000" dirty="0"/>
-            </a:br>
-            <a:r>
-              <a:rPr lang="en-US" sz="2000" dirty="0"/>
-              <a:t>🔗 </a:t>
-            </a:r>
-            <a:r>
-              <a:rPr lang="en-US" sz="2000" dirty="0">
-                <a:hlinkClick r:id="rId7"/>
-              </a:rPr>
-              <a:t>GMRC</a:t>
+              <a:t> All the public transit data available online and open source through official GOV websites</a:t>
             </a:r>
             <a:endParaRPr lang="en-US" altLang="en-US" sz="2000" dirty="0">
               <a:latin typeface="Arial" panose="020B0604020202020204" pitchFamily="34" charset="0"/>
@@ -10274,7 +10223,7 @@
           <p:nvPr/>
         </p:nvPicPr>
         <p:blipFill>
-          <a:blip r:embed="rId8">
+          <a:blip r:embed="rId6">
             <a:extLst>
               <a:ext uri="{28A0092B-C50C-407E-A947-70E740481C1C}">
                 <a14:useLocalDpi xmlns:a14="http://schemas.microsoft.com/office/drawing/2010/main" val="0"/>

--- a/Research/Docs/SIH2025_PPT.pptx
+++ b/Research/Docs/SIH2025_PPT.pptx
@@ -261,7 +261,7 @@
             <a:fld id="{C4D5ADD5-2BBC-4A94-8F86-D9013941F742}" type="datetimeFigureOut">
               <a:rPr lang="en-US"/>
               <a:pPr/>
-              <a:t>9/9/2025</a:t>
+              <a:t>10-Sep-25</a:t>
             </a:fld>
             <a:endParaRPr lang="en-US"/>
           </a:p>
@@ -1534,7 +1534,7 @@
           <a:p>
             <a:fld id="{E60792E3-D524-454C-8AFD-A91972900BCB}" type="datetime1">
               <a:rPr lang="en-US" smtClean="0"/>
-              <a:t>9/9/2025</a:t>
+              <a:t>10-Sep-25</a:t>
             </a:fld>
             <a:endParaRPr lang="en-US"/>
           </a:p>
@@ -1719,7 +1719,7 @@
           <a:p>
             <a:fld id="{053C3A68-6922-42D3-8905-ECC2D82A3469}" type="datetime1">
               <a:rPr lang="en-US" smtClean="0"/>
-              <a:t>9/9/2025</a:t>
+              <a:t>10-Sep-25</a:t>
             </a:fld>
             <a:endParaRPr lang="en-US"/>
           </a:p>
@@ -1914,7 +1914,7 @@
           <a:p>
             <a:fld id="{CB69E9F4-7604-4950-A8B2-8ACDEDB1506E}" type="datetime1">
               <a:rPr lang="en-US" smtClean="0"/>
-              <a:t>9/9/2025</a:t>
+              <a:t>10-Sep-25</a:t>
             </a:fld>
             <a:endParaRPr lang="en-US"/>
           </a:p>
@@ -2099,7 +2099,7 @@
           <a:p>
             <a:fld id="{708B7524-32A2-4C20-A58C-BC3BAA1042FC}" type="datetime1">
               <a:rPr lang="en-US" smtClean="0"/>
-              <a:t>9/9/2025</a:t>
+              <a:t>10-Sep-25</a:t>
             </a:fld>
             <a:endParaRPr lang="en-US"/>
           </a:p>
@@ -2361,7 +2361,7 @@
           <a:p>
             <a:fld id="{1E994447-D6B2-43BB-A877-57F1A267B999}" type="datetime1">
               <a:rPr lang="en-US" smtClean="0"/>
-              <a:t>9/9/2025</a:t>
+              <a:t>10-Sep-25</a:t>
             </a:fld>
             <a:endParaRPr lang="en-US"/>
           </a:p>
@@ -2663,7 +2663,7 @@
           <a:p>
             <a:fld id="{68920E16-BD35-483C-AA6B-346FC7E46DEA}" type="datetime1">
               <a:rPr lang="en-US" smtClean="0"/>
-              <a:t>9/9/2025</a:t>
+              <a:t>10-Sep-25</a:t>
             </a:fld>
             <a:endParaRPr lang="en-US"/>
           </a:p>
@@ -3099,7 +3099,7 @@
           <a:p>
             <a:fld id="{2FEAC6F8-5103-4FC0-A69E-5C6AE6469DA8}" type="datetime1">
               <a:rPr lang="en-US" smtClean="0"/>
-              <a:t>9/9/2025</a:t>
+              <a:t>10-Sep-25</a:t>
             </a:fld>
             <a:endParaRPr lang="en-US"/>
           </a:p>
@@ -3233,7 +3233,7 @@
           <a:p>
             <a:fld id="{C60C6921-0627-4C8F-83D5-0CF936D2FFDD}" type="datetime1">
               <a:rPr lang="en-US" smtClean="0"/>
-              <a:t>9/9/2025</a:t>
+              <a:t>10-Sep-25</a:t>
             </a:fld>
             <a:endParaRPr lang="en-US"/>
           </a:p>
@@ -3345,7 +3345,7 @@
           <a:p>
             <a:fld id="{2FF08AD7-8103-40F8-983C-E2BA6BB9CBE0}" type="datetime1">
               <a:rPr lang="en-US" smtClean="0"/>
-              <a:t>9/9/2025</a:t>
+              <a:t>10-Sep-25</a:t>
             </a:fld>
             <a:endParaRPr lang="en-US"/>
           </a:p>
@@ -3637,7 +3637,7 @@
           <a:p>
             <a:fld id="{DF8C06B4-9380-4A4D-AF49-A3596E17DAF5}" type="datetime1">
               <a:rPr lang="en-US" smtClean="0"/>
-              <a:t>9/9/2025</a:t>
+              <a:t>10-Sep-25</a:t>
             </a:fld>
             <a:endParaRPr lang="en-US"/>
           </a:p>
@@ -3909,7 +3909,7 @@
           <a:p>
             <a:fld id="{EF7FDEF1-C582-4E22-9E77-D68326471F28}" type="datetime1">
               <a:rPr lang="en-US" smtClean="0"/>
-              <a:t>9/9/2025</a:t>
+              <a:t>10-Sep-25</a:t>
             </a:fld>
             <a:endParaRPr lang="en-US"/>
           </a:p>
@@ -4155,7 +4155,7 @@
           <a:p>
             <a:fld id="{780A9602-A9A9-453F-AEF1-37B5837E02CD}" type="datetime1">
               <a:rPr lang="en-US" smtClean="0"/>
-              <a:t>9/9/2025</a:t>
+              <a:t>10-Sep-25</a:t>
             </a:fld>
             <a:endParaRPr lang="en-US"/>
           </a:p>
@@ -7917,6 +7917,108 @@
           </a:p>
         </p:txBody>
       </p:sp>
+      <p:sp>
+        <p:nvSpPr>
+          <p:cNvPr id="2" name="Rectangle 1">
+            <a:extLst>
+              <a:ext uri="{FF2B5EF4-FFF2-40B4-BE49-F238E27FC236}">
+                <a16:creationId xmlns:a16="http://schemas.microsoft.com/office/drawing/2014/main" id="{E29E3805-DC4C-5B11-A95E-AB8EA2E96E1F}"/>
+              </a:ext>
+            </a:extLst>
+          </p:cNvPr>
+          <p:cNvSpPr/>
+          <p:nvPr/>
+        </p:nvSpPr>
+        <p:spPr>
+          <a:xfrm>
+            <a:off x="11075670" y="3432810"/>
+            <a:ext cx="304800" cy="131445"/>
+          </a:xfrm>
+          <a:prstGeom prst="rect">
+            <a:avLst/>
+          </a:prstGeom>
+          <a:solidFill>
+            <a:srgbClr val="E3F2FD"/>
+          </a:solidFill>
+          <a:ln>
+            <a:noFill/>
+          </a:ln>
+          <a:effectLst/>
+        </p:spPr>
+        <p:style>
+          <a:lnRef idx="1">
+            <a:schemeClr val="accent1"/>
+          </a:lnRef>
+          <a:fillRef idx="3">
+            <a:schemeClr val="accent1"/>
+          </a:fillRef>
+          <a:effectRef idx="2">
+            <a:schemeClr val="accent1"/>
+          </a:effectRef>
+          <a:fontRef idx="minor">
+            <a:schemeClr val="lt1"/>
+          </a:fontRef>
+        </p:style>
+        <p:txBody>
+          <a:bodyPr rtlCol="0" anchor="ctr"/>
+          <a:lstStyle/>
+          <a:p>
+            <a:pPr algn="ctr"/>
+            <a:endParaRPr lang="en-IN"/>
+          </a:p>
+        </p:txBody>
+      </p:sp>
+      <p:sp>
+        <p:nvSpPr>
+          <p:cNvPr id="6" name="Rectangle 5">
+            <a:extLst>
+              <a:ext uri="{FF2B5EF4-FFF2-40B4-BE49-F238E27FC236}">
+                <a16:creationId xmlns:a16="http://schemas.microsoft.com/office/drawing/2014/main" id="{1B500D5E-4A7B-4B8A-B537-19FCF46BBA74}"/>
+              </a:ext>
+            </a:extLst>
+          </p:cNvPr>
+          <p:cNvSpPr/>
+          <p:nvPr/>
+        </p:nvSpPr>
+        <p:spPr>
+          <a:xfrm>
+            <a:off x="11075670" y="3635072"/>
+            <a:ext cx="304800" cy="112063"/>
+          </a:xfrm>
+          <a:prstGeom prst="rect">
+            <a:avLst/>
+          </a:prstGeom>
+          <a:solidFill>
+            <a:srgbClr val="E3F2FD"/>
+          </a:solidFill>
+          <a:ln>
+            <a:noFill/>
+          </a:ln>
+          <a:effectLst/>
+        </p:spPr>
+        <p:style>
+          <a:lnRef idx="1">
+            <a:schemeClr val="accent1"/>
+          </a:lnRef>
+          <a:fillRef idx="3">
+            <a:schemeClr val="accent1"/>
+          </a:fillRef>
+          <a:effectRef idx="2">
+            <a:schemeClr val="accent1"/>
+          </a:effectRef>
+          <a:fontRef idx="minor">
+            <a:schemeClr val="lt1"/>
+          </a:fontRef>
+        </p:style>
+        <p:txBody>
+          <a:bodyPr rtlCol="0" anchor="ctr"/>
+          <a:lstStyle/>
+          <a:p>
+            <a:pPr algn="ctr"/>
+            <a:endParaRPr lang="en-IN"/>
+          </a:p>
+        </p:txBody>
+      </p:sp>
     </p:spTree>
   </p:cSld>
   <p:clrMapOvr>

--- a/Research/Docs/SIH2025_PPT.pptx
+++ b/Research/Docs/SIH2025_PPT.pptx
@@ -261,7 +261,7 @@
             <a:fld id="{C4D5ADD5-2BBC-4A94-8F86-D9013941F742}" type="datetimeFigureOut">
               <a:rPr lang="en-US"/>
               <a:pPr/>
-              <a:t>10-Sep-25</a:t>
+              <a:t>23-Sep-25</a:t>
             </a:fld>
             <a:endParaRPr lang="en-US"/>
           </a:p>
@@ -1534,7 +1534,7 @@
           <a:p>
             <a:fld id="{E60792E3-D524-454C-8AFD-A91972900BCB}" type="datetime1">
               <a:rPr lang="en-US" smtClean="0"/>
-              <a:t>10-Sep-25</a:t>
+              <a:t>23-Sep-25</a:t>
             </a:fld>
             <a:endParaRPr lang="en-US"/>
           </a:p>
@@ -1719,7 +1719,7 @@
           <a:p>
             <a:fld id="{053C3A68-6922-42D3-8905-ECC2D82A3469}" type="datetime1">
               <a:rPr lang="en-US" smtClean="0"/>
-              <a:t>10-Sep-25</a:t>
+              <a:t>23-Sep-25</a:t>
             </a:fld>
             <a:endParaRPr lang="en-US"/>
           </a:p>
@@ -1914,7 +1914,7 @@
           <a:p>
             <a:fld id="{CB69E9F4-7604-4950-A8B2-8ACDEDB1506E}" type="datetime1">
               <a:rPr lang="en-US" smtClean="0"/>
-              <a:t>10-Sep-25</a:t>
+              <a:t>23-Sep-25</a:t>
             </a:fld>
             <a:endParaRPr lang="en-US"/>
           </a:p>
@@ -2099,7 +2099,7 @@
           <a:p>
             <a:fld id="{708B7524-32A2-4C20-A58C-BC3BAA1042FC}" type="datetime1">
               <a:rPr lang="en-US" smtClean="0"/>
-              <a:t>10-Sep-25</a:t>
+              <a:t>23-Sep-25</a:t>
             </a:fld>
             <a:endParaRPr lang="en-US"/>
           </a:p>
@@ -2361,7 +2361,7 @@
           <a:p>
             <a:fld id="{1E994447-D6B2-43BB-A877-57F1A267B999}" type="datetime1">
               <a:rPr lang="en-US" smtClean="0"/>
-              <a:t>10-Sep-25</a:t>
+              <a:t>23-Sep-25</a:t>
             </a:fld>
             <a:endParaRPr lang="en-US"/>
           </a:p>
@@ -2663,7 +2663,7 @@
           <a:p>
             <a:fld id="{68920E16-BD35-483C-AA6B-346FC7E46DEA}" type="datetime1">
               <a:rPr lang="en-US" smtClean="0"/>
-              <a:t>10-Sep-25</a:t>
+              <a:t>23-Sep-25</a:t>
             </a:fld>
             <a:endParaRPr lang="en-US"/>
           </a:p>
@@ -3099,7 +3099,7 @@
           <a:p>
             <a:fld id="{2FEAC6F8-5103-4FC0-A69E-5C6AE6469DA8}" type="datetime1">
               <a:rPr lang="en-US" smtClean="0"/>
-              <a:t>10-Sep-25</a:t>
+              <a:t>23-Sep-25</a:t>
             </a:fld>
             <a:endParaRPr lang="en-US"/>
           </a:p>
@@ -3233,7 +3233,7 @@
           <a:p>
             <a:fld id="{C60C6921-0627-4C8F-83D5-0CF936D2FFDD}" type="datetime1">
               <a:rPr lang="en-US" smtClean="0"/>
-              <a:t>10-Sep-25</a:t>
+              <a:t>23-Sep-25</a:t>
             </a:fld>
             <a:endParaRPr lang="en-US"/>
           </a:p>
@@ -3345,7 +3345,7 @@
           <a:p>
             <a:fld id="{2FF08AD7-8103-40F8-983C-E2BA6BB9CBE0}" type="datetime1">
               <a:rPr lang="en-US" smtClean="0"/>
-              <a:t>10-Sep-25</a:t>
+              <a:t>23-Sep-25</a:t>
             </a:fld>
             <a:endParaRPr lang="en-US"/>
           </a:p>
@@ -3637,7 +3637,7 @@
           <a:p>
             <a:fld id="{DF8C06B4-9380-4A4D-AF49-A3596E17DAF5}" type="datetime1">
               <a:rPr lang="en-US" smtClean="0"/>
-              <a:t>10-Sep-25</a:t>
+              <a:t>23-Sep-25</a:t>
             </a:fld>
             <a:endParaRPr lang="en-US"/>
           </a:p>
@@ -3909,7 +3909,7 @@
           <a:p>
             <a:fld id="{EF7FDEF1-C582-4E22-9E77-D68326471F28}" type="datetime1">
               <a:rPr lang="en-US" smtClean="0"/>
-              <a:t>10-Sep-25</a:t>
+              <a:t>23-Sep-25</a:t>
             </a:fld>
             <a:endParaRPr lang="en-US"/>
           </a:p>
@@ -4155,7 +4155,7 @@
           <a:p>
             <a:fld id="{780A9602-A9A9-453F-AEF1-37B5837E02CD}" type="datetime1">
               <a:rPr lang="en-US" smtClean="0"/>
-              <a:t>10-Sep-25</a:t>
+              <a:t>23-Sep-25</a:t>
             </a:fld>
             <a:endParaRPr lang="en-US"/>
           </a:p>
@@ -5650,8 +5650,8 @@
         </p:nvSpPr>
         <p:spPr>
           <a:xfrm>
-            <a:off x="390094" y="1549693"/>
-            <a:ext cx="8940534" cy="4551952"/>
+            <a:off x="43965" y="1371768"/>
+            <a:ext cx="8940534" cy="5167505"/>
           </a:xfrm>
           <a:prstGeom prst="rect">
             <a:avLst/>
@@ -5667,7 +5667,7 @@
             <a:endParaRPr lang="en-US" sz="2000" dirty="0"/>
           </a:p>
           <a:p>
-            <a:pPr marL="285750" indent="-285750" algn="just">
+            <a:pPr marL="742950" lvl="1" indent="-285750" algn="just">
               <a:lnSpc>
                 <a:spcPct val="200000"/>
               </a:lnSpc>
@@ -5691,7 +5691,7 @@
             </a:endParaRPr>
           </a:p>
           <a:p>
-            <a:pPr marL="285750" indent="-285750" algn="just">
+            <a:pPr marL="742950" lvl="1" indent="-285750" algn="just">
               <a:lnSpc>
                 <a:spcPct val="200000"/>
               </a:lnSpc>
@@ -5715,7 +5715,7 @@
             </a:endParaRPr>
           </a:p>
           <a:p>
-            <a:pPr marL="285750" indent="-285750" algn="just">
+            <a:pPr marL="742950" lvl="1" indent="-285750" algn="just">
               <a:lnSpc>
                 <a:spcPct val="200000"/>
               </a:lnSpc>
@@ -5739,7 +5739,7 @@
             </a:endParaRPr>
           </a:p>
           <a:p>
-            <a:pPr marL="285750" indent="-285750" algn="just">
+            <a:pPr marL="742950" lvl="1" indent="-285750" algn="just">
               <a:lnSpc>
                 <a:spcPct val="200000"/>
               </a:lnSpc>
@@ -5762,7 +5762,7 @@
             </a:r>
           </a:p>
           <a:p>
-            <a:pPr marL="285750" indent="-285750" algn="just">
+            <a:pPr marL="742950" lvl="1" indent="-285750" algn="just">
               <a:lnSpc>
                 <a:spcPct val="200000"/>
               </a:lnSpc>
@@ -5783,7 +5783,30 @@
               </a:rPr>
               <a:t>The Helios</a:t>
             </a:r>
-            <a:endParaRPr lang="en-IN" sz="2000" b="1" dirty="0">
+          </a:p>
+          <a:p>
+            <a:pPr marL="742950" lvl="1" indent="-285750" algn="just">
+              <a:lnSpc>
+                <a:spcPct val="200000"/>
+              </a:lnSpc>
+              <a:buFont typeface="Arial" panose="020B0604020202020204" pitchFamily="34" charset="0"/>
+              <a:buChar char="•"/>
+            </a:pPr>
+            <a:r>
+              <a:rPr lang="en-US" sz="2000" b="1" dirty="0">
+                <a:latin typeface="Arial" panose="020B0604020202020204" pitchFamily="34" charset="0"/>
+                <a:cs typeface="Arial" panose="020B0604020202020204" pitchFamily="34" charset="0"/>
+              </a:rPr>
+              <a:t>Team ID : </a:t>
+            </a:r>
+            <a:r>
+              <a:rPr lang="en-US" sz="2000" dirty="0">
+                <a:latin typeface="Arial" panose="020B0604020202020204" pitchFamily="34" charset="0"/>
+                <a:cs typeface="Arial" panose="020B0604020202020204" pitchFamily="34" charset="0"/>
+              </a:rPr>
+              <a:t>54318</a:t>
+            </a:r>
+            <a:endParaRPr lang="en-IN" sz="2000" dirty="0">
               <a:latin typeface="Arial" panose="020B0604020202020204" pitchFamily="34" charset="0"/>
               <a:cs typeface="Arial" panose="020B0604020202020204" pitchFamily="34" charset="0"/>
             </a:endParaRPr>
@@ -6498,7 +6521,7 @@
         </p:blipFill>
         <p:spPr>
           <a:xfrm>
-            <a:off x="5840205" y="1676399"/>
+            <a:off x="5964047" y="1675980"/>
             <a:ext cx="5894594" cy="4526245"/>
           </a:xfrm>
           <a:prstGeom prst="rect">
@@ -9737,8 +9760,8 @@
         </p:nvSpPr>
         <p:spPr bwMode="auto">
           <a:xfrm>
-            <a:off x="367529" y="1065769"/>
-            <a:ext cx="11301155" cy="5120889"/>
+            <a:off x="367529" y="2219899"/>
+            <a:ext cx="11301155" cy="2812629"/>
           </a:xfrm>
           <a:prstGeom prst="rect">
             <a:avLst/>
@@ -9893,94 +9916,18 @@
               <a:t>• </a:t>
             </a:r>
             <a:r>
-              <a:rPr lang="en-IN" sz="2000" b="1" dirty="0"/>
-              <a:t>Ahmedabad </a:t>
-            </a:r>
-            <a:r>
-              <a:rPr lang="en-IN" sz="2000" b="1" dirty="0" err="1"/>
-              <a:t>Janmarg</a:t>
-            </a:r>
-            <a:r>
-              <a:rPr lang="en-IN" sz="2000" b="1" dirty="0"/>
-              <a:t> (BRTS)</a:t>
+              <a:rPr lang="en-US" sz="2000" b="1" dirty="0"/>
+              <a:t>Local Transit data of tier 2-3 cities with prototype : </a:t>
             </a:r>
             <a:r>
               <a:rPr lang="en-IN" sz="2000" dirty="0"/>
-              <a:t> → Official portal for real-time tracking, route information, and services.</a:t>
-            </a:r>
-            <a:br>
-              <a:rPr lang="en-IN" sz="2000" dirty="0"/>
-            </a:br>
-            <a:r>
-              <a:rPr lang="en-IN" sz="2000" dirty="0"/>
-              <a:t>🔗 </a:t>
+              <a:t>🔗</a:t>
             </a:r>
             <a:r>
               <a:rPr lang="en-IN" sz="2000" dirty="0">
                 <a:hlinkClick r:id="rId5"/>
               </a:rPr>
-              <a:t>BRTS</a:t>
-            </a:r>
-            <a:br>
-              <a:rPr lang="en-IN" sz="2000" dirty="0"/>
-            </a:br>
-            <a:r>
-              <a:rPr lang="en-IN" sz="2000" dirty="0"/>
-              <a:t>• </a:t>
-            </a:r>
-            <a:r>
-              <a:rPr lang="en-IN" sz="2000" b="1" dirty="0"/>
-              <a:t>AMTS (Ahmedabad Municipal Transport Service)</a:t>
-            </a:r>
-            <a:r>
-              <a:rPr lang="en-IN" sz="2000" dirty="0"/>
-              <a:t> → Official site for schedules and city bus information.</a:t>
-            </a:r>
-            <a:br>
-              <a:rPr lang="en-IN" sz="2000" dirty="0"/>
-            </a:br>
-            <a:r>
-              <a:rPr lang="en-IN" sz="2000" dirty="0"/>
-              <a:t>🔗 </a:t>
-            </a:r>
-            <a:r>
-              <a:rPr lang="en-IN" sz="2000" dirty="0">
-                <a:hlinkClick r:id="rId6"/>
-              </a:rPr>
-              <a:t>AMTS</a:t>
-            </a:r>
-            <a:endParaRPr lang="en-IN" sz="2000" dirty="0"/>
-          </a:p>
-          <a:p>
-            <a:pPr defTabSz="914400" eaLnBrk="0" hangingPunct="0">
-              <a:lnSpc>
-                <a:spcPct val="150000"/>
-              </a:lnSpc>
-            </a:pPr>
-            <a:r>
-              <a:rPr lang="en-US" sz="2000" dirty="0"/>
-              <a:t>• </a:t>
-            </a:r>
-            <a:r>
-              <a:rPr lang="en-US" sz="2000" b="1" dirty="0"/>
-              <a:t>Ahmedabad Metro (GMRC)</a:t>
-            </a:r>
-            <a:r>
-              <a:rPr lang="en-US" sz="2000" dirty="0"/>
-              <a:t> → Official PDF with detailed metro route information, stations, and timings.</a:t>
-            </a:r>
-            <a:br>
-              <a:rPr lang="en-US" sz="2000" dirty="0"/>
-            </a:br>
-            <a:r>
-              <a:rPr lang="en-US" sz="2000" dirty="0"/>
-              <a:t>🔗 </a:t>
-            </a:r>
-            <a:r>
-              <a:rPr lang="en-US" sz="2000" dirty="0">
-                <a:hlinkClick r:id="rId7"/>
-              </a:rPr>
-              <a:t>GMRC</a:t>
+              <a:t>Github</a:t>
             </a:r>
             <a:endParaRPr lang="en-US" altLang="en-US" sz="2000" dirty="0">
               <a:latin typeface="Arial" panose="020B0604020202020204" pitchFamily="34" charset="0"/>
@@ -10376,7 +10323,7 @@
           <p:nvPr/>
         </p:nvPicPr>
         <p:blipFill>
-          <a:blip r:embed="rId8">
+          <a:blip r:embed="rId6">
             <a:extLst>
               <a:ext uri="{28A0092B-C50C-407E-A947-70E740481C1C}">
                 <a14:useLocalDpi xmlns:a14="http://schemas.microsoft.com/office/drawing/2010/main" val="0"/>
